--- a/proposal/fig/pptx/fig.pptx
+++ b/proposal/fig/pptx/fig.pptx
@@ -6,6 +6,8 @@
   </p:sldMasterIdLst>
   <p:sldIdLst>
     <p:sldId id="256" r:id="rId2"/>
+    <p:sldId id="258" r:id="rId3"/>
+    <p:sldId id="257" r:id="rId4"/>
   </p:sldIdLst>
   <p:sldSz cx="12192000" cy="6858000"/>
   <p:notesSz cx="6858000" cy="9144000"/>
@@ -243,7 +245,7 @@
           <a:p>
             <a:fld id="{29AF6966-A338-46CE-95D1-A9837A00343A}" type="datetimeFigureOut">
               <a:rPr lang="zh-CN" altLang="en-US" smtClean="0"/>
-              <a:t>2017/4/8</a:t>
+              <a:t>2017/4/9</a:t>
             </a:fld>
             <a:endParaRPr lang="zh-CN" altLang="en-US"/>
           </a:p>
@@ -413,7 +415,7 @@
           <a:p>
             <a:fld id="{29AF6966-A338-46CE-95D1-A9837A00343A}" type="datetimeFigureOut">
               <a:rPr lang="zh-CN" altLang="en-US" smtClean="0"/>
-              <a:t>2017/4/8</a:t>
+              <a:t>2017/4/9</a:t>
             </a:fld>
             <a:endParaRPr lang="zh-CN" altLang="en-US"/>
           </a:p>
@@ -593,7 +595,7 @@
           <a:p>
             <a:fld id="{29AF6966-A338-46CE-95D1-A9837A00343A}" type="datetimeFigureOut">
               <a:rPr lang="zh-CN" altLang="en-US" smtClean="0"/>
-              <a:t>2017/4/8</a:t>
+              <a:t>2017/4/9</a:t>
             </a:fld>
             <a:endParaRPr lang="zh-CN" altLang="en-US"/>
           </a:p>
@@ -763,7 +765,7 @@
           <a:p>
             <a:fld id="{29AF6966-A338-46CE-95D1-A9837A00343A}" type="datetimeFigureOut">
               <a:rPr lang="zh-CN" altLang="en-US" smtClean="0"/>
-              <a:t>2017/4/8</a:t>
+              <a:t>2017/4/9</a:t>
             </a:fld>
             <a:endParaRPr lang="zh-CN" altLang="en-US"/>
           </a:p>
@@ -1009,7 +1011,7 @@
           <a:p>
             <a:fld id="{29AF6966-A338-46CE-95D1-A9837A00343A}" type="datetimeFigureOut">
               <a:rPr lang="zh-CN" altLang="en-US" smtClean="0"/>
-              <a:t>2017/4/8</a:t>
+              <a:t>2017/4/9</a:t>
             </a:fld>
             <a:endParaRPr lang="zh-CN" altLang="en-US"/>
           </a:p>
@@ -1241,7 +1243,7 @@
           <a:p>
             <a:fld id="{29AF6966-A338-46CE-95D1-A9837A00343A}" type="datetimeFigureOut">
               <a:rPr lang="zh-CN" altLang="en-US" smtClean="0"/>
-              <a:t>2017/4/8</a:t>
+              <a:t>2017/4/9</a:t>
             </a:fld>
             <a:endParaRPr lang="zh-CN" altLang="en-US"/>
           </a:p>
@@ -1608,7 +1610,7 @@
           <a:p>
             <a:fld id="{29AF6966-A338-46CE-95D1-A9837A00343A}" type="datetimeFigureOut">
               <a:rPr lang="zh-CN" altLang="en-US" smtClean="0"/>
-              <a:t>2017/4/8</a:t>
+              <a:t>2017/4/9</a:t>
             </a:fld>
             <a:endParaRPr lang="zh-CN" altLang="en-US"/>
           </a:p>
@@ -1726,7 +1728,7 @@
           <a:p>
             <a:fld id="{29AF6966-A338-46CE-95D1-A9837A00343A}" type="datetimeFigureOut">
               <a:rPr lang="zh-CN" altLang="en-US" smtClean="0"/>
-              <a:t>2017/4/8</a:t>
+              <a:t>2017/4/9</a:t>
             </a:fld>
             <a:endParaRPr lang="zh-CN" altLang="en-US"/>
           </a:p>
@@ -1821,7 +1823,7 @@
           <a:p>
             <a:fld id="{29AF6966-A338-46CE-95D1-A9837A00343A}" type="datetimeFigureOut">
               <a:rPr lang="zh-CN" altLang="en-US" smtClean="0"/>
-              <a:t>2017/4/8</a:t>
+              <a:t>2017/4/9</a:t>
             </a:fld>
             <a:endParaRPr lang="zh-CN" altLang="en-US"/>
           </a:p>
@@ -2098,7 +2100,7 @@
           <a:p>
             <a:fld id="{29AF6966-A338-46CE-95D1-A9837A00343A}" type="datetimeFigureOut">
               <a:rPr lang="zh-CN" altLang="en-US" smtClean="0"/>
-              <a:t>2017/4/8</a:t>
+              <a:t>2017/4/9</a:t>
             </a:fld>
             <a:endParaRPr lang="zh-CN" altLang="en-US"/>
           </a:p>
@@ -2351,7 +2353,7 @@
           <a:p>
             <a:fld id="{29AF6966-A338-46CE-95D1-A9837A00343A}" type="datetimeFigureOut">
               <a:rPr lang="zh-CN" altLang="en-US" smtClean="0"/>
-              <a:t>2017/4/8</a:t>
+              <a:t>2017/4/9</a:t>
             </a:fld>
             <a:endParaRPr lang="zh-CN" altLang="en-US"/>
           </a:p>
@@ -2564,7 +2566,7 @@
           <a:p>
             <a:fld id="{29AF6966-A338-46CE-95D1-A9837A00343A}" type="datetimeFigureOut">
               <a:rPr lang="zh-CN" altLang="en-US" smtClean="0"/>
-              <a:t>2017/4/8</a:t>
+              <a:t>2017/4/9</a:t>
             </a:fld>
             <a:endParaRPr lang="zh-CN" altLang="en-US"/>
           </a:p>
@@ -6902,6 +6904,2122 @@
 </p:sld>
 </file>
 
+<file path=ppt/slides/slide2.xml><?xml version="1.0" encoding="utf-8"?>
+<p:sld xmlns:a="http://schemas.openxmlformats.org/drawingml/2006/main" xmlns:r="http://schemas.openxmlformats.org/officeDocument/2006/relationships" xmlns:p="http://schemas.openxmlformats.org/presentationml/2006/main">
+  <p:cSld>
+    <p:spTree>
+      <p:nvGrpSpPr>
+        <p:cNvPr id="1" name=""/>
+        <p:cNvGrpSpPr/>
+        <p:nvPr/>
+      </p:nvGrpSpPr>
+      <p:grpSpPr>
+        <a:xfrm>
+          <a:off x="0" y="0"/>
+          <a:ext cx="0" cy="0"/>
+          <a:chOff x="0" y="0"/>
+          <a:chExt cx="0" cy="0"/>
+        </a:xfrm>
+      </p:grpSpPr>
+      <p:pic>
+        <p:nvPicPr>
+          <p:cNvPr id="39" name="图片 38"/>
+          <p:cNvPicPr>
+            <a:picLocks noChangeAspect="1"/>
+          </p:cNvPicPr>
+          <p:nvPr/>
+        </p:nvPicPr>
+        <p:blipFill>
+          <a:blip r:embed="rId2"/>
+          <a:stretch>
+            <a:fillRect/>
+          </a:stretch>
+        </p:blipFill>
+        <p:spPr>
+          <a:xfrm>
+            <a:off x="1603710" y="2447812"/>
+            <a:ext cx="1669174" cy="1988429"/>
+          </a:xfrm>
+          <a:prstGeom prst="rect">
+            <a:avLst/>
+          </a:prstGeom>
+          <a:ln>
+            <a:solidFill>
+              <a:schemeClr val="tx1"/>
+            </a:solidFill>
+          </a:ln>
+          <a:scene3d>
+            <a:camera prst="isometricRightUp">
+              <a:rot lat="3300000" lon="18899975" rev="0"/>
+            </a:camera>
+            <a:lightRig rig="threePt" dir="t"/>
+          </a:scene3d>
+        </p:spPr>
+      </p:pic>
+      <p:sp>
+        <p:nvSpPr>
+          <p:cNvPr id="4" name="立方体 3"/>
+          <p:cNvSpPr/>
+          <p:nvPr/>
+        </p:nvSpPr>
+        <p:spPr>
+          <a:xfrm>
+            <a:off x="3568972" y="2637463"/>
+            <a:ext cx="1028176" cy="1579944"/>
+          </a:xfrm>
+          <a:prstGeom prst="cube">
+            <a:avLst>
+              <a:gd name="adj" fmla="val 59152"/>
+            </a:avLst>
+          </a:prstGeom>
+          <a:noFill/>
+          <a:ln w="28575">
+            <a:solidFill>
+              <a:schemeClr val="tx1"/>
+            </a:solidFill>
+          </a:ln>
+        </p:spPr>
+        <p:style>
+          <a:lnRef idx="2">
+            <a:schemeClr val="accent1">
+              <a:shade val="50000"/>
+            </a:schemeClr>
+          </a:lnRef>
+          <a:fillRef idx="1">
+            <a:schemeClr val="accent1"/>
+          </a:fillRef>
+          <a:effectRef idx="0">
+            <a:schemeClr val="accent1"/>
+          </a:effectRef>
+          <a:fontRef idx="minor">
+            <a:schemeClr val="lt1"/>
+          </a:fontRef>
+        </p:style>
+        <p:txBody>
+          <a:bodyPr rtlCol="0" anchor="ctr"/>
+          <a:lstStyle/>
+          <a:p>
+            <a:pPr algn="ctr"/>
+            <a:endParaRPr lang="zh-CN" altLang="en-US"/>
+          </a:p>
+        </p:txBody>
+      </p:sp>
+      <p:grpSp>
+        <p:nvGrpSpPr>
+          <p:cNvPr id="13" name="组合 12"/>
+          <p:cNvGrpSpPr/>
+          <p:nvPr/>
+        </p:nvGrpSpPr>
+        <p:grpSpPr>
+          <a:xfrm>
+            <a:off x="2471278" y="3450781"/>
+            <a:ext cx="1057175" cy="393540"/>
+            <a:chOff x="1313029" y="3174036"/>
+            <a:chExt cx="1057175" cy="393540"/>
+          </a:xfrm>
+        </p:grpSpPr>
+        <p:sp>
+          <p:nvSpPr>
+            <p:cNvPr id="14" name="立方体 13"/>
+            <p:cNvSpPr/>
+            <p:nvPr/>
+          </p:nvSpPr>
+          <p:spPr>
+            <a:xfrm>
+              <a:off x="1313029" y="3174036"/>
+              <a:ext cx="225016" cy="393540"/>
+            </a:xfrm>
+            <a:prstGeom prst="cube">
+              <a:avLst>
+                <a:gd name="adj" fmla="val 57988"/>
+              </a:avLst>
+            </a:prstGeom>
+            <a:noFill/>
+            <a:ln w="19050">
+              <a:solidFill>
+                <a:schemeClr val="accent2">
+                  <a:lumMod val="50000"/>
+                </a:schemeClr>
+              </a:solidFill>
+            </a:ln>
+          </p:spPr>
+          <p:style>
+            <a:lnRef idx="2">
+              <a:schemeClr val="accent1">
+                <a:shade val="50000"/>
+              </a:schemeClr>
+            </a:lnRef>
+            <a:fillRef idx="1">
+              <a:schemeClr val="accent1"/>
+            </a:fillRef>
+            <a:effectRef idx="0">
+              <a:schemeClr val="accent1"/>
+            </a:effectRef>
+            <a:fontRef idx="minor">
+              <a:schemeClr val="lt1"/>
+            </a:fontRef>
+          </p:style>
+          <p:txBody>
+            <a:bodyPr rtlCol="0" anchor="ctr"/>
+            <a:lstStyle/>
+            <a:p>
+              <a:pPr algn="ctr"/>
+              <a:endParaRPr lang="zh-CN" altLang="en-US"/>
+            </a:p>
+          </p:txBody>
+        </p:sp>
+        <p:cxnSp>
+          <p:nvCxnSpPr>
+            <p:cNvPr id="15" name="直接连接符 14"/>
+            <p:cNvCxnSpPr/>
+            <p:nvPr/>
+          </p:nvCxnSpPr>
+          <p:spPr>
+            <a:xfrm>
+              <a:off x="1538045" y="3174036"/>
+              <a:ext cx="832159" cy="196770"/>
+            </a:xfrm>
+            <a:prstGeom prst="line">
+              <a:avLst/>
+            </a:prstGeom>
+            <a:ln>
+              <a:solidFill>
+                <a:schemeClr val="accent2">
+                  <a:lumMod val="50000"/>
+                </a:schemeClr>
+              </a:solidFill>
+              <a:prstDash val="dash"/>
+            </a:ln>
+          </p:spPr>
+          <p:style>
+            <a:lnRef idx="1">
+              <a:schemeClr val="accent1"/>
+            </a:lnRef>
+            <a:fillRef idx="0">
+              <a:schemeClr val="accent1"/>
+            </a:fillRef>
+            <a:effectRef idx="0">
+              <a:schemeClr val="accent1"/>
+            </a:effectRef>
+            <a:fontRef idx="minor">
+              <a:schemeClr val="tx1"/>
+            </a:fontRef>
+          </p:style>
+        </p:cxnSp>
+        <p:cxnSp>
+          <p:nvCxnSpPr>
+            <p:cNvPr id="16" name="直接连接符 15"/>
+            <p:cNvCxnSpPr/>
+            <p:nvPr/>
+          </p:nvCxnSpPr>
+          <p:spPr>
+            <a:xfrm flipV="1">
+              <a:off x="1400214" y="3370806"/>
+              <a:ext cx="940330" cy="173622"/>
+            </a:xfrm>
+            <a:prstGeom prst="line">
+              <a:avLst/>
+            </a:prstGeom>
+            <a:ln>
+              <a:solidFill>
+                <a:schemeClr val="accent2">
+                  <a:lumMod val="50000"/>
+                </a:schemeClr>
+              </a:solidFill>
+              <a:prstDash val="dash"/>
+            </a:ln>
+          </p:spPr>
+          <p:style>
+            <a:lnRef idx="1">
+              <a:schemeClr val="accent1"/>
+            </a:lnRef>
+            <a:fillRef idx="0">
+              <a:schemeClr val="accent1"/>
+            </a:fillRef>
+            <a:effectRef idx="0">
+              <a:schemeClr val="accent1"/>
+            </a:effectRef>
+            <a:fontRef idx="minor">
+              <a:schemeClr val="tx1"/>
+            </a:fontRef>
+          </p:style>
+        </p:cxnSp>
+        <p:cxnSp>
+          <p:nvCxnSpPr>
+            <p:cNvPr id="17" name="直接连接符 16"/>
+            <p:cNvCxnSpPr/>
+            <p:nvPr/>
+          </p:nvCxnSpPr>
+          <p:spPr>
+            <a:xfrm>
+              <a:off x="1409081" y="3334184"/>
+              <a:ext cx="936788" cy="36622"/>
+            </a:xfrm>
+            <a:prstGeom prst="line">
+              <a:avLst/>
+            </a:prstGeom>
+            <a:ln>
+              <a:solidFill>
+                <a:schemeClr val="accent2">
+                  <a:lumMod val="50000"/>
+                </a:schemeClr>
+              </a:solidFill>
+              <a:prstDash val="dash"/>
+            </a:ln>
+          </p:spPr>
+          <p:style>
+            <a:lnRef idx="1">
+              <a:schemeClr val="accent1"/>
+            </a:lnRef>
+            <a:fillRef idx="0">
+              <a:schemeClr val="accent1"/>
+            </a:fillRef>
+            <a:effectRef idx="0">
+              <a:schemeClr val="accent1"/>
+            </a:effectRef>
+            <a:fontRef idx="minor">
+              <a:schemeClr val="tx1"/>
+            </a:fontRef>
+          </p:style>
+        </p:cxnSp>
+        <p:cxnSp>
+          <p:nvCxnSpPr>
+            <p:cNvPr id="18" name="直接连接符 17"/>
+            <p:cNvCxnSpPr/>
+            <p:nvPr/>
+          </p:nvCxnSpPr>
+          <p:spPr>
+            <a:xfrm flipV="1">
+              <a:off x="1538045" y="3370806"/>
+              <a:ext cx="802499" cy="62130"/>
+            </a:xfrm>
+            <a:prstGeom prst="line">
+              <a:avLst/>
+            </a:prstGeom>
+            <a:ln>
+              <a:solidFill>
+                <a:schemeClr val="accent2">
+                  <a:lumMod val="50000"/>
+                </a:schemeClr>
+              </a:solidFill>
+              <a:prstDash val="dash"/>
+            </a:ln>
+          </p:spPr>
+          <p:style>
+            <a:lnRef idx="1">
+              <a:schemeClr val="accent1"/>
+            </a:lnRef>
+            <a:fillRef idx="0">
+              <a:schemeClr val="accent1"/>
+            </a:fillRef>
+            <a:effectRef idx="0">
+              <a:schemeClr val="accent1"/>
+            </a:effectRef>
+            <a:fontRef idx="minor">
+              <a:schemeClr val="tx1"/>
+            </a:fontRef>
+          </p:style>
+        </p:cxnSp>
+      </p:grpSp>
+      <p:grpSp>
+        <p:nvGrpSpPr>
+          <p:cNvPr id="19" name="组合 18"/>
+          <p:cNvGrpSpPr/>
+          <p:nvPr/>
+        </p:nvGrpSpPr>
+        <p:grpSpPr>
+          <a:xfrm>
+            <a:off x="4097156" y="3344146"/>
+            <a:ext cx="856289" cy="393540"/>
+            <a:chOff x="1313029" y="3174036"/>
+            <a:chExt cx="1057175" cy="393540"/>
+          </a:xfrm>
+        </p:grpSpPr>
+        <p:sp>
+          <p:nvSpPr>
+            <p:cNvPr id="20" name="立方体 19"/>
+            <p:cNvSpPr/>
+            <p:nvPr/>
+          </p:nvSpPr>
+          <p:spPr>
+            <a:xfrm>
+              <a:off x="1313029" y="3174036"/>
+              <a:ext cx="225016" cy="393540"/>
+            </a:xfrm>
+            <a:prstGeom prst="cube">
+              <a:avLst>
+                <a:gd name="adj" fmla="val 57988"/>
+              </a:avLst>
+            </a:prstGeom>
+            <a:noFill/>
+            <a:ln w="19050">
+              <a:solidFill>
+                <a:schemeClr val="accent2">
+                  <a:lumMod val="50000"/>
+                </a:schemeClr>
+              </a:solidFill>
+            </a:ln>
+          </p:spPr>
+          <p:style>
+            <a:lnRef idx="2">
+              <a:schemeClr val="accent1">
+                <a:shade val="50000"/>
+              </a:schemeClr>
+            </a:lnRef>
+            <a:fillRef idx="1">
+              <a:schemeClr val="accent1"/>
+            </a:fillRef>
+            <a:effectRef idx="0">
+              <a:schemeClr val="accent1"/>
+            </a:effectRef>
+            <a:fontRef idx="minor">
+              <a:schemeClr val="lt1"/>
+            </a:fontRef>
+          </p:style>
+          <p:txBody>
+            <a:bodyPr rtlCol="0" anchor="ctr"/>
+            <a:lstStyle/>
+            <a:p>
+              <a:pPr algn="ctr"/>
+              <a:endParaRPr lang="zh-CN" altLang="en-US"/>
+            </a:p>
+          </p:txBody>
+        </p:sp>
+        <p:cxnSp>
+          <p:nvCxnSpPr>
+            <p:cNvPr id="21" name="直接连接符 20"/>
+            <p:cNvCxnSpPr/>
+            <p:nvPr/>
+          </p:nvCxnSpPr>
+          <p:spPr>
+            <a:xfrm>
+              <a:off x="1538045" y="3174036"/>
+              <a:ext cx="832159" cy="196770"/>
+            </a:xfrm>
+            <a:prstGeom prst="line">
+              <a:avLst/>
+            </a:prstGeom>
+            <a:ln>
+              <a:solidFill>
+                <a:schemeClr val="accent2">
+                  <a:lumMod val="50000"/>
+                </a:schemeClr>
+              </a:solidFill>
+              <a:prstDash val="dash"/>
+            </a:ln>
+          </p:spPr>
+          <p:style>
+            <a:lnRef idx="1">
+              <a:schemeClr val="accent1"/>
+            </a:lnRef>
+            <a:fillRef idx="0">
+              <a:schemeClr val="accent1"/>
+            </a:fillRef>
+            <a:effectRef idx="0">
+              <a:schemeClr val="accent1"/>
+            </a:effectRef>
+            <a:fontRef idx="minor">
+              <a:schemeClr val="tx1"/>
+            </a:fontRef>
+          </p:style>
+        </p:cxnSp>
+        <p:cxnSp>
+          <p:nvCxnSpPr>
+            <p:cNvPr id="22" name="直接连接符 21"/>
+            <p:cNvCxnSpPr/>
+            <p:nvPr/>
+          </p:nvCxnSpPr>
+          <p:spPr>
+            <a:xfrm flipV="1">
+              <a:off x="1400214" y="3370806"/>
+              <a:ext cx="940330" cy="173622"/>
+            </a:xfrm>
+            <a:prstGeom prst="line">
+              <a:avLst/>
+            </a:prstGeom>
+            <a:ln>
+              <a:solidFill>
+                <a:schemeClr val="accent2">
+                  <a:lumMod val="50000"/>
+                </a:schemeClr>
+              </a:solidFill>
+              <a:prstDash val="dash"/>
+            </a:ln>
+          </p:spPr>
+          <p:style>
+            <a:lnRef idx="1">
+              <a:schemeClr val="accent1"/>
+            </a:lnRef>
+            <a:fillRef idx="0">
+              <a:schemeClr val="accent1"/>
+            </a:fillRef>
+            <a:effectRef idx="0">
+              <a:schemeClr val="accent1"/>
+            </a:effectRef>
+            <a:fontRef idx="minor">
+              <a:schemeClr val="tx1"/>
+            </a:fontRef>
+          </p:style>
+        </p:cxnSp>
+        <p:cxnSp>
+          <p:nvCxnSpPr>
+            <p:cNvPr id="23" name="直接连接符 22"/>
+            <p:cNvCxnSpPr/>
+            <p:nvPr/>
+          </p:nvCxnSpPr>
+          <p:spPr>
+            <a:xfrm>
+              <a:off x="1409081" y="3334184"/>
+              <a:ext cx="936788" cy="36622"/>
+            </a:xfrm>
+            <a:prstGeom prst="line">
+              <a:avLst/>
+            </a:prstGeom>
+            <a:ln>
+              <a:solidFill>
+                <a:schemeClr val="accent2">
+                  <a:lumMod val="50000"/>
+                </a:schemeClr>
+              </a:solidFill>
+              <a:prstDash val="dash"/>
+            </a:ln>
+          </p:spPr>
+          <p:style>
+            <a:lnRef idx="1">
+              <a:schemeClr val="accent1"/>
+            </a:lnRef>
+            <a:fillRef idx="0">
+              <a:schemeClr val="accent1"/>
+            </a:fillRef>
+            <a:effectRef idx="0">
+              <a:schemeClr val="accent1"/>
+            </a:effectRef>
+            <a:fontRef idx="minor">
+              <a:schemeClr val="tx1"/>
+            </a:fontRef>
+          </p:style>
+        </p:cxnSp>
+        <p:cxnSp>
+          <p:nvCxnSpPr>
+            <p:cNvPr id="24" name="直接连接符 23"/>
+            <p:cNvCxnSpPr/>
+            <p:nvPr/>
+          </p:nvCxnSpPr>
+          <p:spPr>
+            <a:xfrm flipV="1">
+              <a:off x="1538045" y="3370806"/>
+              <a:ext cx="802499" cy="62130"/>
+            </a:xfrm>
+            <a:prstGeom prst="line">
+              <a:avLst/>
+            </a:prstGeom>
+            <a:ln>
+              <a:solidFill>
+                <a:schemeClr val="accent2">
+                  <a:lumMod val="50000"/>
+                </a:schemeClr>
+              </a:solidFill>
+              <a:prstDash val="dash"/>
+            </a:ln>
+          </p:spPr>
+          <p:style>
+            <a:lnRef idx="1">
+              <a:schemeClr val="accent1"/>
+            </a:lnRef>
+            <a:fillRef idx="0">
+              <a:schemeClr val="accent1"/>
+            </a:fillRef>
+            <a:effectRef idx="0">
+              <a:schemeClr val="accent1"/>
+            </a:effectRef>
+            <a:fontRef idx="minor">
+              <a:schemeClr val="tx1"/>
+            </a:fontRef>
+          </p:style>
+        </p:cxnSp>
+      </p:grpSp>
+      <p:sp>
+        <p:nvSpPr>
+          <p:cNvPr id="50" name="文本框 49"/>
+          <p:cNvSpPr txBox="1"/>
+          <p:nvPr/>
+        </p:nvSpPr>
+        <p:spPr>
+          <a:xfrm>
+            <a:off x="2772147" y="3863226"/>
+            <a:ext cx="647449" cy="461665"/>
+          </a:xfrm>
+          <a:prstGeom prst="rect">
+            <a:avLst/>
+          </a:prstGeom>
+          <a:noFill/>
+        </p:spPr>
+        <p:txBody>
+          <a:bodyPr wrap="square" rtlCol="0">
+            <a:spAutoFit/>
+          </a:bodyPr>
+          <a:lstStyle/>
+          <a:p>
+            <a:r>
+              <a:rPr lang="en-US" altLang="zh-CN" sz="1200" b="1" dirty="0" smtClean="0"/>
+              <a:t>Conv1</a:t>
+            </a:r>
+          </a:p>
+          <a:p>
+            <a:endParaRPr lang="zh-CN" altLang="en-US" sz="1200" b="1" dirty="0"/>
+          </a:p>
+        </p:txBody>
+      </p:sp>
+      <p:sp>
+        <p:nvSpPr>
+          <p:cNvPr id="52" name="文本框 51"/>
+          <p:cNvSpPr txBox="1"/>
+          <p:nvPr/>
+        </p:nvSpPr>
+        <p:spPr>
+          <a:xfrm>
+            <a:off x="4346320" y="3737594"/>
+            <a:ext cx="647449" cy="276999"/>
+          </a:xfrm>
+          <a:prstGeom prst="rect">
+            <a:avLst/>
+          </a:prstGeom>
+          <a:noFill/>
+        </p:spPr>
+        <p:txBody>
+          <a:bodyPr wrap="square" rtlCol="0">
+            <a:spAutoFit/>
+          </a:bodyPr>
+          <a:lstStyle/>
+          <a:p>
+            <a:r>
+              <a:rPr lang="en-US" altLang="zh-CN" sz="1200" b="1" dirty="0" smtClean="0"/>
+              <a:t>conv2</a:t>
+            </a:r>
+            <a:endParaRPr lang="zh-CN" altLang="en-US" sz="1200" b="1" dirty="0"/>
+          </a:p>
+        </p:txBody>
+      </p:sp>
+      <p:sp>
+        <p:nvSpPr>
+          <p:cNvPr id="58" name="文本框 57"/>
+          <p:cNvSpPr txBox="1"/>
+          <p:nvPr/>
+        </p:nvSpPr>
+        <p:spPr>
+          <a:xfrm>
+            <a:off x="2084512" y="2778554"/>
+            <a:ext cx="410910" cy="230832"/>
+          </a:xfrm>
+          <a:prstGeom prst="rect">
+            <a:avLst/>
+          </a:prstGeom>
+          <a:noFill/>
+        </p:spPr>
+        <p:txBody>
+          <a:bodyPr wrap="square" rtlCol="0">
+            <a:spAutoFit/>
+          </a:bodyPr>
+          <a:lstStyle/>
+          <a:p>
+            <a:r>
+              <a:rPr lang="en-US" altLang="zh-CN" sz="900" dirty="0" smtClean="0"/>
+              <a:t>512</a:t>
+            </a:r>
+            <a:endParaRPr lang="zh-CN" altLang="en-US" sz="900" dirty="0"/>
+          </a:p>
+        </p:txBody>
+      </p:sp>
+      <p:sp>
+        <p:nvSpPr>
+          <p:cNvPr id="59" name="文本框 58"/>
+          <p:cNvSpPr txBox="1"/>
+          <p:nvPr/>
+        </p:nvSpPr>
+        <p:spPr>
+          <a:xfrm>
+            <a:off x="3625890" y="2711027"/>
+            <a:ext cx="410910" cy="230832"/>
+          </a:xfrm>
+          <a:prstGeom prst="rect">
+            <a:avLst/>
+          </a:prstGeom>
+          <a:noFill/>
+        </p:spPr>
+        <p:txBody>
+          <a:bodyPr wrap="square" rtlCol="0">
+            <a:spAutoFit/>
+          </a:bodyPr>
+          <a:lstStyle/>
+          <a:p>
+            <a:r>
+              <a:rPr lang="en-US" altLang="zh-CN" sz="900" dirty="0" smtClean="0"/>
+              <a:t>256</a:t>
+            </a:r>
+            <a:endParaRPr lang="zh-CN" altLang="en-US" sz="900" dirty="0"/>
+          </a:p>
+        </p:txBody>
+      </p:sp>
+      <p:sp>
+        <p:nvSpPr>
+          <p:cNvPr id="60" name="文本框 59"/>
+          <p:cNvSpPr txBox="1"/>
+          <p:nvPr/>
+        </p:nvSpPr>
+        <p:spPr>
+          <a:xfrm>
+            <a:off x="4272085" y="3004623"/>
+            <a:ext cx="426395" cy="230832"/>
+          </a:xfrm>
+          <a:prstGeom prst="rect">
+            <a:avLst/>
+          </a:prstGeom>
+          <a:noFill/>
+        </p:spPr>
+        <p:txBody>
+          <a:bodyPr wrap="square" rtlCol="0">
+            <a:spAutoFit/>
+          </a:bodyPr>
+          <a:lstStyle/>
+          <a:p>
+            <a:r>
+              <a:rPr lang="en-US" altLang="zh-CN" sz="900" dirty="0" smtClean="0"/>
+              <a:t>256</a:t>
+            </a:r>
+            <a:endParaRPr lang="zh-CN" altLang="en-US" sz="900" dirty="0"/>
+          </a:p>
+        </p:txBody>
+      </p:sp>
+      <p:sp>
+        <p:nvSpPr>
+          <p:cNvPr id="61" name="文本框 60"/>
+          <p:cNvSpPr txBox="1"/>
+          <p:nvPr/>
+        </p:nvSpPr>
+        <p:spPr>
+          <a:xfrm>
+            <a:off x="3028628" y="2949201"/>
+            <a:ext cx="410910" cy="230832"/>
+          </a:xfrm>
+          <a:prstGeom prst="rect">
+            <a:avLst/>
+          </a:prstGeom>
+          <a:noFill/>
+        </p:spPr>
+        <p:txBody>
+          <a:bodyPr wrap="square" rtlCol="0">
+            <a:spAutoFit/>
+          </a:bodyPr>
+          <a:lstStyle/>
+          <a:p>
+            <a:r>
+              <a:rPr lang="en-US" altLang="zh-CN" sz="900" dirty="0" smtClean="0"/>
+              <a:t>512</a:t>
+            </a:r>
+            <a:endParaRPr lang="zh-CN" altLang="en-US" sz="900" dirty="0"/>
+          </a:p>
+        </p:txBody>
+      </p:sp>
+      <p:sp>
+        <p:nvSpPr>
+          <p:cNvPr id="62" name="文本框 61"/>
+          <p:cNvSpPr txBox="1"/>
+          <p:nvPr/>
+        </p:nvSpPr>
+        <p:spPr>
+          <a:xfrm>
+            <a:off x="3590155" y="4206012"/>
+            <a:ext cx="410910" cy="230832"/>
+          </a:xfrm>
+          <a:prstGeom prst="rect">
+            <a:avLst/>
+          </a:prstGeom>
+          <a:noFill/>
+        </p:spPr>
+        <p:txBody>
+          <a:bodyPr wrap="square" rtlCol="0">
+            <a:spAutoFit/>
+          </a:bodyPr>
+          <a:lstStyle/>
+          <a:p>
+            <a:r>
+              <a:rPr lang="en-US" altLang="zh-CN" sz="900" dirty="0" smtClean="0"/>
+              <a:t>96</a:t>
+            </a:r>
+            <a:endParaRPr lang="zh-CN" altLang="en-US" sz="900" dirty="0"/>
+          </a:p>
+        </p:txBody>
+      </p:sp>
+      <p:grpSp>
+        <p:nvGrpSpPr>
+          <p:cNvPr id="84" name="组合 83"/>
+          <p:cNvGrpSpPr/>
+          <p:nvPr/>
+        </p:nvGrpSpPr>
+        <p:grpSpPr>
+          <a:xfrm>
+            <a:off x="6289454" y="3116618"/>
+            <a:ext cx="3075920" cy="660649"/>
+            <a:chOff x="1634101" y="3169407"/>
+            <a:chExt cx="1182861" cy="398170"/>
+          </a:xfrm>
+        </p:grpSpPr>
+        <p:sp>
+          <p:nvSpPr>
+            <p:cNvPr id="85" name="立方体 84"/>
+            <p:cNvSpPr/>
+            <p:nvPr/>
+          </p:nvSpPr>
+          <p:spPr>
+            <a:xfrm>
+              <a:off x="1634101" y="3174037"/>
+              <a:ext cx="956110" cy="393540"/>
+            </a:xfrm>
+            <a:prstGeom prst="cube">
+              <a:avLst>
+                <a:gd name="adj" fmla="val 40082"/>
+              </a:avLst>
+            </a:prstGeom>
+            <a:noFill/>
+            <a:ln w="28575">
+              <a:solidFill>
+                <a:schemeClr val="accent1">
+                  <a:lumMod val="75000"/>
+                </a:schemeClr>
+              </a:solidFill>
+            </a:ln>
+          </p:spPr>
+          <p:style>
+            <a:lnRef idx="2">
+              <a:schemeClr val="accent1">
+                <a:shade val="50000"/>
+              </a:schemeClr>
+            </a:lnRef>
+            <a:fillRef idx="1">
+              <a:schemeClr val="accent1"/>
+            </a:fillRef>
+            <a:effectRef idx="0">
+              <a:schemeClr val="accent1"/>
+            </a:effectRef>
+            <a:fontRef idx="minor">
+              <a:schemeClr val="lt1"/>
+            </a:fontRef>
+          </p:style>
+          <p:txBody>
+            <a:bodyPr rtlCol="0" anchor="ctr"/>
+            <a:lstStyle/>
+            <a:p>
+              <a:pPr algn="ctr"/>
+              <a:endParaRPr lang="zh-CN" altLang="en-US"/>
+            </a:p>
+          </p:txBody>
+        </p:sp>
+        <p:cxnSp>
+          <p:nvCxnSpPr>
+            <p:cNvPr id="86" name="直接连接符 85"/>
+            <p:cNvCxnSpPr/>
+            <p:nvPr/>
+          </p:nvCxnSpPr>
+          <p:spPr>
+            <a:xfrm>
+              <a:off x="2580201" y="3169407"/>
+              <a:ext cx="227396" cy="201400"/>
+            </a:xfrm>
+            <a:prstGeom prst="line">
+              <a:avLst/>
+            </a:prstGeom>
+            <a:ln w="28575">
+              <a:solidFill>
+                <a:schemeClr val="accent1">
+                  <a:lumMod val="75000"/>
+                </a:schemeClr>
+              </a:solidFill>
+              <a:prstDash val="dash"/>
+            </a:ln>
+          </p:spPr>
+          <p:style>
+            <a:lnRef idx="1">
+              <a:schemeClr val="accent1"/>
+            </a:lnRef>
+            <a:fillRef idx="0">
+              <a:schemeClr val="accent1"/>
+            </a:fillRef>
+            <a:effectRef idx="0">
+              <a:schemeClr val="accent1"/>
+            </a:effectRef>
+            <a:fontRef idx="minor">
+              <a:schemeClr val="tx1"/>
+            </a:fontRef>
+          </p:style>
+        </p:cxnSp>
+        <p:cxnSp>
+          <p:nvCxnSpPr>
+            <p:cNvPr id="87" name="直接连接符 86"/>
+            <p:cNvCxnSpPr>
+              <a:endCxn id="134" idx="2"/>
+            </p:cNvCxnSpPr>
+            <p:nvPr/>
+          </p:nvCxnSpPr>
+          <p:spPr>
+            <a:xfrm flipV="1">
+              <a:off x="2592541" y="3375165"/>
+              <a:ext cx="224421" cy="48627"/>
+            </a:xfrm>
+            <a:prstGeom prst="line">
+              <a:avLst/>
+            </a:prstGeom>
+            <a:ln w="28575">
+              <a:solidFill>
+                <a:schemeClr val="accent1">
+                  <a:lumMod val="75000"/>
+                </a:schemeClr>
+              </a:solidFill>
+              <a:prstDash val="dash"/>
+            </a:ln>
+          </p:spPr>
+          <p:style>
+            <a:lnRef idx="1">
+              <a:schemeClr val="accent1"/>
+            </a:lnRef>
+            <a:fillRef idx="0">
+              <a:schemeClr val="accent1"/>
+            </a:fillRef>
+            <a:effectRef idx="0">
+              <a:schemeClr val="accent1"/>
+            </a:effectRef>
+            <a:fontRef idx="minor">
+              <a:schemeClr val="tx1"/>
+            </a:fontRef>
+          </p:style>
+        </p:cxnSp>
+        <p:cxnSp>
+          <p:nvCxnSpPr>
+            <p:cNvPr id="88" name="直接连接符 87"/>
+            <p:cNvCxnSpPr/>
+            <p:nvPr/>
+          </p:nvCxnSpPr>
+          <p:spPr>
+            <a:xfrm>
+              <a:off x="2491633" y="3332026"/>
+              <a:ext cx="315965" cy="38782"/>
+            </a:xfrm>
+            <a:prstGeom prst="line">
+              <a:avLst/>
+            </a:prstGeom>
+            <a:ln w="28575">
+              <a:solidFill>
+                <a:schemeClr val="accent1">
+                  <a:lumMod val="75000"/>
+                </a:schemeClr>
+              </a:solidFill>
+              <a:prstDash val="dash"/>
+            </a:ln>
+          </p:spPr>
+          <p:style>
+            <a:lnRef idx="1">
+              <a:schemeClr val="accent1"/>
+            </a:lnRef>
+            <a:fillRef idx="0">
+              <a:schemeClr val="accent1"/>
+            </a:fillRef>
+            <a:effectRef idx="0">
+              <a:schemeClr val="accent1"/>
+            </a:effectRef>
+            <a:fontRef idx="minor">
+              <a:schemeClr val="tx1"/>
+            </a:fontRef>
+          </p:style>
+        </p:cxnSp>
+        <p:cxnSp>
+          <p:nvCxnSpPr>
+            <p:cNvPr id="89" name="直接连接符 88"/>
+            <p:cNvCxnSpPr/>
+            <p:nvPr/>
+          </p:nvCxnSpPr>
+          <p:spPr>
+            <a:xfrm flipV="1">
+              <a:off x="2476586" y="3370810"/>
+              <a:ext cx="331011" cy="182259"/>
+            </a:xfrm>
+            <a:prstGeom prst="line">
+              <a:avLst/>
+            </a:prstGeom>
+            <a:ln w="28575">
+              <a:solidFill>
+                <a:schemeClr val="accent1">
+                  <a:lumMod val="75000"/>
+                </a:schemeClr>
+              </a:solidFill>
+              <a:prstDash val="dash"/>
+            </a:ln>
+          </p:spPr>
+          <p:style>
+            <a:lnRef idx="1">
+              <a:schemeClr val="accent1"/>
+            </a:lnRef>
+            <a:fillRef idx="0">
+              <a:schemeClr val="accent1"/>
+            </a:fillRef>
+            <a:effectRef idx="0">
+              <a:schemeClr val="accent1"/>
+            </a:effectRef>
+            <a:fontRef idx="minor">
+              <a:schemeClr val="tx1"/>
+            </a:fontRef>
+          </p:style>
+        </p:cxnSp>
+      </p:grpSp>
+      <p:sp>
+        <p:nvSpPr>
+          <p:cNvPr id="90" name="文本框 89"/>
+          <p:cNvSpPr txBox="1"/>
+          <p:nvPr/>
+        </p:nvSpPr>
+        <p:spPr>
+          <a:xfrm>
+            <a:off x="6553423" y="3433481"/>
+            <a:ext cx="1259082" cy="276999"/>
+          </a:xfrm>
+          <a:prstGeom prst="rect">
+            <a:avLst/>
+          </a:prstGeom>
+          <a:noFill/>
+        </p:spPr>
+        <p:txBody>
+          <a:bodyPr wrap="square" rtlCol="0">
+            <a:spAutoFit/>
+          </a:bodyPr>
+          <a:lstStyle/>
+          <a:p>
+            <a:r>
+              <a:rPr lang="en-US" altLang="zh-CN" sz="1200" b="1" dirty="0" smtClean="0"/>
+              <a:t>ResNet-50 layers</a:t>
+            </a:r>
+            <a:endParaRPr lang="zh-CN" altLang="en-US" sz="1200" b="1" dirty="0"/>
+          </a:p>
+        </p:txBody>
+      </p:sp>
+      <p:sp>
+        <p:nvSpPr>
+          <p:cNvPr id="91" name="文本框 90"/>
+          <p:cNvSpPr txBox="1"/>
+          <p:nvPr/>
+        </p:nvSpPr>
+        <p:spPr>
+          <a:xfrm>
+            <a:off x="4973162" y="2742283"/>
+            <a:ext cx="410910" cy="230832"/>
+          </a:xfrm>
+          <a:prstGeom prst="rect">
+            <a:avLst/>
+          </a:prstGeom>
+          <a:noFill/>
+        </p:spPr>
+        <p:txBody>
+          <a:bodyPr wrap="square" rtlCol="0">
+            <a:spAutoFit/>
+          </a:bodyPr>
+          <a:lstStyle/>
+          <a:p>
+            <a:r>
+              <a:rPr lang="en-US" altLang="zh-CN" sz="900" dirty="0" smtClean="0"/>
+              <a:t>128</a:t>
+            </a:r>
+            <a:endParaRPr lang="zh-CN" altLang="en-US" sz="900" dirty="0"/>
+          </a:p>
+        </p:txBody>
+      </p:sp>
+      <p:sp>
+        <p:nvSpPr>
+          <p:cNvPr id="92" name="文本框 91"/>
+          <p:cNvSpPr txBox="1"/>
+          <p:nvPr/>
+        </p:nvSpPr>
+        <p:spPr>
+          <a:xfrm>
+            <a:off x="5675363" y="2973115"/>
+            <a:ext cx="354854" cy="230832"/>
+          </a:xfrm>
+          <a:prstGeom prst="rect">
+            <a:avLst/>
+          </a:prstGeom>
+          <a:noFill/>
+        </p:spPr>
+        <p:txBody>
+          <a:bodyPr wrap="square" rtlCol="0">
+            <a:spAutoFit/>
+          </a:bodyPr>
+          <a:lstStyle/>
+          <a:p>
+            <a:r>
+              <a:rPr lang="en-US" altLang="zh-CN" sz="900" dirty="0" smtClean="0"/>
+              <a:t>128</a:t>
+            </a:r>
+            <a:endParaRPr lang="zh-CN" altLang="en-US" sz="900" dirty="0"/>
+          </a:p>
+        </p:txBody>
+      </p:sp>
+      <p:sp>
+        <p:nvSpPr>
+          <p:cNvPr id="93" name="文本框 92"/>
+          <p:cNvSpPr txBox="1"/>
+          <p:nvPr/>
+        </p:nvSpPr>
+        <p:spPr>
+          <a:xfrm>
+            <a:off x="4973162" y="4205409"/>
+            <a:ext cx="410910" cy="230832"/>
+          </a:xfrm>
+          <a:prstGeom prst="rect">
+            <a:avLst/>
+          </a:prstGeom>
+          <a:noFill/>
+        </p:spPr>
+        <p:txBody>
+          <a:bodyPr wrap="square" rtlCol="0">
+            <a:spAutoFit/>
+          </a:bodyPr>
+          <a:lstStyle/>
+          <a:p>
+            <a:r>
+              <a:rPr lang="en-US" altLang="zh-CN" sz="900" dirty="0" smtClean="0"/>
+              <a:t>96</a:t>
+            </a:r>
+            <a:endParaRPr lang="zh-CN" altLang="en-US" sz="900" dirty="0"/>
+          </a:p>
+        </p:txBody>
+      </p:sp>
+      <p:sp>
+        <p:nvSpPr>
+          <p:cNvPr id="132" name="文本框 131"/>
+          <p:cNvSpPr txBox="1"/>
+          <p:nvPr/>
+        </p:nvSpPr>
+        <p:spPr>
+          <a:xfrm>
+            <a:off x="10135234" y="3871797"/>
+            <a:ext cx="282913" cy="230832"/>
+          </a:xfrm>
+          <a:prstGeom prst="rect">
+            <a:avLst/>
+          </a:prstGeom>
+          <a:noFill/>
+        </p:spPr>
+        <p:txBody>
+          <a:bodyPr wrap="square" rtlCol="0">
+            <a:spAutoFit/>
+          </a:bodyPr>
+          <a:lstStyle/>
+          <a:p>
+            <a:r>
+              <a:rPr lang="en-US" altLang="zh-CN" sz="900" dirty="0" smtClean="0"/>
+              <a:t>5</a:t>
+            </a:r>
+            <a:endParaRPr lang="zh-CN" altLang="en-US" sz="900" dirty="0"/>
+          </a:p>
+        </p:txBody>
+      </p:sp>
+      <p:sp>
+        <p:nvSpPr>
+          <p:cNvPr id="134" name="立方体 133"/>
+          <p:cNvSpPr/>
+          <p:nvPr/>
+        </p:nvSpPr>
+        <p:spPr>
+          <a:xfrm>
+            <a:off x="9365374" y="3313907"/>
+            <a:ext cx="200837" cy="211238"/>
+          </a:xfrm>
+          <a:prstGeom prst="cube">
+            <a:avLst>
+              <a:gd name="adj" fmla="val 38329"/>
+            </a:avLst>
+          </a:prstGeom>
+          <a:noFill/>
+          <a:ln w="28575">
+            <a:solidFill>
+              <a:schemeClr val="tx1"/>
+            </a:solidFill>
+          </a:ln>
+        </p:spPr>
+        <p:style>
+          <a:lnRef idx="2">
+            <a:schemeClr val="accent1">
+              <a:shade val="50000"/>
+            </a:schemeClr>
+          </a:lnRef>
+          <a:fillRef idx="1">
+            <a:schemeClr val="accent1"/>
+          </a:fillRef>
+          <a:effectRef idx="0">
+            <a:schemeClr val="accent1"/>
+          </a:effectRef>
+          <a:fontRef idx="minor">
+            <a:schemeClr val="lt1"/>
+          </a:fontRef>
+        </p:style>
+        <p:txBody>
+          <a:bodyPr rtlCol="0" anchor="ctr"/>
+          <a:lstStyle/>
+          <a:p>
+            <a:pPr algn="ctr"/>
+            <a:endParaRPr lang="zh-CN" altLang="en-US"/>
+          </a:p>
+        </p:txBody>
+      </p:sp>
+      <p:sp>
+        <p:nvSpPr>
+          <p:cNvPr id="135" name="文本框 134"/>
+          <p:cNvSpPr txBox="1"/>
+          <p:nvPr/>
+        </p:nvSpPr>
+        <p:spPr>
+          <a:xfrm>
+            <a:off x="9248184" y="3167706"/>
+            <a:ext cx="205455" cy="230832"/>
+          </a:xfrm>
+          <a:prstGeom prst="rect">
+            <a:avLst/>
+          </a:prstGeom>
+          <a:noFill/>
+        </p:spPr>
+        <p:txBody>
+          <a:bodyPr wrap="square" rtlCol="0">
+            <a:spAutoFit/>
+          </a:bodyPr>
+          <a:lstStyle/>
+          <a:p>
+            <a:r>
+              <a:rPr lang="en-US" altLang="zh-CN" sz="900" dirty="0" smtClean="0"/>
+              <a:t>1</a:t>
+            </a:r>
+            <a:endParaRPr lang="zh-CN" altLang="en-US" sz="900" dirty="0"/>
+          </a:p>
+        </p:txBody>
+      </p:sp>
+      <p:sp>
+        <p:nvSpPr>
+          <p:cNvPr id="136" name="文本框 135"/>
+          <p:cNvSpPr txBox="1"/>
+          <p:nvPr/>
+        </p:nvSpPr>
+        <p:spPr>
+          <a:xfrm>
+            <a:off x="9516920" y="3176943"/>
+            <a:ext cx="206309" cy="230832"/>
+          </a:xfrm>
+          <a:prstGeom prst="rect">
+            <a:avLst/>
+          </a:prstGeom>
+          <a:noFill/>
+        </p:spPr>
+        <p:txBody>
+          <a:bodyPr wrap="square" rtlCol="0">
+            <a:spAutoFit/>
+          </a:bodyPr>
+          <a:lstStyle/>
+          <a:p>
+            <a:r>
+              <a:rPr lang="en-US" altLang="zh-CN" sz="900" dirty="0" smtClean="0"/>
+              <a:t>1</a:t>
+            </a:r>
+            <a:endParaRPr lang="zh-CN" altLang="en-US" sz="900" dirty="0"/>
+          </a:p>
+        </p:txBody>
+      </p:sp>
+      <p:cxnSp>
+        <p:nvCxnSpPr>
+          <p:cNvPr id="8" name="直接箭头连接符 7"/>
+          <p:cNvCxnSpPr/>
+          <p:nvPr/>
+        </p:nvCxnSpPr>
+        <p:spPr>
+          <a:xfrm>
+            <a:off x="9717757" y="3410574"/>
+            <a:ext cx="395997" cy="4476"/>
+          </a:xfrm>
+          <a:prstGeom prst="straightConnector1">
+            <a:avLst/>
+          </a:prstGeom>
+          <a:ln w="28575">
+            <a:solidFill>
+              <a:schemeClr val="tx1"/>
+            </a:solidFill>
+            <a:tailEnd type="triangle"/>
+          </a:ln>
+        </p:spPr>
+        <p:style>
+          <a:lnRef idx="1">
+            <a:schemeClr val="accent1"/>
+          </a:lnRef>
+          <a:fillRef idx="0">
+            <a:schemeClr val="accent1"/>
+          </a:fillRef>
+          <a:effectRef idx="0">
+            <a:schemeClr val="accent1"/>
+          </a:effectRef>
+          <a:fontRef idx="minor">
+            <a:schemeClr val="tx1"/>
+          </a:fontRef>
+        </p:style>
+      </p:cxnSp>
+      <p:sp>
+        <p:nvSpPr>
+          <p:cNvPr id="26" name="矩形 25"/>
+          <p:cNvSpPr/>
+          <p:nvPr/>
+        </p:nvSpPr>
+        <p:spPr>
+          <a:xfrm>
+            <a:off x="10221713" y="2893970"/>
+            <a:ext cx="109956" cy="941319"/>
+          </a:xfrm>
+          <a:prstGeom prst="rect">
+            <a:avLst/>
+          </a:prstGeom>
+          <a:ln w="28575">
+            <a:solidFill>
+              <a:schemeClr val="tx1"/>
+            </a:solidFill>
+          </a:ln>
+        </p:spPr>
+        <p:style>
+          <a:lnRef idx="2">
+            <a:schemeClr val="accent6"/>
+          </a:lnRef>
+          <a:fillRef idx="1">
+            <a:schemeClr val="lt1"/>
+          </a:fillRef>
+          <a:effectRef idx="0">
+            <a:schemeClr val="accent6"/>
+          </a:effectRef>
+          <a:fontRef idx="minor">
+            <a:schemeClr val="dk1"/>
+          </a:fontRef>
+        </p:style>
+        <p:txBody>
+          <a:bodyPr rtlCol="0" anchor="ctr"/>
+          <a:lstStyle/>
+          <a:p>
+            <a:pPr algn="ctr"/>
+            <a:endParaRPr lang="zh-CN" altLang="en-US"/>
+          </a:p>
+        </p:txBody>
+      </p:sp>
+      <p:sp>
+        <p:nvSpPr>
+          <p:cNvPr id="30" name="文本框 29"/>
+          <p:cNvSpPr txBox="1"/>
+          <p:nvPr/>
+        </p:nvSpPr>
+        <p:spPr>
+          <a:xfrm>
+            <a:off x="9673352" y="3183094"/>
+            <a:ext cx="522334" cy="200055"/>
+          </a:xfrm>
+          <a:prstGeom prst="rect">
+            <a:avLst/>
+          </a:prstGeom>
+          <a:noFill/>
+        </p:spPr>
+        <p:txBody>
+          <a:bodyPr wrap="square" rtlCol="0">
+            <a:spAutoFit/>
+          </a:bodyPr>
+          <a:lstStyle/>
+          <a:p>
+            <a:r>
+              <a:rPr lang="en-US" altLang="zh-CN" sz="700" dirty="0" smtClean="0"/>
+              <a:t>Flatten</a:t>
+            </a:r>
+            <a:endParaRPr lang="zh-CN" altLang="en-US" sz="700" dirty="0"/>
+          </a:p>
+        </p:txBody>
+      </p:sp>
+      <p:sp>
+        <p:nvSpPr>
+          <p:cNvPr id="138" name="文本框 137"/>
+          <p:cNvSpPr txBox="1"/>
+          <p:nvPr/>
+        </p:nvSpPr>
+        <p:spPr>
+          <a:xfrm>
+            <a:off x="9305087" y="3544369"/>
+            <a:ext cx="282913" cy="230832"/>
+          </a:xfrm>
+          <a:prstGeom prst="rect">
+            <a:avLst/>
+          </a:prstGeom>
+          <a:noFill/>
+        </p:spPr>
+        <p:txBody>
+          <a:bodyPr wrap="square" rtlCol="0">
+            <a:spAutoFit/>
+          </a:bodyPr>
+          <a:lstStyle/>
+          <a:p>
+            <a:r>
+              <a:rPr lang="en-US" altLang="zh-CN" sz="900" dirty="0" smtClean="0"/>
+              <a:t>5</a:t>
+            </a:r>
+            <a:endParaRPr lang="zh-CN" altLang="en-US" sz="900" dirty="0"/>
+          </a:p>
+        </p:txBody>
+      </p:sp>
+      <p:sp>
+        <p:nvSpPr>
+          <p:cNvPr id="140" name="立方体 139"/>
+          <p:cNvSpPr/>
+          <p:nvPr/>
+        </p:nvSpPr>
+        <p:spPr>
+          <a:xfrm>
+            <a:off x="4929213" y="2608666"/>
+            <a:ext cx="1028176" cy="1579944"/>
+          </a:xfrm>
+          <a:prstGeom prst="cube">
+            <a:avLst>
+              <a:gd name="adj" fmla="val 59152"/>
+            </a:avLst>
+          </a:prstGeom>
+          <a:noFill/>
+          <a:ln w="28575">
+            <a:solidFill>
+              <a:schemeClr val="tx1"/>
+            </a:solidFill>
+          </a:ln>
+        </p:spPr>
+        <p:style>
+          <a:lnRef idx="2">
+            <a:schemeClr val="accent1">
+              <a:shade val="50000"/>
+            </a:schemeClr>
+          </a:lnRef>
+          <a:fillRef idx="1">
+            <a:schemeClr val="accent1"/>
+          </a:fillRef>
+          <a:effectRef idx="0">
+            <a:schemeClr val="accent1"/>
+          </a:effectRef>
+          <a:fontRef idx="minor">
+            <a:schemeClr val="lt1"/>
+          </a:fontRef>
+        </p:style>
+        <p:txBody>
+          <a:bodyPr rtlCol="0" anchor="ctr"/>
+          <a:lstStyle/>
+          <a:p>
+            <a:pPr algn="ctr"/>
+            <a:endParaRPr lang="zh-CN" altLang="en-US"/>
+          </a:p>
+        </p:txBody>
+      </p:sp>
+      <p:cxnSp>
+        <p:nvCxnSpPr>
+          <p:cNvPr id="147" name="直接箭头连接符 146"/>
+          <p:cNvCxnSpPr/>
+          <p:nvPr/>
+        </p:nvCxnSpPr>
+        <p:spPr>
+          <a:xfrm>
+            <a:off x="5856060" y="3504548"/>
+            <a:ext cx="395997" cy="4476"/>
+          </a:xfrm>
+          <a:prstGeom prst="straightConnector1">
+            <a:avLst/>
+          </a:prstGeom>
+          <a:ln w="28575">
+            <a:solidFill>
+              <a:schemeClr val="tx1"/>
+            </a:solidFill>
+            <a:tailEnd type="triangle"/>
+          </a:ln>
+        </p:spPr>
+        <p:style>
+          <a:lnRef idx="1">
+            <a:schemeClr val="accent1"/>
+          </a:lnRef>
+          <a:fillRef idx="0">
+            <a:schemeClr val="accent1"/>
+          </a:fillRef>
+          <a:effectRef idx="0">
+            <a:schemeClr val="accent1"/>
+          </a:effectRef>
+          <a:fontRef idx="minor">
+            <a:schemeClr val="tx1"/>
+          </a:fontRef>
+        </p:style>
+      </p:cxnSp>
+    </p:spTree>
+    <p:extLst>
+      <p:ext uri="{BB962C8B-B14F-4D97-AF65-F5344CB8AC3E}">
+        <p14:creationId xmlns:p14="http://schemas.microsoft.com/office/powerpoint/2010/main" val="1347101006"/>
+      </p:ext>
+    </p:extLst>
+  </p:cSld>
+  <p:clrMapOvr>
+    <a:masterClrMapping/>
+  </p:clrMapOvr>
+</p:sld>
+</file>
+
+<file path=ppt/slides/slide3.xml><?xml version="1.0" encoding="utf-8"?>
+<p:sld xmlns:a="http://schemas.openxmlformats.org/drawingml/2006/main" xmlns:r="http://schemas.openxmlformats.org/officeDocument/2006/relationships" xmlns:p="http://schemas.openxmlformats.org/presentationml/2006/main">
+  <p:cSld>
+    <p:spTree>
+      <p:nvGrpSpPr>
+        <p:cNvPr id="1" name=""/>
+        <p:cNvGrpSpPr/>
+        <p:nvPr/>
+      </p:nvGrpSpPr>
+      <p:grpSpPr>
+        <a:xfrm>
+          <a:off x="0" y="0"/>
+          <a:ext cx="0" cy="0"/>
+          <a:chOff x="0" y="0"/>
+          <a:chExt cx="0" cy="0"/>
+        </a:xfrm>
+      </p:grpSpPr>
+      <p:sp>
+        <p:nvSpPr>
+          <p:cNvPr id="18" name="圆角矩形 17"/>
+          <p:cNvSpPr/>
+          <p:nvPr/>
+        </p:nvSpPr>
+        <p:spPr>
+          <a:xfrm>
+            <a:off x="4027203" y="2217904"/>
+            <a:ext cx="5893707" cy="1214315"/>
+          </a:xfrm>
+          <a:prstGeom prst="roundRect">
+            <a:avLst/>
+          </a:prstGeom>
+          <a:solidFill>
+            <a:schemeClr val="accent6">
+              <a:lumMod val="20000"/>
+              <a:lumOff val="80000"/>
+            </a:schemeClr>
+          </a:solidFill>
+          <a:ln w="28575">
+            <a:solidFill>
+              <a:schemeClr val="bg1"/>
+            </a:solidFill>
+          </a:ln>
+        </p:spPr>
+        <p:style>
+          <a:lnRef idx="2">
+            <a:schemeClr val="accent6"/>
+          </a:lnRef>
+          <a:fillRef idx="1">
+            <a:schemeClr val="lt1"/>
+          </a:fillRef>
+          <a:effectRef idx="0">
+            <a:schemeClr val="accent6"/>
+          </a:effectRef>
+          <a:fontRef idx="minor">
+            <a:schemeClr val="dk1"/>
+          </a:fontRef>
+        </p:style>
+        <p:txBody>
+          <a:bodyPr rtlCol="0" anchor="ctr"/>
+          <a:lstStyle/>
+          <a:p>
+            <a:pPr algn="ctr"/>
+            <a:endParaRPr lang="zh-CN" altLang="en-US" dirty="0"/>
+          </a:p>
+        </p:txBody>
+      </p:sp>
+      <p:sp>
+        <p:nvSpPr>
+          <p:cNvPr id="17" name="圆角矩形 16"/>
+          <p:cNvSpPr/>
+          <p:nvPr/>
+        </p:nvSpPr>
+        <p:spPr>
+          <a:xfrm>
+            <a:off x="4027203" y="3357601"/>
+            <a:ext cx="5893707" cy="1125792"/>
+          </a:xfrm>
+          <a:prstGeom prst="roundRect">
+            <a:avLst/>
+          </a:prstGeom>
+          <a:solidFill>
+            <a:schemeClr val="accent2">
+              <a:lumMod val="20000"/>
+              <a:lumOff val="80000"/>
+            </a:schemeClr>
+          </a:solidFill>
+          <a:ln w="28575">
+            <a:solidFill>
+              <a:schemeClr val="bg1"/>
+            </a:solidFill>
+          </a:ln>
+        </p:spPr>
+        <p:style>
+          <a:lnRef idx="2">
+            <a:schemeClr val="accent6"/>
+          </a:lnRef>
+          <a:fillRef idx="1">
+            <a:schemeClr val="lt1"/>
+          </a:fillRef>
+          <a:effectRef idx="0">
+            <a:schemeClr val="accent6"/>
+          </a:effectRef>
+          <a:fontRef idx="minor">
+            <a:schemeClr val="dk1"/>
+          </a:fontRef>
+        </p:style>
+        <p:txBody>
+          <a:bodyPr rtlCol="0" anchor="ctr"/>
+          <a:lstStyle/>
+          <a:p>
+            <a:pPr algn="ctr"/>
+            <a:endParaRPr lang="zh-CN" altLang="en-US"/>
+          </a:p>
+        </p:txBody>
+      </p:sp>
+      <p:sp>
+        <p:nvSpPr>
+          <p:cNvPr id="4" name="圆角矩形 3"/>
+          <p:cNvSpPr/>
+          <p:nvPr/>
+        </p:nvSpPr>
+        <p:spPr>
+          <a:xfrm>
+            <a:off x="4528699" y="2430086"/>
+            <a:ext cx="1543470" cy="646331"/>
+          </a:xfrm>
+          <a:prstGeom prst="roundRect">
+            <a:avLst/>
+          </a:prstGeom>
+          <a:noFill/>
+          <a:ln w="28575">
+            <a:solidFill>
+              <a:schemeClr val="tx1"/>
+            </a:solidFill>
+          </a:ln>
+        </p:spPr>
+        <p:style>
+          <a:lnRef idx="2">
+            <a:schemeClr val="accent6"/>
+          </a:lnRef>
+          <a:fillRef idx="1">
+            <a:schemeClr val="lt1"/>
+          </a:fillRef>
+          <a:effectRef idx="0">
+            <a:schemeClr val="accent6"/>
+          </a:effectRef>
+          <a:fontRef idx="minor">
+            <a:schemeClr val="dk1"/>
+          </a:fontRef>
+        </p:style>
+        <p:txBody>
+          <a:bodyPr rtlCol="0" anchor="ctr"/>
+          <a:lstStyle/>
+          <a:p>
+            <a:pPr algn="ctr"/>
+            <a:r>
+              <a:rPr lang="en-US" altLang="zh-CN" dirty="0" smtClean="0"/>
+              <a:t>Data Preprocessing</a:t>
+            </a:r>
+            <a:endParaRPr lang="zh-CN" altLang="en-US" dirty="0"/>
+          </a:p>
+        </p:txBody>
+      </p:sp>
+      <p:sp>
+        <p:nvSpPr>
+          <p:cNvPr id="5" name="圆角矩形 4"/>
+          <p:cNvSpPr/>
+          <p:nvPr/>
+        </p:nvSpPr>
+        <p:spPr>
+          <a:xfrm>
+            <a:off x="6568949" y="2327778"/>
+            <a:ext cx="1101390" cy="2080996"/>
+          </a:xfrm>
+          <a:prstGeom prst="roundRect">
+            <a:avLst/>
+          </a:prstGeom>
+          <a:noFill/>
+          <a:ln w="28575">
+            <a:solidFill>
+              <a:schemeClr val="tx1"/>
+            </a:solidFill>
+          </a:ln>
+        </p:spPr>
+        <p:style>
+          <a:lnRef idx="2">
+            <a:schemeClr val="accent6"/>
+          </a:lnRef>
+          <a:fillRef idx="1">
+            <a:schemeClr val="lt1"/>
+          </a:fillRef>
+          <a:effectRef idx="0">
+            <a:schemeClr val="accent6"/>
+          </a:effectRef>
+          <a:fontRef idx="minor">
+            <a:schemeClr val="dk1"/>
+          </a:fontRef>
+        </p:style>
+        <p:txBody>
+          <a:bodyPr rtlCol="0" anchor="ctr"/>
+          <a:lstStyle/>
+          <a:p>
+            <a:pPr algn="ctr"/>
+            <a:endParaRPr lang="zh-CN" altLang="en-US" dirty="0"/>
+          </a:p>
+        </p:txBody>
+      </p:sp>
+      <p:sp>
+        <p:nvSpPr>
+          <p:cNvPr id="6" name="圆角矩形 5"/>
+          <p:cNvSpPr/>
+          <p:nvPr/>
+        </p:nvSpPr>
+        <p:spPr>
+          <a:xfrm>
+            <a:off x="8410445" y="2458123"/>
+            <a:ext cx="1344602" cy="727328"/>
+          </a:xfrm>
+          <a:prstGeom prst="roundRect">
+            <a:avLst/>
+          </a:prstGeom>
+          <a:noFill/>
+          <a:ln w="28575">
+            <a:solidFill>
+              <a:schemeClr val="tx1"/>
+            </a:solidFill>
+          </a:ln>
+        </p:spPr>
+        <p:style>
+          <a:lnRef idx="2">
+            <a:schemeClr val="accent6"/>
+          </a:lnRef>
+          <a:fillRef idx="1">
+            <a:schemeClr val="lt1"/>
+          </a:fillRef>
+          <a:effectRef idx="0">
+            <a:schemeClr val="accent6"/>
+          </a:effectRef>
+          <a:fontRef idx="minor">
+            <a:schemeClr val="dk1"/>
+          </a:fontRef>
+        </p:style>
+        <p:txBody>
+          <a:bodyPr rtlCol="0" anchor="ctr"/>
+          <a:lstStyle/>
+          <a:p>
+            <a:pPr algn="ctr"/>
+            <a:r>
+              <a:rPr lang="en-US" altLang="zh-CN" dirty="0" smtClean="0"/>
+              <a:t>SGD</a:t>
+            </a:r>
+          </a:p>
+          <a:p>
+            <a:pPr algn="ctr"/>
+            <a:r>
+              <a:rPr lang="en-US" altLang="zh-CN" dirty="0" smtClean="0"/>
+              <a:t>Training</a:t>
+            </a:r>
+            <a:endParaRPr lang="zh-CN" altLang="en-US" dirty="0"/>
+          </a:p>
+        </p:txBody>
+      </p:sp>
+      <p:cxnSp>
+        <p:nvCxnSpPr>
+          <p:cNvPr id="8" name="直接箭头连接符 7"/>
+          <p:cNvCxnSpPr/>
+          <p:nvPr/>
+        </p:nvCxnSpPr>
+        <p:spPr>
+          <a:xfrm>
+            <a:off x="3788593" y="2753251"/>
+            <a:ext cx="603541" cy="4113"/>
+          </a:xfrm>
+          <a:prstGeom prst="straightConnector1">
+            <a:avLst/>
+          </a:prstGeom>
+          <a:ln w="38100">
+            <a:solidFill>
+              <a:schemeClr val="tx1"/>
+            </a:solidFill>
+            <a:tailEnd type="triangle"/>
+          </a:ln>
+        </p:spPr>
+        <p:style>
+          <a:lnRef idx="1">
+            <a:schemeClr val="accent1"/>
+          </a:lnRef>
+          <a:fillRef idx="0">
+            <a:schemeClr val="accent1"/>
+          </a:fillRef>
+          <a:effectRef idx="0">
+            <a:schemeClr val="accent1"/>
+          </a:effectRef>
+          <a:fontRef idx="minor">
+            <a:schemeClr val="tx1"/>
+          </a:fontRef>
+        </p:style>
+      </p:cxnSp>
+      <p:cxnSp>
+        <p:nvCxnSpPr>
+          <p:cNvPr id="10" name="直接箭头连接符 9"/>
+          <p:cNvCxnSpPr/>
+          <p:nvPr/>
+        </p:nvCxnSpPr>
+        <p:spPr>
+          <a:xfrm>
+            <a:off x="6167016" y="2753251"/>
+            <a:ext cx="401933" cy="0"/>
+          </a:xfrm>
+          <a:prstGeom prst="straightConnector1">
+            <a:avLst/>
+          </a:prstGeom>
+          <a:ln w="38100">
+            <a:solidFill>
+              <a:schemeClr val="tx1"/>
+            </a:solidFill>
+            <a:tailEnd type="triangle"/>
+          </a:ln>
+        </p:spPr>
+        <p:style>
+          <a:lnRef idx="1">
+            <a:schemeClr val="accent1"/>
+          </a:lnRef>
+          <a:fillRef idx="0">
+            <a:schemeClr val="accent1"/>
+          </a:fillRef>
+          <a:effectRef idx="0">
+            <a:schemeClr val="accent1"/>
+          </a:effectRef>
+          <a:fontRef idx="minor">
+            <a:schemeClr val="tx1"/>
+          </a:fontRef>
+        </p:style>
+      </p:cxnSp>
+      <p:cxnSp>
+        <p:nvCxnSpPr>
+          <p:cNvPr id="12" name="直接箭头连接符 11"/>
+          <p:cNvCxnSpPr/>
+          <p:nvPr/>
+        </p:nvCxnSpPr>
+        <p:spPr>
+          <a:xfrm flipV="1">
+            <a:off x="7838304" y="2753251"/>
+            <a:ext cx="456099" cy="3074"/>
+          </a:xfrm>
+          <a:prstGeom prst="straightConnector1">
+            <a:avLst/>
+          </a:prstGeom>
+          <a:ln w="38100">
+            <a:solidFill>
+              <a:schemeClr val="tx1"/>
+            </a:solidFill>
+            <a:tailEnd type="triangle"/>
+          </a:ln>
+        </p:spPr>
+        <p:style>
+          <a:lnRef idx="1">
+            <a:schemeClr val="accent1"/>
+          </a:lnRef>
+          <a:fillRef idx="0">
+            <a:schemeClr val="accent1"/>
+          </a:fillRef>
+          <a:effectRef idx="0">
+            <a:schemeClr val="accent1"/>
+          </a:effectRef>
+          <a:fontRef idx="minor">
+            <a:schemeClr val="tx1"/>
+          </a:fontRef>
+        </p:style>
+      </p:cxnSp>
+      <p:cxnSp>
+        <p:nvCxnSpPr>
+          <p:cNvPr id="14" name="直接箭头连接符 13"/>
+          <p:cNvCxnSpPr/>
+          <p:nvPr/>
+        </p:nvCxnSpPr>
+        <p:spPr>
+          <a:xfrm flipV="1">
+            <a:off x="7812610" y="3966810"/>
+            <a:ext cx="481793" cy="758"/>
+          </a:xfrm>
+          <a:prstGeom prst="straightConnector1">
+            <a:avLst/>
+          </a:prstGeom>
+          <a:ln w="38100">
+            <a:solidFill>
+              <a:schemeClr val="tx1"/>
+            </a:solidFill>
+            <a:tailEnd type="triangle"/>
+          </a:ln>
+        </p:spPr>
+        <p:style>
+          <a:lnRef idx="1">
+            <a:schemeClr val="accent1"/>
+          </a:lnRef>
+          <a:fillRef idx="0">
+            <a:schemeClr val="accent1"/>
+          </a:fillRef>
+          <a:effectRef idx="0">
+            <a:schemeClr val="accent1"/>
+          </a:effectRef>
+          <a:fontRef idx="minor">
+            <a:schemeClr val="tx1"/>
+          </a:fontRef>
+        </p:style>
+      </p:cxnSp>
+      <p:cxnSp>
+        <p:nvCxnSpPr>
+          <p:cNvPr id="15" name="直接箭头连接符 14"/>
+          <p:cNvCxnSpPr/>
+          <p:nvPr/>
+        </p:nvCxnSpPr>
+        <p:spPr>
+          <a:xfrm>
+            <a:off x="3788593" y="3966810"/>
+            <a:ext cx="2673319" cy="8781"/>
+          </a:xfrm>
+          <a:prstGeom prst="straightConnector1">
+            <a:avLst/>
+          </a:prstGeom>
+          <a:ln w="38100">
+            <a:solidFill>
+              <a:schemeClr val="tx1"/>
+            </a:solidFill>
+            <a:tailEnd type="triangle"/>
+          </a:ln>
+        </p:spPr>
+        <p:style>
+          <a:lnRef idx="1">
+            <a:schemeClr val="accent1"/>
+          </a:lnRef>
+          <a:fillRef idx="0">
+            <a:schemeClr val="accent1"/>
+          </a:fillRef>
+          <a:effectRef idx="0">
+            <a:schemeClr val="accent1"/>
+          </a:effectRef>
+          <a:fontRef idx="minor">
+            <a:schemeClr val="tx1"/>
+          </a:fontRef>
+        </p:style>
+      </p:cxnSp>
+      <p:sp>
+        <p:nvSpPr>
+          <p:cNvPr id="16" name="圆角矩形 15"/>
+          <p:cNvSpPr/>
+          <p:nvPr/>
+        </p:nvSpPr>
+        <p:spPr>
+          <a:xfrm>
+            <a:off x="8410445" y="3618434"/>
+            <a:ext cx="1344602" cy="714314"/>
+          </a:xfrm>
+          <a:prstGeom prst="roundRect">
+            <a:avLst/>
+          </a:prstGeom>
+          <a:noFill/>
+          <a:ln w="28575">
+            <a:solidFill>
+              <a:schemeClr val="tx1"/>
+            </a:solidFill>
+          </a:ln>
+        </p:spPr>
+        <p:style>
+          <a:lnRef idx="2">
+            <a:schemeClr val="accent6"/>
+          </a:lnRef>
+          <a:fillRef idx="1">
+            <a:schemeClr val="lt1"/>
+          </a:fillRef>
+          <a:effectRef idx="0">
+            <a:schemeClr val="accent6"/>
+          </a:effectRef>
+          <a:fontRef idx="minor">
+            <a:schemeClr val="dk1"/>
+          </a:fontRef>
+        </p:style>
+        <p:txBody>
+          <a:bodyPr rtlCol="0" anchor="ctr"/>
+          <a:lstStyle/>
+          <a:p>
+            <a:pPr algn="ctr"/>
+            <a:r>
+              <a:rPr lang="en-US" altLang="zh-CN" dirty="0" smtClean="0"/>
+              <a:t>Prediction</a:t>
+            </a:r>
+            <a:endParaRPr lang="zh-CN" altLang="en-US" dirty="0"/>
+          </a:p>
+        </p:txBody>
+      </p:sp>
+      <p:sp>
+        <p:nvSpPr>
+          <p:cNvPr id="19" name="文本框 18"/>
+          <p:cNvSpPr txBox="1"/>
+          <p:nvPr/>
+        </p:nvSpPr>
+        <p:spPr>
+          <a:xfrm>
+            <a:off x="6595942" y="3024846"/>
+            <a:ext cx="1047403" cy="646331"/>
+          </a:xfrm>
+          <a:prstGeom prst="rect">
+            <a:avLst/>
+          </a:prstGeom>
+          <a:noFill/>
+        </p:spPr>
+        <p:txBody>
+          <a:bodyPr wrap="square" rtlCol="0">
+            <a:spAutoFit/>
+          </a:bodyPr>
+          <a:lstStyle/>
+          <a:p>
+            <a:pPr algn="ctr"/>
+            <a:r>
+              <a:rPr lang="en-US" altLang="zh-CN" b="1" dirty="0" smtClean="0"/>
+              <a:t>Deep</a:t>
+            </a:r>
+          </a:p>
+          <a:p>
+            <a:r>
+              <a:rPr lang="en-US" altLang="zh-CN" b="1" dirty="0" err="1" smtClean="0"/>
+              <a:t>ConvNet</a:t>
+            </a:r>
+            <a:endParaRPr lang="zh-CN" altLang="en-US" b="1" dirty="0"/>
+          </a:p>
+        </p:txBody>
+      </p:sp>
+      <p:sp>
+        <p:nvSpPr>
+          <p:cNvPr id="27" name="圆角矩形 26"/>
+          <p:cNvSpPr/>
+          <p:nvPr/>
+        </p:nvSpPr>
+        <p:spPr>
+          <a:xfrm>
+            <a:off x="2561611" y="2372251"/>
+            <a:ext cx="1143000" cy="762000"/>
+          </a:xfrm>
+          <a:prstGeom prst="roundRect">
+            <a:avLst/>
+          </a:prstGeom>
+          <a:noFill/>
+        </p:spPr>
+        <p:style>
+          <a:lnRef idx="2">
+            <a:schemeClr val="accent1">
+              <a:shade val="50000"/>
+            </a:schemeClr>
+          </a:lnRef>
+          <a:fillRef idx="1">
+            <a:schemeClr val="accent1"/>
+          </a:fillRef>
+          <a:effectRef idx="0">
+            <a:schemeClr val="accent1"/>
+          </a:effectRef>
+          <a:fontRef idx="minor">
+            <a:schemeClr val="lt1"/>
+          </a:fontRef>
+        </p:style>
+        <p:txBody>
+          <a:bodyPr rtlCol="0" anchor="ctr"/>
+          <a:lstStyle/>
+          <a:p>
+            <a:pPr algn="ctr"/>
+            <a:r>
+              <a:rPr lang="en-US" altLang="zh-CN" dirty="0" smtClean="0">
+                <a:solidFill>
+                  <a:schemeClr val="tx1"/>
+                </a:solidFill>
+              </a:rPr>
+              <a:t>Training Images</a:t>
+            </a:r>
+            <a:endParaRPr lang="zh-CN" altLang="en-US" dirty="0">
+              <a:solidFill>
+                <a:schemeClr val="tx1"/>
+              </a:solidFill>
+            </a:endParaRPr>
+          </a:p>
+        </p:txBody>
+      </p:sp>
+      <p:sp>
+        <p:nvSpPr>
+          <p:cNvPr id="28" name="圆角矩形 27"/>
+          <p:cNvSpPr/>
+          <p:nvPr/>
+        </p:nvSpPr>
+        <p:spPr>
+          <a:xfrm>
+            <a:off x="2561611" y="3618434"/>
+            <a:ext cx="1143000" cy="762000"/>
+          </a:xfrm>
+          <a:prstGeom prst="roundRect">
+            <a:avLst/>
+          </a:prstGeom>
+          <a:noFill/>
+        </p:spPr>
+        <p:style>
+          <a:lnRef idx="2">
+            <a:schemeClr val="accent1">
+              <a:shade val="50000"/>
+            </a:schemeClr>
+          </a:lnRef>
+          <a:fillRef idx="1">
+            <a:schemeClr val="accent1"/>
+          </a:fillRef>
+          <a:effectRef idx="0">
+            <a:schemeClr val="accent1"/>
+          </a:effectRef>
+          <a:fontRef idx="minor">
+            <a:schemeClr val="lt1"/>
+          </a:fontRef>
+        </p:style>
+        <p:txBody>
+          <a:bodyPr rtlCol="0" anchor="ctr"/>
+          <a:lstStyle/>
+          <a:p>
+            <a:pPr algn="ctr"/>
+            <a:r>
+              <a:rPr lang="en-US" altLang="zh-CN" dirty="0" smtClean="0">
+                <a:solidFill>
+                  <a:schemeClr val="tx1"/>
+                </a:solidFill>
+              </a:rPr>
+              <a:t>Test</a:t>
+            </a:r>
+          </a:p>
+          <a:p>
+            <a:pPr algn="ctr"/>
+            <a:r>
+              <a:rPr lang="en-US" altLang="zh-CN" dirty="0" smtClean="0">
+                <a:solidFill>
+                  <a:schemeClr val="tx1"/>
+                </a:solidFill>
+              </a:rPr>
+              <a:t>Images</a:t>
+            </a:r>
+            <a:endParaRPr lang="zh-CN" altLang="en-US" dirty="0">
+              <a:solidFill>
+                <a:schemeClr val="tx1"/>
+              </a:solidFill>
+            </a:endParaRPr>
+          </a:p>
+        </p:txBody>
+      </p:sp>
+    </p:spTree>
+    <p:extLst>
+      <p:ext uri="{BB962C8B-B14F-4D97-AF65-F5344CB8AC3E}">
+        <p14:creationId xmlns:p14="http://schemas.microsoft.com/office/powerpoint/2010/main" val="3325697967"/>
+      </p:ext>
+    </p:extLst>
+  </p:cSld>
+  <p:clrMapOvr>
+    <a:masterClrMapping/>
+  </p:clrMapOvr>
+</p:sld>
+</file>
+
 <file path=ppt/theme/theme1.xml><?xml version="1.0" encoding="utf-8"?>
 <a:theme xmlns:a="http://schemas.openxmlformats.org/drawingml/2006/main" name="Office 主题">
   <a:themeElements>

--- a/proposal/fig/pptx/fig.pptx
+++ b/proposal/fig/pptx/fig.pptx
@@ -8486,8 +8486,8 @@
         </p:nvSpPr>
         <p:spPr>
           <a:xfrm>
-            <a:off x="4528699" y="2430086"/>
-            <a:ext cx="1543470" cy="646331"/>
+            <a:off x="4444717" y="2430086"/>
+            <a:ext cx="1627452" cy="646331"/>
           </a:xfrm>
           <a:prstGeom prst="roundRect">
             <a:avLst/>
@@ -8520,7 +8520,11 @@
             <a:pPr algn="ctr"/>
             <a:r>
               <a:rPr lang="en-US" altLang="zh-CN" dirty="0" smtClean="0"/>
-              <a:t>Data Preprocessing</a:t>
+              <a:t>Data </a:t>
+            </a:r>
+            <a:r>
+              <a:rPr lang="en-US" altLang="zh-CN" dirty="0" smtClean="0"/>
+              <a:t>Augmentation</a:t>
             </a:r>
             <a:endParaRPr lang="zh-CN" altLang="en-US" dirty="0"/>
           </a:p>

--- a/proposal/fig/pptx/fig.pptx
+++ b/proposal/fig/pptx/fig.pptx
@@ -8538,7 +8538,7 @@
         </p:nvSpPr>
         <p:spPr>
           <a:xfrm>
-            <a:off x="6568949" y="2327778"/>
+            <a:off x="6609581" y="2321605"/>
             <a:ext cx="1101390" cy="2080996"/>
           </a:xfrm>
           <a:prstGeom prst="roundRect">
@@ -8673,7 +8673,7 @@
         </p:nvCxnSpPr>
         <p:spPr>
           <a:xfrm>
-            <a:off x="6167016" y="2753251"/>
+            <a:off x="6143209" y="2753251"/>
             <a:ext cx="401933" cy="0"/>
           </a:xfrm>
           <a:prstGeom prst="straightConnector1">
@@ -8985,13 +8985,18 @@
           <a:p>
             <a:pPr algn="ctr"/>
             <a:r>
-              <a:rPr lang="en-US" altLang="zh-CN" dirty="0" smtClean="0">
+              <a:rPr lang="en-US" altLang="zh-CN" smtClean="0">
                 <a:solidFill>
                   <a:schemeClr val="tx1"/>
                 </a:solidFill>
               </a:rPr>
-              <a:t>Test</a:t>
-            </a:r>
+              <a:t>Testing</a:t>
+            </a:r>
+            <a:endParaRPr lang="en-US" altLang="zh-CN" dirty="0" smtClean="0">
+              <a:solidFill>
+                <a:schemeClr val="tx1"/>
+              </a:solidFill>
+            </a:endParaRPr>
           </a:p>
           <a:p>
             <a:pPr algn="ctr"/>

--- a/proposal/fig/pptx/fig.pptx
+++ b/proposal/fig/pptx/fig.pptx
@@ -6937,7 +6937,7 @@
         </p:blipFill>
         <p:spPr>
           <a:xfrm>
-            <a:off x="1603710" y="2447812"/>
+            <a:off x="588737" y="2403526"/>
             <a:ext cx="1669174" cy="1988429"/>
           </a:xfrm>
           <a:prstGeom prst="rect">
@@ -6964,7 +6964,7 @@
         </p:nvSpPr>
         <p:spPr>
           <a:xfrm>
-            <a:off x="3568972" y="2637463"/>
+            <a:off x="2553999" y="2593177"/>
             <a:ext cx="1028176" cy="1579944"/>
           </a:xfrm>
           <a:prstGeom prst="cube">
@@ -7012,7 +7012,7 @@
         </p:nvGrpSpPr>
         <p:grpSpPr>
           <a:xfrm>
-            <a:off x="2471278" y="3450781"/>
+            <a:off x="1456305" y="3406495"/>
             <a:ext cx="1057175" cy="393540"/>
             <a:chOff x="1313029" y="3174036"/>
             <a:chExt cx="1057175" cy="393540"/>
@@ -7229,7 +7229,7 @@
         </p:nvGrpSpPr>
         <p:grpSpPr>
           <a:xfrm>
-            <a:off x="4097156" y="3344146"/>
+            <a:off x="3082183" y="3299860"/>
             <a:ext cx="856289" cy="393540"/>
             <a:chOff x="1313029" y="3174036"/>
             <a:chExt cx="1057175" cy="393540"/>
@@ -7446,7 +7446,7 @@
         </p:nvSpPr>
         <p:spPr>
           <a:xfrm>
-            <a:off x="2772147" y="3863226"/>
+            <a:off x="1757174" y="3818940"/>
             <a:ext cx="647449" cy="461665"/>
           </a:xfrm>
           <a:prstGeom prst="rect">
@@ -7478,7 +7478,7 @@
         </p:nvSpPr>
         <p:spPr>
           <a:xfrm>
-            <a:off x="4346320" y="3737594"/>
+            <a:off x="3331347" y="3693308"/>
             <a:ext cx="647449" cy="276999"/>
           </a:xfrm>
           <a:prstGeom prst="rect">
@@ -7508,7 +7508,7 @@
         </p:nvSpPr>
         <p:spPr>
           <a:xfrm>
-            <a:off x="2084512" y="2778554"/>
+            <a:off x="1069539" y="2734268"/>
             <a:ext cx="410910" cy="230832"/>
           </a:xfrm>
           <a:prstGeom prst="rect">
@@ -7538,7 +7538,7 @@
         </p:nvSpPr>
         <p:spPr>
           <a:xfrm>
-            <a:off x="3625890" y="2711027"/>
+            <a:off x="2610917" y="2666741"/>
             <a:ext cx="410910" cy="230832"/>
           </a:xfrm>
           <a:prstGeom prst="rect">
@@ -7568,7 +7568,7 @@
         </p:nvSpPr>
         <p:spPr>
           <a:xfrm>
-            <a:off x="4272085" y="3004623"/>
+            <a:off x="3257112" y="2960337"/>
             <a:ext cx="426395" cy="230832"/>
           </a:xfrm>
           <a:prstGeom prst="rect">
@@ -7598,7 +7598,7 @@
         </p:nvSpPr>
         <p:spPr>
           <a:xfrm>
-            <a:off x="3028628" y="2949201"/>
+            <a:off x="2013655" y="2904915"/>
             <a:ext cx="410910" cy="230832"/>
           </a:xfrm>
           <a:prstGeom prst="rect">
@@ -7628,7 +7628,7 @@
         </p:nvSpPr>
         <p:spPr>
           <a:xfrm>
-            <a:off x="3590155" y="4206012"/>
+            <a:off x="2575182" y="4161726"/>
             <a:ext cx="410910" cy="230832"/>
           </a:xfrm>
           <a:prstGeom prst="rect">
@@ -7658,10 +7658,10 @@
         </p:nvGrpSpPr>
         <p:grpSpPr>
           <a:xfrm>
-            <a:off x="6289454" y="3116618"/>
-            <a:ext cx="3075920" cy="660649"/>
+            <a:off x="5263110" y="2635132"/>
+            <a:ext cx="4562135" cy="1329455"/>
             <a:chOff x="1634101" y="3169407"/>
-            <a:chExt cx="1182861" cy="398170"/>
+            <a:chExt cx="1251345" cy="398170"/>
           </a:xfrm>
         </p:grpSpPr>
         <p:sp>
@@ -7762,7 +7762,7 @@
           </p:nvCxnSpPr>
           <p:spPr>
             <a:xfrm flipV="1">
-              <a:off x="2592541" y="3375165"/>
+              <a:off x="2661025" y="3340355"/>
               <a:ext cx="224421" cy="48627"/>
             </a:xfrm>
             <a:prstGeom prst="line">
@@ -7877,7 +7877,7 @@
         </p:nvSpPr>
         <p:spPr>
           <a:xfrm>
-            <a:off x="6553423" y="3433481"/>
+            <a:off x="5994947" y="3428143"/>
             <a:ext cx="1259082" cy="276999"/>
           </a:xfrm>
           <a:prstGeom prst="rect">
@@ -7907,7 +7907,7 @@
         </p:nvSpPr>
         <p:spPr>
           <a:xfrm>
-            <a:off x="4973162" y="2742283"/>
+            <a:off x="3958189" y="2697997"/>
             <a:ext cx="410910" cy="230832"/>
           </a:xfrm>
           <a:prstGeom prst="rect">
@@ -7937,7 +7937,7 @@
         </p:nvSpPr>
         <p:spPr>
           <a:xfrm>
-            <a:off x="5675363" y="2973115"/>
+            <a:off x="4660390" y="2928829"/>
             <a:ext cx="354854" cy="230832"/>
           </a:xfrm>
           <a:prstGeom prst="rect">
@@ -7967,7 +7967,7 @@
         </p:nvSpPr>
         <p:spPr>
           <a:xfrm>
-            <a:off x="4973162" y="4205409"/>
+            <a:off x="3958189" y="4161123"/>
             <a:ext cx="410910" cy="230832"/>
           </a:xfrm>
           <a:prstGeom prst="rect">
@@ -7997,7 +7997,7 @@
         </p:nvSpPr>
         <p:spPr>
           <a:xfrm>
-            <a:off x="10135234" y="3871797"/>
+            <a:off x="10384913" y="3755571"/>
             <a:ext cx="282913" cy="230832"/>
           </a:xfrm>
           <a:prstGeom prst="rect">
@@ -8027,7 +8027,7 @@
         </p:nvSpPr>
         <p:spPr>
           <a:xfrm>
-            <a:off x="9365374" y="3313907"/>
+            <a:off x="9615053" y="3197681"/>
             <a:ext cx="200837" cy="211238"/>
           </a:xfrm>
           <a:prstGeom prst="cube">
@@ -8075,7 +8075,7 @@
         </p:nvSpPr>
         <p:spPr>
           <a:xfrm>
-            <a:off x="9248184" y="3167706"/>
+            <a:off x="9497863" y="3051480"/>
             <a:ext cx="205455" cy="230832"/>
           </a:xfrm>
           <a:prstGeom prst="rect">
@@ -8105,7 +8105,7 @@
         </p:nvSpPr>
         <p:spPr>
           <a:xfrm>
-            <a:off x="9516920" y="3176943"/>
+            <a:off x="9766599" y="3060717"/>
             <a:ext cx="206309" cy="230832"/>
           </a:xfrm>
           <a:prstGeom prst="rect">
@@ -8135,7 +8135,7 @@
         </p:nvCxnSpPr>
         <p:spPr>
           <a:xfrm>
-            <a:off x="9717757" y="3410574"/>
+            <a:off x="9967436" y="3294348"/>
             <a:ext cx="395997" cy="4476"/>
           </a:xfrm>
           <a:prstGeom prst="straightConnector1">
@@ -8171,7 +8171,7 @@
         </p:nvSpPr>
         <p:spPr>
           <a:xfrm>
-            <a:off x="10221713" y="2893970"/>
+            <a:off x="10471392" y="2777744"/>
             <a:ext cx="109956" cy="941319"/>
           </a:xfrm>
           <a:prstGeom prst="rect">
@@ -8214,8 +8214,8 @@
         </p:nvSpPr>
         <p:spPr>
           <a:xfrm>
-            <a:off x="9673352" y="3183094"/>
-            <a:ext cx="522334" cy="200055"/>
+            <a:off x="9870794" y="3043785"/>
+            <a:ext cx="651195" cy="246221"/>
           </a:xfrm>
           <a:prstGeom prst="rect">
             <a:avLst/>
@@ -8229,10 +8229,10 @@
           <a:lstStyle/>
           <a:p>
             <a:r>
-              <a:rPr lang="en-US" altLang="zh-CN" sz="700" dirty="0" smtClean="0"/>
+              <a:rPr lang="en-US" altLang="zh-CN" sz="1000" dirty="0" smtClean="0"/>
               <a:t>Flatten</a:t>
             </a:r>
-            <a:endParaRPr lang="zh-CN" altLang="en-US" sz="700" dirty="0"/>
+            <a:endParaRPr lang="zh-CN" altLang="en-US" sz="1000" dirty="0"/>
           </a:p>
         </p:txBody>
       </p:sp>
@@ -8244,7 +8244,7 @@
         </p:nvSpPr>
         <p:spPr>
           <a:xfrm>
-            <a:off x="9305087" y="3544369"/>
+            <a:off x="9554766" y="3428143"/>
             <a:ext cx="282913" cy="230832"/>
           </a:xfrm>
           <a:prstGeom prst="rect">
@@ -8274,7 +8274,7 @@
         </p:nvSpPr>
         <p:spPr>
           <a:xfrm>
-            <a:off x="4929213" y="2608666"/>
+            <a:off x="3914240" y="2564380"/>
             <a:ext cx="1028176" cy="1579944"/>
           </a:xfrm>
           <a:prstGeom prst="cube">
@@ -8322,7 +8322,7 @@
         </p:nvCxnSpPr>
         <p:spPr>
           <a:xfrm>
-            <a:off x="5856060" y="3504548"/>
+            <a:off x="4841087" y="3460262"/>
             <a:ext cx="395997" cy="4476"/>
           </a:xfrm>
           <a:prstGeom prst="straightConnector1">
@@ -8985,7 +8985,7 @@
           <a:p>
             <a:pPr algn="ctr"/>
             <a:r>
-              <a:rPr lang="en-US" altLang="zh-CN" smtClean="0">
+              <a:rPr lang="en-US" altLang="zh-CN" dirty="0" smtClean="0">
                 <a:solidFill>
                   <a:schemeClr val="tx1"/>
                 </a:solidFill>

--- a/proposal/fig/pptx/fig.pptx
+++ b/proposal/fig/pptx/fig.pptx
@@ -6,8 +6,9 @@
   </p:sldMasterIdLst>
   <p:sldIdLst>
     <p:sldId id="256" r:id="rId2"/>
-    <p:sldId id="258" r:id="rId3"/>
-    <p:sldId id="257" r:id="rId4"/>
+    <p:sldId id="259" r:id="rId3"/>
+    <p:sldId id="258" r:id="rId4"/>
+    <p:sldId id="257" r:id="rId5"/>
   </p:sldIdLst>
   <p:sldSz cx="12192000" cy="6858000"/>
   <p:notesSz cx="6858000" cy="9144000"/>
@@ -6921,6 +6922,1738 @@
           <a:chExt cx="0" cy="0"/>
         </a:xfrm>
       </p:grpSpPr>
+      <mc:AlternateContent xmlns:mc="http://schemas.openxmlformats.org/markup-compatibility/2006">
+        <mc:Choice xmlns:a14="http://schemas.microsoft.com/office/drawing/2010/main" Requires="a14">
+          <p:graphicFrame>
+            <p:nvGraphicFramePr>
+              <p:cNvPr id="5" name="表格 4"/>
+              <p:cNvGraphicFramePr>
+                <a:graphicFrameLocks noGrp="1"/>
+              </p:cNvGraphicFramePr>
+              <p:nvPr>
+                <p:extLst>
+                  <p:ext uri="{D42A27DB-BD31-4B8C-83A1-F6EECF244321}">
+                    <p14:modId xmlns:p14="http://schemas.microsoft.com/office/powerpoint/2010/main" val="4181426316"/>
+                  </p:ext>
+                </p:extLst>
+              </p:nvPr>
+            </p:nvGraphicFramePr>
+            <p:xfrm>
+              <a:off x="2223068" y="897086"/>
+              <a:ext cx="8127999" cy="4878198"/>
+            </p:xfrm>
+            <a:graphic>
+              <a:graphicData uri="http://schemas.openxmlformats.org/drawingml/2006/table">
+                <a:tbl>
+                  <a:tblPr firstRow="1" bandRow="1">
+                    <a:tableStyleId>{5940675A-B579-460E-94D1-54222C63F5DA}</a:tableStyleId>
+                  </a:tblPr>
+                  <a:tblGrid>
+                    <a:gridCol w="2709333"/>
+                    <a:gridCol w="2709333"/>
+                    <a:gridCol w="2709333"/>
+                  </a:tblGrid>
+                  <a:tr h="370840">
+                    <a:tc>
+                      <a:txBody>
+                        <a:bodyPr/>
+                        <a:lstStyle/>
+                        <a:p>
+                          <a:pPr algn="ctr"/>
+                          <a:r>
+                            <a:rPr lang="en-US" altLang="zh-CN" b="1" dirty="0" smtClean="0"/>
+                            <a:t>Layer</a:t>
+                          </a:r>
+                          <a:endParaRPr lang="zh-CN" altLang="en-US" b="1" dirty="0"/>
+                        </a:p>
+                      </a:txBody>
+                      <a:tcPr/>
+                    </a:tc>
+                    <a:tc>
+                      <a:txBody>
+                        <a:bodyPr/>
+                        <a:lstStyle/>
+                        <a:p>
+                          <a:pPr algn="ctr"/>
+                          <a:r>
+                            <a:rPr lang="en-US" altLang="zh-CN" b="1" dirty="0" smtClean="0"/>
+                            <a:t>detail</a:t>
+                          </a:r>
+                          <a:endParaRPr lang="zh-CN" altLang="en-US" b="1" dirty="0"/>
+                        </a:p>
+                      </a:txBody>
+                      <a:tcPr/>
+                    </a:tc>
+                    <a:tc>
+                      <a:txBody>
+                        <a:bodyPr/>
+                        <a:lstStyle/>
+                        <a:p>
+                          <a:pPr algn="ctr"/>
+                          <a:r>
+                            <a:rPr lang="en-US" altLang="zh-CN" b="1" dirty="0" smtClean="0"/>
+                            <a:t>Output size</a:t>
+                          </a:r>
+                          <a:endParaRPr lang="zh-CN" altLang="en-US" b="1" dirty="0"/>
+                        </a:p>
+                      </a:txBody>
+                      <a:tcPr/>
+                    </a:tc>
+                  </a:tr>
+                  <a:tr h="370840">
+                    <a:tc>
+                      <a:txBody>
+                        <a:bodyPr/>
+                        <a:lstStyle/>
+                        <a:p>
+                          <a:pPr algn="ctr"/>
+                          <a:r>
+                            <a:rPr lang="en-US" altLang="zh-CN" b="0" dirty="0" smtClean="0"/>
+                            <a:t>Conv1</a:t>
+                          </a:r>
+                          <a:endParaRPr lang="zh-CN" altLang="en-US" b="0" dirty="0"/>
+                        </a:p>
+                      </a:txBody>
+                      <a:tcPr/>
+                    </a:tc>
+                    <a:tc>
+                      <a:txBody>
+                        <a:bodyPr/>
+                        <a:lstStyle/>
+                        <a:p>
+                          <a:pPr marL="0" marR="0" indent="0" algn="ctr" defTabSz="914400" rtl="0" eaLnBrk="1" fontAlgn="auto" latinLnBrk="0" hangingPunct="1">
+                            <a:lnSpc>
+                              <a:spcPct val="100000"/>
+                            </a:lnSpc>
+                            <a:spcBef>
+                              <a:spcPts val="0"/>
+                            </a:spcBef>
+                            <a:spcAft>
+                              <a:spcPts val="0"/>
+                            </a:spcAft>
+                            <a:buClrTx/>
+                            <a:buSzTx/>
+                            <a:buFontTx/>
+                            <a:buNone/>
+                            <a:tabLst/>
+                            <a:defRPr/>
+                          </a:pPr>
+                          <a14:m>
+                            <m:oMath xmlns:m="http://schemas.openxmlformats.org/officeDocument/2006/math">
+                              <m:r>
+                                <a:rPr lang="en-US" altLang="zh-CN" b="0" i="1" smtClean="0">
+                                  <a:latin typeface="Cambria Math" panose="02040503050406030204" pitchFamily="18" charset="0"/>
+                                  <a:ea typeface="+mn-ea"/>
+                                </a:rPr>
+                                <m:t>7</m:t>
+                              </m:r>
+                              <m:r>
+                                <a:rPr lang="en-US" altLang="zh-CN" b="0" i="1" smtClean="0">
+                                  <a:latin typeface="Cambria Math" panose="02040503050406030204" pitchFamily="18" charset="0"/>
+                                  <a:ea typeface="Cambria Math" panose="02040503050406030204" pitchFamily="18" charset="0"/>
+                                </a:rPr>
+                                <m:t>×7,</m:t>
+                              </m:r>
+                              <m:r>
+                                <a:rPr lang="en-US" altLang="zh-CN" b="0" i="1" smtClean="0">
+                                  <a:latin typeface="Cambria Math" panose="02040503050406030204" pitchFamily="18" charset="0"/>
+                                  <a:ea typeface="Cambria Math" panose="02040503050406030204" pitchFamily="18" charset="0"/>
+                                </a:rPr>
+                                <m:t> 96,</m:t>
+                              </m:r>
+                            </m:oMath>
+                          </a14:m>
+                          <a:r>
+                            <a:rPr lang="zh-CN" altLang="en-US" dirty="0" smtClean="0"/>
+                            <a:t> </a:t>
+                          </a:r>
+                          <a:r>
+                            <a:rPr lang="en-US" altLang="zh-CN" dirty="0" smtClean="0"/>
+                            <a:t>stride=2</a:t>
+                          </a:r>
+                          <a:endParaRPr lang="zh-CN" altLang="en-US" dirty="0"/>
+                        </a:p>
+                      </a:txBody>
+                      <a:tcPr/>
+                    </a:tc>
+                    <a:tc>
+                      <a:txBody>
+                        <a:bodyPr/>
+                        <a:lstStyle/>
+                        <a:p>
+                          <a:pPr algn="ctr"/>
+                          <a14:m>
+                            <m:oMathPara xmlns:m="http://schemas.openxmlformats.org/officeDocument/2006/math">
+                              <m:oMathParaPr>
+                                <m:jc m:val="centerGroup"/>
+                              </m:oMathParaPr>
+                              <m:oMath xmlns:m="http://schemas.openxmlformats.org/officeDocument/2006/math">
+                                <m:r>
+                                  <a:rPr lang="en-US" altLang="zh-CN" b="0" i="1" smtClean="0">
+                                    <a:latin typeface="Cambria Math" panose="02040503050406030204" pitchFamily="18" charset="0"/>
+                                  </a:rPr>
+                                  <m:t>256</m:t>
+                                </m:r>
+                                <m:r>
+                                  <a:rPr lang="en-US" altLang="zh-CN" b="0" i="1" smtClean="0">
+                                    <a:latin typeface="Cambria Math" panose="02040503050406030204" pitchFamily="18" charset="0"/>
+                                    <a:ea typeface="Cambria Math" panose="02040503050406030204" pitchFamily="18" charset="0"/>
+                                  </a:rPr>
+                                  <m:t>×</m:t>
+                                </m:r>
+                                <m:r>
+                                  <a:rPr lang="en-US" altLang="zh-CN" b="0" i="1" smtClean="0">
+                                    <a:latin typeface="Cambria Math" panose="02040503050406030204" pitchFamily="18" charset="0"/>
+                                    <a:ea typeface="Cambria Math" panose="02040503050406030204" pitchFamily="18" charset="0"/>
+                                  </a:rPr>
+                                  <m:t>256</m:t>
+                                </m:r>
+                                <m:r>
+                                  <a:rPr lang="en-US" altLang="zh-CN" b="0" i="1" smtClean="0">
+                                    <a:latin typeface="Cambria Math" panose="02040503050406030204" pitchFamily="18" charset="0"/>
+                                    <a:ea typeface="Cambria Math" panose="02040503050406030204" pitchFamily="18" charset="0"/>
+                                  </a:rPr>
+                                  <m:t>, </m:t>
+                                </m:r>
+                                <m:r>
+                                  <a:rPr lang="en-US" altLang="zh-CN" b="0" i="1" smtClean="0">
+                                    <a:latin typeface="Cambria Math" panose="02040503050406030204" pitchFamily="18" charset="0"/>
+                                    <a:ea typeface="Cambria Math" panose="02040503050406030204" pitchFamily="18" charset="0"/>
+                                  </a:rPr>
+                                  <m:t>96</m:t>
+                                </m:r>
+                              </m:oMath>
+                            </m:oMathPara>
+                          </a14:m>
+                          <a:endParaRPr lang="zh-CN" altLang="en-US" dirty="0"/>
+                        </a:p>
+                      </a:txBody>
+                      <a:tcPr/>
+                    </a:tc>
+                  </a:tr>
+                  <a:tr h="370840">
+                    <a:tc>
+                      <a:txBody>
+                        <a:bodyPr/>
+                        <a:lstStyle/>
+                        <a:p>
+                          <a:pPr algn="ctr"/>
+                          <a:r>
+                            <a:rPr lang="en-US" altLang="zh-CN" b="0" dirty="0" smtClean="0"/>
+                            <a:t>Conv2</a:t>
+                          </a:r>
+                          <a:endParaRPr lang="zh-CN" altLang="en-US" b="0" dirty="0"/>
+                        </a:p>
+                      </a:txBody>
+                      <a:tcPr/>
+                    </a:tc>
+                    <a:tc>
+                      <a:txBody>
+                        <a:bodyPr/>
+                        <a:lstStyle/>
+                        <a:p>
+                          <a:pPr marL="0" marR="0" indent="0" algn="ctr" defTabSz="914400" rtl="0" eaLnBrk="1" fontAlgn="auto" latinLnBrk="0" hangingPunct="1">
+                            <a:lnSpc>
+                              <a:spcPct val="100000"/>
+                            </a:lnSpc>
+                            <a:spcBef>
+                              <a:spcPts val="0"/>
+                            </a:spcBef>
+                            <a:spcAft>
+                              <a:spcPts val="0"/>
+                            </a:spcAft>
+                            <a:buClrTx/>
+                            <a:buSzTx/>
+                            <a:buFontTx/>
+                            <a:buNone/>
+                            <a:tabLst/>
+                            <a:defRPr/>
+                          </a:pPr>
+                          <a14:m>
+                            <m:oMath xmlns:m="http://schemas.openxmlformats.org/officeDocument/2006/math">
+                              <m:r>
+                                <a:rPr lang="en-US" altLang="zh-CN" b="0" i="1" smtClean="0">
+                                  <a:latin typeface="Cambria Math" panose="02040503050406030204" pitchFamily="18" charset="0"/>
+                                  <a:ea typeface="+mn-ea"/>
+                                </a:rPr>
+                                <m:t>7</m:t>
+                              </m:r>
+                              <m:r>
+                                <a:rPr lang="en-US" altLang="zh-CN" b="0" i="1" smtClean="0">
+                                  <a:latin typeface="Cambria Math" panose="02040503050406030204" pitchFamily="18" charset="0"/>
+                                  <a:ea typeface="Cambria Math" panose="02040503050406030204" pitchFamily="18" charset="0"/>
+                                </a:rPr>
+                                <m:t>×7, </m:t>
+                              </m:r>
+                              <m:r>
+                                <a:rPr lang="en-US" altLang="zh-CN" b="0" i="1" smtClean="0">
+                                  <a:latin typeface="Cambria Math" panose="02040503050406030204" pitchFamily="18" charset="0"/>
+                                  <a:ea typeface="Cambria Math" panose="02040503050406030204" pitchFamily="18" charset="0"/>
+                                </a:rPr>
+                                <m:t>96</m:t>
+                              </m:r>
+                              <m:r>
+                                <a:rPr lang="en-US" altLang="zh-CN" b="0" i="1" smtClean="0">
+                                  <a:latin typeface="Cambria Math" panose="02040503050406030204" pitchFamily="18" charset="0"/>
+                                  <a:ea typeface="Cambria Math" panose="02040503050406030204" pitchFamily="18" charset="0"/>
+                                </a:rPr>
+                                <m:t>,</m:t>
+                              </m:r>
+                            </m:oMath>
+                          </a14:m>
+                          <a:r>
+                            <a:rPr lang="zh-CN" altLang="en-US" dirty="0" smtClean="0"/>
+                            <a:t> </a:t>
+                          </a:r>
+                          <a:r>
+                            <a:rPr lang="en-US" altLang="zh-CN" dirty="0" smtClean="0"/>
+                            <a:t>stride=2</a:t>
+                          </a:r>
+                          <a:endParaRPr lang="zh-CN" altLang="en-US" dirty="0"/>
+                        </a:p>
+                      </a:txBody>
+                      <a:tcPr/>
+                    </a:tc>
+                    <a:tc>
+                      <a:txBody>
+                        <a:bodyPr/>
+                        <a:lstStyle/>
+                        <a:p>
+                          <a:pPr algn="ctr"/>
+                          <a14:m>
+                            <m:oMathPara xmlns:m="http://schemas.openxmlformats.org/officeDocument/2006/math">
+                              <m:oMathParaPr>
+                                <m:jc m:val="centerGroup"/>
+                              </m:oMathParaPr>
+                              <m:oMath xmlns:m="http://schemas.openxmlformats.org/officeDocument/2006/math">
+                                <m:r>
+                                  <a:rPr lang="en-US" altLang="zh-CN" b="0" i="1" smtClean="0">
+                                    <a:latin typeface="Cambria Math" panose="02040503050406030204" pitchFamily="18" charset="0"/>
+                                  </a:rPr>
+                                  <m:t>128</m:t>
+                                </m:r>
+                                <m:r>
+                                  <a:rPr lang="en-US" altLang="zh-CN" b="0" i="1" smtClean="0">
+                                    <a:latin typeface="Cambria Math" panose="02040503050406030204" pitchFamily="18" charset="0"/>
+                                    <a:ea typeface="Cambria Math" panose="02040503050406030204" pitchFamily="18" charset="0"/>
+                                  </a:rPr>
+                                  <m:t>×1</m:t>
+                                </m:r>
+                                <m:r>
+                                  <a:rPr lang="en-US" altLang="zh-CN" b="0" i="1" smtClean="0">
+                                    <a:latin typeface="Cambria Math" panose="02040503050406030204" pitchFamily="18" charset="0"/>
+                                    <a:ea typeface="Cambria Math" panose="02040503050406030204" pitchFamily="18" charset="0"/>
+                                  </a:rPr>
+                                  <m:t>28,</m:t>
+                                </m:r>
+                                <m:r>
+                                  <a:rPr lang="en-US" altLang="zh-CN" b="0" i="1" smtClean="0">
+                                    <a:latin typeface="Cambria Math" panose="02040503050406030204" pitchFamily="18" charset="0"/>
+                                    <a:ea typeface="Cambria Math" panose="02040503050406030204" pitchFamily="18" charset="0"/>
+                                  </a:rPr>
+                                  <m:t> </m:t>
+                                </m:r>
+                                <m:r>
+                                  <a:rPr lang="en-US" altLang="zh-CN" b="0" i="1" smtClean="0">
+                                    <a:latin typeface="Cambria Math" panose="02040503050406030204" pitchFamily="18" charset="0"/>
+                                    <a:ea typeface="Cambria Math" panose="02040503050406030204" pitchFamily="18" charset="0"/>
+                                  </a:rPr>
+                                  <m:t>96</m:t>
+                                </m:r>
+                              </m:oMath>
+                            </m:oMathPara>
+                          </a14:m>
+                          <a:endParaRPr lang="zh-CN" altLang="en-US" dirty="0"/>
+                        </a:p>
+                      </a:txBody>
+                      <a:tcPr/>
+                    </a:tc>
+                  </a:tr>
+                  <a:tr h="370840">
+                    <a:tc>
+                      <a:txBody>
+                        <a:bodyPr/>
+                        <a:lstStyle/>
+                        <a:p>
+                          <a:pPr algn="ctr"/>
+                          <a:r>
+                            <a:rPr lang="en-US" altLang="zh-CN" b="0" dirty="0" smtClean="0"/>
+                            <a:t>Conv3</a:t>
+                          </a:r>
+                          <a:endParaRPr lang="zh-CN" altLang="en-US" b="0" dirty="0"/>
+                        </a:p>
+                      </a:txBody>
+                      <a:tcPr/>
+                    </a:tc>
+                    <a:tc>
+                      <a:txBody>
+                        <a:bodyPr/>
+                        <a:lstStyle/>
+                        <a:p>
+                          <a:pPr algn="ctr"/>
+                          <a14:m>
+                            <m:oMath xmlns:m="http://schemas.openxmlformats.org/officeDocument/2006/math">
+                              <m:r>
+                                <a:rPr lang="en-US" altLang="zh-CN" b="0" i="1" smtClean="0">
+                                  <a:latin typeface="Cambria Math" panose="02040503050406030204" pitchFamily="18" charset="0"/>
+                                  <a:ea typeface="+mn-ea"/>
+                                </a:rPr>
+                                <m:t>7</m:t>
+                              </m:r>
+                              <m:r>
+                                <a:rPr lang="en-US" altLang="zh-CN" b="0" i="1" smtClean="0">
+                                  <a:latin typeface="Cambria Math" panose="02040503050406030204" pitchFamily="18" charset="0"/>
+                                  <a:ea typeface="Cambria Math" panose="02040503050406030204" pitchFamily="18" charset="0"/>
+                                </a:rPr>
+                                <m:t>×</m:t>
+                              </m:r>
+                              <m:r>
+                                <a:rPr lang="en-US" altLang="zh-CN" b="0" i="1" smtClean="0">
+                                  <a:latin typeface="Cambria Math" panose="02040503050406030204" pitchFamily="18" charset="0"/>
+                                  <a:ea typeface="Cambria Math" panose="02040503050406030204" pitchFamily="18" charset="0"/>
+                                </a:rPr>
+                                <m:t>7, 64,</m:t>
+                              </m:r>
+                            </m:oMath>
+                          </a14:m>
+                          <a:r>
+                            <a:rPr lang="zh-CN" altLang="en-US" dirty="0" smtClean="0"/>
+                            <a:t> </a:t>
+                          </a:r>
+                          <a:r>
+                            <a:rPr lang="en-US" altLang="zh-CN" dirty="0" smtClean="0"/>
+                            <a:t>stride=2</a:t>
+                          </a:r>
+                          <a:endParaRPr lang="zh-CN" altLang="en-US" dirty="0"/>
+                        </a:p>
+                      </a:txBody>
+                      <a:tcPr/>
+                    </a:tc>
+                    <a:tc>
+                      <a:txBody>
+                        <a:bodyPr/>
+                        <a:lstStyle/>
+                        <a:p>
+                          <a:pPr algn="ctr"/>
+                          <a14:m>
+                            <m:oMathPara xmlns:m="http://schemas.openxmlformats.org/officeDocument/2006/math">
+                              <m:oMathParaPr>
+                                <m:jc m:val="centerGroup"/>
+                              </m:oMathParaPr>
+                              <m:oMath xmlns:m="http://schemas.openxmlformats.org/officeDocument/2006/math">
+                                <m:r>
+                                  <a:rPr lang="en-US" altLang="zh-CN" b="0" i="1" smtClean="0">
+                                    <a:latin typeface="Cambria Math" panose="02040503050406030204" pitchFamily="18" charset="0"/>
+                                  </a:rPr>
+                                  <m:t>64</m:t>
+                                </m:r>
+                                <m:r>
+                                  <a:rPr lang="en-US" altLang="zh-CN" b="0" i="1" smtClean="0">
+                                    <a:latin typeface="Cambria Math" panose="02040503050406030204" pitchFamily="18" charset="0"/>
+                                    <a:ea typeface="Cambria Math" panose="02040503050406030204" pitchFamily="18" charset="0"/>
+                                  </a:rPr>
+                                  <m:t>×</m:t>
+                                </m:r>
+                                <m:r>
+                                  <a:rPr lang="en-US" altLang="zh-CN" b="0" i="1" smtClean="0">
+                                    <a:latin typeface="Cambria Math" panose="02040503050406030204" pitchFamily="18" charset="0"/>
+                                    <a:ea typeface="Cambria Math" panose="02040503050406030204" pitchFamily="18" charset="0"/>
+                                  </a:rPr>
+                                  <m:t>64,</m:t>
+                                </m:r>
+                                <m:r>
+                                  <a:rPr lang="en-US" altLang="zh-CN" b="0" i="1" smtClean="0">
+                                    <a:latin typeface="Cambria Math" panose="02040503050406030204" pitchFamily="18" charset="0"/>
+                                    <a:ea typeface="Cambria Math" panose="02040503050406030204" pitchFamily="18" charset="0"/>
+                                  </a:rPr>
+                                  <m:t> 64</m:t>
+                                </m:r>
+                              </m:oMath>
+                            </m:oMathPara>
+                          </a14:m>
+                          <a:endParaRPr lang="zh-CN" altLang="en-US" dirty="0"/>
+                        </a:p>
+                      </a:txBody>
+                      <a:tcPr/>
+                    </a:tc>
+                  </a:tr>
+                  <a:tr h="370840">
+                    <a:tc>
+                      <a:txBody>
+                        <a:bodyPr/>
+                        <a:lstStyle/>
+                        <a:p>
+                          <a:pPr algn="ctr"/>
+                          <a:r>
+                            <a:rPr lang="en-US" altLang="zh-CN" b="0" dirty="0" smtClean="0"/>
+                            <a:t>Conv4_x</a:t>
+                          </a:r>
+                          <a:endParaRPr lang="zh-CN" altLang="en-US" b="0" dirty="0"/>
+                        </a:p>
+                      </a:txBody>
+                      <a:tcPr/>
+                    </a:tc>
+                    <a:tc>
+                      <a:txBody>
+                        <a:bodyPr/>
+                        <a:lstStyle/>
+                        <a:p>
+                          <a:pPr algn="ctr"/>
+                          <a14:m>
+                            <m:oMathPara xmlns:m="http://schemas.openxmlformats.org/officeDocument/2006/math">
+                              <m:oMathParaPr>
+                                <m:jc m:val="centerGroup"/>
+                              </m:oMathParaPr>
+                              <m:oMath xmlns:m="http://schemas.openxmlformats.org/officeDocument/2006/math">
+                                <m:d>
+                                  <m:dPr>
+                                    <m:ctrlPr>
+                                      <a:rPr lang="en-US" altLang="zh-CN" i="1" smtClean="0">
+                                        <a:latin typeface="Cambria Math" panose="02040503050406030204" pitchFamily="18" charset="0"/>
+                                      </a:rPr>
+                                    </m:ctrlPr>
+                                  </m:dPr>
+                                  <m:e>
+                                    <m:eqArr>
+                                      <m:eqArrPr>
+                                        <m:ctrlPr>
+                                          <a:rPr lang="en-US" altLang="zh-CN" i="1" smtClean="0">
+                                            <a:latin typeface="Cambria Math" panose="02040503050406030204" pitchFamily="18" charset="0"/>
+                                          </a:rPr>
+                                        </m:ctrlPr>
+                                      </m:eqArrPr>
+                                      <m:e>
+                                        <m:r>
+                                          <a:rPr lang="en-US" altLang="zh-CN" b="0" i="1" smtClean="0">
+                                            <a:latin typeface="Cambria Math" panose="02040503050406030204" pitchFamily="18" charset="0"/>
+                                          </a:rPr>
+                                          <m:t>1</m:t>
+                                        </m:r>
+                                        <m:r>
+                                          <a:rPr lang="en-US" altLang="zh-CN" b="0" i="1" smtClean="0">
+                                            <a:latin typeface="Cambria Math" panose="02040503050406030204" pitchFamily="18" charset="0"/>
+                                            <a:ea typeface="Cambria Math" panose="02040503050406030204" pitchFamily="18" charset="0"/>
+                                          </a:rPr>
+                                          <m:t>×1, 64</m:t>
+                                        </m:r>
+                                      </m:e>
+                                      <m:e>
+                                        <m:r>
+                                          <a:rPr lang="en-US" altLang="zh-CN" b="0" i="1" smtClean="0">
+                                            <a:latin typeface="Cambria Math" panose="02040503050406030204" pitchFamily="18" charset="0"/>
+                                          </a:rPr>
+                                          <m:t>3</m:t>
+                                        </m:r>
+                                        <m:r>
+                                          <a:rPr lang="en-US" altLang="zh-CN" b="0" i="1" smtClean="0">
+                                            <a:latin typeface="Cambria Math" panose="02040503050406030204" pitchFamily="18" charset="0"/>
+                                            <a:ea typeface="Cambria Math" panose="02040503050406030204" pitchFamily="18" charset="0"/>
+                                          </a:rPr>
+                                          <m:t>×3, 64</m:t>
+                                        </m:r>
+                                      </m:e>
+                                      <m:e>
+                                        <m:r>
+                                          <a:rPr lang="en-US" altLang="zh-CN" b="0" i="1" smtClean="0">
+                                            <a:latin typeface="Cambria Math" panose="02040503050406030204" pitchFamily="18" charset="0"/>
+                                          </a:rPr>
+                                          <m:t>1</m:t>
+                                        </m:r>
+                                        <m:r>
+                                          <a:rPr lang="en-US" altLang="zh-CN" b="0" i="1" smtClean="0">
+                                            <a:latin typeface="Cambria Math" panose="02040503050406030204" pitchFamily="18" charset="0"/>
+                                            <a:ea typeface="Cambria Math" panose="02040503050406030204" pitchFamily="18" charset="0"/>
+                                          </a:rPr>
+                                          <m:t>×1, 256</m:t>
+                                        </m:r>
+                                      </m:e>
+                                    </m:eqArr>
+                                  </m:e>
+                                </m:d>
+                                <m:r>
+                                  <a:rPr lang="en-US" altLang="zh-CN" b="0" i="0" dirty="0" smtClean="0">
+                                    <a:latin typeface="+mn-lt"/>
+                                    <a:ea typeface="+mn-ea"/>
+                                  </a:rPr>
+                                  <m:t>×</m:t>
+                                </m:r>
+                                <m:r>
+                                  <a:rPr lang="en-US" altLang="zh-CN" b="0" i="0" dirty="0" smtClean="0">
+                                    <a:latin typeface="Cambria Math" panose="02040503050406030204" pitchFamily="18" charset="0"/>
+                                    <a:ea typeface="+mn-ea"/>
+                                  </a:rPr>
+                                  <m:t>3</m:t>
+                                </m:r>
+                              </m:oMath>
+                            </m:oMathPara>
+                          </a14:m>
+                          <a:endParaRPr lang="zh-CN" altLang="en-US" dirty="0"/>
+                        </a:p>
+                      </a:txBody>
+                      <a:tcPr/>
+                    </a:tc>
+                    <a:tc>
+                      <a:txBody>
+                        <a:bodyPr/>
+                        <a:lstStyle/>
+                        <a:p>
+                          <a:pPr algn="ctr"/>
+                          <a14:m>
+                            <m:oMathPara xmlns:m="http://schemas.openxmlformats.org/officeDocument/2006/math">
+                              <m:oMathParaPr>
+                                <m:jc m:val="centerGroup"/>
+                              </m:oMathParaPr>
+                              <m:oMath xmlns:m="http://schemas.openxmlformats.org/officeDocument/2006/math">
+                                <m:r>
+                                  <a:rPr lang="en-US" altLang="zh-CN" b="0" i="1" smtClean="0">
+                                    <a:latin typeface="Cambria Math" panose="02040503050406030204" pitchFamily="18" charset="0"/>
+                                  </a:rPr>
+                                  <m:t>16</m:t>
+                                </m:r>
+                                <m:r>
+                                  <a:rPr lang="en-US" altLang="zh-CN" b="0" i="1" smtClean="0">
+                                    <a:latin typeface="Cambria Math" panose="02040503050406030204" pitchFamily="18" charset="0"/>
+                                    <a:ea typeface="Cambria Math" panose="02040503050406030204" pitchFamily="18" charset="0"/>
+                                  </a:rPr>
+                                  <m:t>×1</m:t>
+                                </m:r>
+                                <m:r>
+                                  <a:rPr lang="en-US" altLang="zh-CN" b="0" i="1" smtClean="0">
+                                    <a:latin typeface="Cambria Math" panose="02040503050406030204" pitchFamily="18" charset="0"/>
+                                    <a:ea typeface="Cambria Math" panose="02040503050406030204" pitchFamily="18" charset="0"/>
+                                  </a:rPr>
+                                  <m:t>6</m:t>
+                                </m:r>
+                                <m:r>
+                                  <a:rPr lang="en-US" altLang="zh-CN" b="0" i="1" smtClean="0">
+                                    <a:latin typeface="Cambria Math" panose="02040503050406030204" pitchFamily="18" charset="0"/>
+                                    <a:ea typeface="Cambria Math" panose="02040503050406030204" pitchFamily="18" charset="0"/>
+                                  </a:rPr>
+                                  <m:t>, </m:t>
+                                </m:r>
+                                <m:r>
+                                  <a:rPr lang="en-US" altLang="zh-CN" b="0" i="1" smtClean="0">
+                                    <a:latin typeface="Cambria Math" panose="02040503050406030204" pitchFamily="18" charset="0"/>
+                                    <a:ea typeface="Cambria Math" panose="02040503050406030204" pitchFamily="18" charset="0"/>
+                                  </a:rPr>
+                                  <m:t>25</m:t>
+                                </m:r>
+                                <m:r>
+                                  <a:rPr lang="en-US" altLang="zh-CN" b="0" i="1" smtClean="0">
+                                    <a:latin typeface="Cambria Math" panose="02040503050406030204" pitchFamily="18" charset="0"/>
+                                    <a:ea typeface="Cambria Math" panose="02040503050406030204" pitchFamily="18" charset="0"/>
+                                  </a:rPr>
+                                  <m:t>6</m:t>
+                                </m:r>
+                              </m:oMath>
+                            </m:oMathPara>
+                          </a14:m>
+                          <a:endParaRPr lang="zh-CN" altLang="en-US" dirty="0"/>
+                        </a:p>
+                      </a:txBody>
+                      <a:tcPr/>
+                    </a:tc>
+                  </a:tr>
+                  <a:tr h="370840">
+                    <a:tc>
+                      <a:txBody>
+                        <a:bodyPr/>
+                        <a:lstStyle/>
+                        <a:p>
+                          <a:pPr algn="ctr"/>
+                          <a:r>
+                            <a:rPr lang="en-US" altLang="zh-CN" b="0" dirty="0" smtClean="0"/>
+                            <a:t>Conv5_x</a:t>
+                          </a:r>
+                          <a:endParaRPr lang="zh-CN" altLang="en-US" b="0" dirty="0"/>
+                        </a:p>
+                      </a:txBody>
+                      <a:tcPr/>
+                    </a:tc>
+                    <a:tc>
+                      <a:txBody>
+                        <a:bodyPr/>
+                        <a:lstStyle/>
+                        <a:p>
+                          <a:pPr marL="0" marR="0" indent="0" algn="ctr" defTabSz="914400" rtl="0" eaLnBrk="1" fontAlgn="auto" latinLnBrk="0" hangingPunct="1">
+                            <a:lnSpc>
+                              <a:spcPct val="100000"/>
+                            </a:lnSpc>
+                            <a:spcBef>
+                              <a:spcPts val="0"/>
+                            </a:spcBef>
+                            <a:spcAft>
+                              <a:spcPts val="0"/>
+                            </a:spcAft>
+                            <a:buClrTx/>
+                            <a:buSzTx/>
+                            <a:buFontTx/>
+                            <a:buNone/>
+                            <a:tabLst/>
+                            <a:defRPr/>
+                          </a:pPr>
+                          <a14:m>
+                            <m:oMathPara xmlns:m="http://schemas.openxmlformats.org/officeDocument/2006/math">
+                              <m:oMathParaPr>
+                                <m:jc m:val="centerGroup"/>
+                              </m:oMathParaPr>
+                              <m:oMath xmlns:m="http://schemas.openxmlformats.org/officeDocument/2006/math">
+                                <m:d>
+                                  <m:dPr>
+                                    <m:ctrlPr>
+                                      <a:rPr lang="en-US" altLang="zh-CN" i="1" smtClean="0">
+                                        <a:latin typeface="Cambria Math" panose="02040503050406030204" pitchFamily="18" charset="0"/>
+                                      </a:rPr>
+                                    </m:ctrlPr>
+                                  </m:dPr>
+                                  <m:e>
+                                    <m:eqArr>
+                                      <m:eqArrPr>
+                                        <m:ctrlPr>
+                                          <a:rPr lang="en-US" altLang="zh-CN" i="1" smtClean="0">
+                                            <a:latin typeface="Cambria Math" panose="02040503050406030204" pitchFamily="18" charset="0"/>
+                                          </a:rPr>
+                                        </m:ctrlPr>
+                                      </m:eqArrPr>
+                                      <m:e>
+                                        <m:r>
+                                          <a:rPr lang="en-US" altLang="zh-CN" b="0" i="1" smtClean="0">
+                                            <a:latin typeface="Cambria Math" panose="02040503050406030204" pitchFamily="18" charset="0"/>
+                                          </a:rPr>
+                                          <m:t>1</m:t>
+                                        </m:r>
+                                        <m:r>
+                                          <a:rPr lang="en-US" altLang="zh-CN" b="0" i="1" smtClean="0">
+                                            <a:latin typeface="Cambria Math" panose="02040503050406030204" pitchFamily="18" charset="0"/>
+                                            <a:ea typeface="Cambria Math" panose="02040503050406030204" pitchFamily="18" charset="0"/>
+                                          </a:rPr>
+                                          <m:t>×1, </m:t>
+                                        </m:r>
+                                        <m:r>
+                                          <a:rPr lang="en-US" altLang="zh-CN" b="0" i="1" smtClean="0">
+                                            <a:latin typeface="Cambria Math" panose="02040503050406030204" pitchFamily="18" charset="0"/>
+                                            <a:ea typeface="Cambria Math" panose="02040503050406030204" pitchFamily="18" charset="0"/>
+                                          </a:rPr>
+                                          <m:t>128</m:t>
+                                        </m:r>
+                                      </m:e>
+                                      <m:e>
+                                        <m:r>
+                                          <a:rPr lang="en-US" altLang="zh-CN" b="0" i="1" smtClean="0">
+                                            <a:latin typeface="Cambria Math" panose="02040503050406030204" pitchFamily="18" charset="0"/>
+                                          </a:rPr>
+                                          <m:t>3</m:t>
+                                        </m:r>
+                                        <m:r>
+                                          <a:rPr lang="en-US" altLang="zh-CN" b="0" i="1" smtClean="0">
+                                            <a:latin typeface="Cambria Math" panose="02040503050406030204" pitchFamily="18" charset="0"/>
+                                            <a:ea typeface="Cambria Math" panose="02040503050406030204" pitchFamily="18" charset="0"/>
+                                          </a:rPr>
+                                          <m:t>×3, </m:t>
+                                        </m:r>
+                                        <m:r>
+                                          <a:rPr lang="en-US" altLang="zh-CN" b="0" i="1" smtClean="0">
+                                            <a:latin typeface="Cambria Math" panose="02040503050406030204" pitchFamily="18" charset="0"/>
+                                            <a:ea typeface="Cambria Math" panose="02040503050406030204" pitchFamily="18" charset="0"/>
+                                          </a:rPr>
+                                          <m:t>128</m:t>
+                                        </m:r>
+                                      </m:e>
+                                      <m:e>
+                                        <m:r>
+                                          <a:rPr lang="en-US" altLang="zh-CN" b="0" i="1" smtClean="0">
+                                            <a:latin typeface="Cambria Math" panose="02040503050406030204" pitchFamily="18" charset="0"/>
+                                          </a:rPr>
+                                          <m:t>1</m:t>
+                                        </m:r>
+                                        <m:r>
+                                          <a:rPr lang="en-US" altLang="zh-CN" b="0" i="1" smtClean="0">
+                                            <a:latin typeface="Cambria Math" panose="02040503050406030204" pitchFamily="18" charset="0"/>
+                                            <a:ea typeface="Cambria Math" panose="02040503050406030204" pitchFamily="18" charset="0"/>
+                                          </a:rPr>
+                                          <m:t>×1, </m:t>
+                                        </m:r>
+                                        <m:r>
+                                          <a:rPr lang="en-US" altLang="zh-CN" b="0" i="1" smtClean="0">
+                                            <a:latin typeface="Cambria Math" panose="02040503050406030204" pitchFamily="18" charset="0"/>
+                                            <a:ea typeface="Cambria Math" panose="02040503050406030204" pitchFamily="18" charset="0"/>
+                                          </a:rPr>
+                                          <m:t>512</m:t>
+                                        </m:r>
+                                      </m:e>
+                                    </m:eqArr>
+                                  </m:e>
+                                </m:d>
+                                <m:r>
+                                  <a:rPr lang="en-US" altLang="zh-CN" b="0" i="0" dirty="0" smtClean="0">
+                                    <a:latin typeface="Cambria Math" panose="02040503050406030204" pitchFamily="18" charset="0"/>
+                                    <a:ea typeface="+mn-ea"/>
+                                  </a:rPr>
+                                  <m:t>×</m:t>
+                                </m:r>
+                                <m:r>
+                                  <a:rPr lang="en-US" altLang="zh-CN" b="0" i="0" dirty="0" smtClean="0">
+                                    <a:latin typeface="Cambria Math" panose="02040503050406030204" pitchFamily="18" charset="0"/>
+                                    <a:ea typeface="+mn-ea"/>
+                                  </a:rPr>
+                                  <m:t>4</m:t>
+                                </m:r>
+                              </m:oMath>
+                            </m:oMathPara>
+                          </a14:m>
+                          <a:endParaRPr lang="zh-CN" altLang="en-US" dirty="0"/>
+                        </a:p>
+                      </a:txBody>
+                      <a:tcPr/>
+                    </a:tc>
+                    <a:tc>
+                      <a:txBody>
+                        <a:bodyPr/>
+                        <a:lstStyle/>
+                        <a:p>
+                          <a:pPr algn="ctr"/>
+                          <a14:m>
+                            <m:oMathPara xmlns:m="http://schemas.openxmlformats.org/officeDocument/2006/math">
+                              <m:oMathParaPr>
+                                <m:jc m:val="centerGroup"/>
+                              </m:oMathParaPr>
+                              <m:oMath xmlns:m="http://schemas.openxmlformats.org/officeDocument/2006/math">
+                                <m:r>
+                                  <a:rPr lang="en-US" altLang="zh-CN" b="0" i="1" smtClean="0">
+                                    <a:latin typeface="Cambria Math" panose="02040503050406030204" pitchFamily="18" charset="0"/>
+                                  </a:rPr>
+                                  <m:t>8</m:t>
+                                </m:r>
+                                <m:r>
+                                  <a:rPr lang="en-US" altLang="zh-CN" b="0" i="1" smtClean="0">
+                                    <a:latin typeface="Cambria Math" panose="02040503050406030204" pitchFamily="18" charset="0"/>
+                                    <a:ea typeface="Cambria Math" panose="02040503050406030204" pitchFamily="18" charset="0"/>
+                                  </a:rPr>
+                                  <m:t>×</m:t>
+                                </m:r>
+                                <m:r>
+                                  <a:rPr lang="en-US" altLang="zh-CN" b="0" i="1" smtClean="0">
+                                    <a:latin typeface="Cambria Math" panose="02040503050406030204" pitchFamily="18" charset="0"/>
+                                    <a:ea typeface="Cambria Math" panose="02040503050406030204" pitchFamily="18" charset="0"/>
+                                  </a:rPr>
+                                  <m:t>8, 256</m:t>
+                                </m:r>
+                              </m:oMath>
+                            </m:oMathPara>
+                          </a14:m>
+                          <a:endParaRPr lang="zh-CN" altLang="en-US" dirty="0"/>
+                        </a:p>
+                      </a:txBody>
+                      <a:tcPr/>
+                    </a:tc>
+                  </a:tr>
+                  <a:tr h="370840">
+                    <a:tc>
+                      <a:txBody>
+                        <a:bodyPr/>
+                        <a:lstStyle/>
+                        <a:p>
+                          <a:pPr algn="ctr"/>
+                          <a:r>
+                            <a:rPr lang="en-US" altLang="zh-CN" b="0" dirty="0" smtClean="0"/>
+                            <a:t>Conv6_x</a:t>
+                          </a:r>
+                          <a:endParaRPr lang="zh-CN" altLang="en-US" b="0" dirty="0"/>
+                        </a:p>
+                      </a:txBody>
+                      <a:tcPr/>
+                    </a:tc>
+                    <a:tc>
+                      <a:txBody>
+                        <a:bodyPr/>
+                        <a:lstStyle/>
+                        <a:p>
+                          <a:pPr marL="0" marR="0" indent="0" algn="ctr" defTabSz="914400" rtl="0" eaLnBrk="1" fontAlgn="auto" latinLnBrk="0" hangingPunct="1">
+                            <a:lnSpc>
+                              <a:spcPct val="100000"/>
+                            </a:lnSpc>
+                            <a:spcBef>
+                              <a:spcPts val="0"/>
+                            </a:spcBef>
+                            <a:spcAft>
+                              <a:spcPts val="0"/>
+                            </a:spcAft>
+                            <a:buClrTx/>
+                            <a:buSzTx/>
+                            <a:buFontTx/>
+                            <a:buNone/>
+                            <a:tabLst/>
+                            <a:defRPr/>
+                          </a:pPr>
+                          <a14:m>
+                            <m:oMathPara xmlns:m="http://schemas.openxmlformats.org/officeDocument/2006/math">
+                              <m:oMathParaPr>
+                                <m:jc m:val="centerGroup"/>
+                              </m:oMathParaPr>
+                              <m:oMath xmlns:m="http://schemas.openxmlformats.org/officeDocument/2006/math">
+                                <m:d>
+                                  <m:dPr>
+                                    <m:ctrlPr>
+                                      <a:rPr lang="en-US" altLang="zh-CN" i="1" smtClean="0">
+                                        <a:latin typeface="Cambria Math" panose="02040503050406030204" pitchFamily="18" charset="0"/>
+                                      </a:rPr>
+                                    </m:ctrlPr>
+                                  </m:dPr>
+                                  <m:e>
+                                    <m:eqArr>
+                                      <m:eqArrPr>
+                                        <m:ctrlPr>
+                                          <a:rPr lang="en-US" altLang="zh-CN" i="1" smtClean="0">
+                                            <a:latin typeface="Cambria Math" panose="02040503050406030204" pitchFamily="18" charset="0"/>
+                                          </a:rPr>
+                                        </m:ctrlPr>
+                                      </m:eqArrPr>
+                                      <m:e>
+                                        <m:r>
+                                          <a:rPr lang="en-US" altLang="zh-CN" b="0" i="1" smtClean="0">
+                                            <a:latin typeface="Cambria Math" panose="02040503050406030204" pitchFamily="18" charset="0"/>
+                                          </a:rPr>
+                                          <m:t>1</m:t>
+                                        </m:r>
+                                        <m:r>
+                                          <a:rPr lang="en-US" altLang="zh-CN" b="0" i="1" smtClean="0">
+                                            <a:latin typeface="Cambria Math" panose="02040503050406030204" pitchFamily="18" charset="0"/>
+                                            <a:ea typeface="Cambria Math" panose="02040503050406030204" pitchFamily="18" charset="0"/>
+                                          </a:rPr>
+                                          <m:t>×1, </m:t>
+                                        </m:r>
+                                        <m:r>
+                                          <a:rPr lang="en-US" altLang="zh-CN" b="0" i="1" smtClean="0">
+                                            <a:latin typeface="Cambria Math" panose="02040503050406030204" pitchFamily="18" charset="0"/>
+                                            <a:ea typeface="Cambria Math" panose="02040503050406030204" pitchFamily="18" charset="0"/>
+                                          </a:rPr>
+                                          <m:t>256</m:t>
+                                        </m:r>
+                                      </m:e>
+                                      <m:e>
+                                        <m:r>
+                                          <a:rPr lang="en-US" altLang="zh-CN" b="0" i="1" smtClean="0">
+                                            <a:latin typeface="Cambria Math" panose="02040503050406030204" pitchFamily="18" charset="0"/>
+                                          </a:rPr>
+                                          <m:t>3</m:t>
+                                        </m:r>
+                                        <m:r>
+                                          <a:rPr lang="en-US" altLang="zh-CN" b="0" i="1" smtClean="0">
+                                            <a:latin typeface="Cambria Math" panose="02040503050406030204" pitchFamily="18" charset="0"/>
+                                            <a:ea typeface="Cambria Math" panose="02040503050406030204" pitchFamily="18" charset="0"/>
+                                          </a:rPr>
+                                          <m:t>×3, </m:t>
+                                        </m:r>
+                                        <m:r>
+                                          <a:rPr lang="en-US" altLang="zh-CN" b="0" i="1" smtClean="0">
+                                            <a:latin typeface="Cambria Math" panose="02040503050406030204" pitchFamily="18" charset="0"/>
+                                            <a:ea typeface="Cambria Math" panose="02040503050406030204" pitchFamily="18" charset="0"/>
+                                          </a:rPr>
+                                          <m:t>256</m:t>
+                                        </m:r>
+                                      </m:e>
+                                      <m:e>
+                                        <m:r>
+                                          <a:rPr lang="en-US" altLang="zh-CN" b="0" i="1" smtClean="0">
+                                            <a:latin typeface="Cambria Math" panose="02040503050406030204" pitchFamily="18" charset="0"/>
+                                          </a:rPr>
+                                          <m:t>1</m:t>
+                                        </m:r>
+                                        <m:r>
+                                          <a:rPr lang="en-US" altLang="zh-CN" b="0" i="1" smtClean="0">
+                                            <a:latin typeface="Cambria Math" panose="02040503050406030204" pitchFamily="18" charset="0"/>
+                                            <a:ea typeface="Cambria Math" panose="02040503050406030204" pitchFamily="18" charset="0"/>
+                                          </a:rPr>
+                                          <m:t>×1,</m:t>
+                                        </m:r>
+                                        <m:r>
+                                          <a:rPr lang="en-US" altLang="zh-CN" b="0" i="1" smtClean="0">
+                                            <a:latin typeface="Cambria Math" panose="02040503050406030204" pitchFamily="18" charset="0"/>
+                                            <a:ea typeface="Cambria Math" panose="02040503050406030204" pitchFamily="18" charset="0"/>
+                                          </a:rPr>
+                                          <m:t> 1024</m:t>
+                                        </m:r>
+                                      </m:e>
+                                    </m:eqArr>
+                                  </m:e>
+                                </m:d>
+                                <m:r>
+                                  <a:rPr lang="en-US" altLang="zh-CN" b="0" i="0" dirty="0" smtClean="0">
+                                    <a:latin typeface="Cambria Math" panose="02040503050406030204" pitchFamily="18" charset="0"/>
+                                    <a:ea typeface="+mn-ea"/>
+                                  </a:rPr>
+                                  <m:t>×</m:t>
+                                </m:r>
+                                <m:r>
+                                  <a:rPr lang="en-US" altLang="zh-CN" b="0" i="0" dirty="0" smtClean="0">
+                                    <a:latin typeface="Cambria Math" panose="02040503050406030204" pitchFamily="18" charset="0"/>
+                                    <a:ea typeface="+mn-ea"/>
+                                  </a:rPr>
+                                  <m:t>6</m:t>
+                                </m:r>
+                              </m:oMath>
+                            </m:oMathPara>
+                          </a14:m>
+                          <a:endParaRPr lang="zh-CN" altLang="en-US" dirty="0"/>
+                        </a:p>
+                      </a:txBody>
+                      <a:tcPr/>
+                    </a:tc>
+                    <a:tc>
+                      <a:txBody>
+                        <a:bodyPr/>
+                        <a:lstStyle/>
+                        <a:p>
+                          <a:pPr algn="ctr"/>
+                          <a14:m>
+                            <m:oMathPara xmlns:m="http://schemas.openxmlformats.org/officeDocument/2006/math">
+                              <m:oMathParaPr>
+                                <m:jc m:val="centerGroup"/>
+                              </m:oMathParaPr>
+                              <m:oMath xmlns:m="http://schemas.openxmlformats.org/officeDocument/2006/math">
+                                <m:r>
+                                  <a:rPr lang="en-US" altLang="zh-CN" b="0" i="1" smtClean="0">
+                                    <a:latin typeface="Cambria Math" panose="02040503050406030204" pitchFamily="18" charset="0"/>
+                                  </a:rPr>
+                                  <m:t>4</m:t>
+                                </m:r>
+                                <m:r>
+                                  <a:rPr lang="en-US" altLang="zh-CN" b="0" i="1" smtClean="0">
+                                    <a:latin typeface="Cambria Math" panose="02040503050406030204" pitchFamily="18" charset="0"/>
+                                    <a:ea typeface="Cambria Math" panose="02040503050406030204" pitchFamily="18" charset="0"/>
+                                  </a:rPr>
+                                  <m:t>×</m:t>
+                                </m:r>
+                                <m:r>
+                                  <a:rPr lang="en-US" altLang="zh-CN" b="0" i="1" smtClean="0">
+                                    <a:latin typeface="Cambria Math" panose="02040503050406030204" pitchFamily="18" charset="0"/>
+                                    <a:ea typeface="Cambria Math" panose="02040503050406030204" pitchFamily="18" charset="0"/>
+                                  </a:rPr>
+                                  <m:t>4, 1024</m:t>
+                                </m:r>
+                              </m:oMath>
+                            </m:oMathPara>
+                          </a14:m>
+                          <a:endParaRPr lang="zh-CN" altLang="en-US" dirty="0"/>
+                        </a:p>
+                      </a:txBody>
+                      <a:tcPr/>
+                    </a:tc>
+                  </a:tr>
+                  <a:tr h="370840">
+                    <a:tc>
+                      <a:txBody>
+                        <a:bodyPr/>
+                        <a:lstStyle/>
+                        <a:p>
+                          <a:pPr marL="0" marR="0" indent="0" algn="ctr" defTabSz="914400" rtl="0" eaLnBrk="1" fontAlgn="auto" latinLnBrk="0" hangingPunct="1">
+                            <a:lnSpc>
+                              <a:spcPct val="100000"/>
+                            </a:lnSpc>
+                            <a:spcBef>
+                              <a:spcPts val="0"/>
+                            </a:spcBef>
+                            <a:spcAft>
+                              <a:spcPts val="0"/>
+                            </a:spcAft>
+                            <a:buClrTx/>
+                            <a:buSzTx/>
+                            <a:buFontTx/>
+                            <a:buNone/>
+                            <a:tabLst/>
+                            <a:defRPr/>
+                          </a:pPr>
+                          <a:r>
+                            <a:rPr lang="en-US" altLang="zh-CN" b="0" dirty="0" smtClean="0"/>
+                            <a:t>Conv7_x</a:t>
+                          </a:r>
+                          <a:endParaRPr lang="zh-CN" altLang="en-US" b="0" dirty="0" smtClean="0"/>
+                        </a:p>
+                      </a:txBody>
+                      <a:tcPr/>
+                    </a:tc>
+                    <a:tc>
+                      <a:txBody>
+                        <a:bodyPr/>
+                        <a:lstStyle/>
+                        <a:p>
+                          <a:pPr marL="0" marR="0" indent="0" algn="ctr" defTabSz="914400" rtl="0" eaLnBrk="1" fontAlgn="auto" latinLnBrk="0" hangingPunct="1">
+                            <a:lnSpc>
+                              <a:spcPct val="100000"/>
+                            </a:lnSpc>
+                            <a:spcBef>
+                              <a:spcPts val="0"/>
+                            </a:spcBef>
+                            <a:spcAft>
+                              <a:spcPts val="0"/>
+                            </a:spcAft>
+                            <a:buClrTx/>
+                            <a:buSzTx/>
+                            <a:buFontTx/>
+                            <a:buNone/>
+                            <a:tabLst/>
+                            <a:defRPr/>
+                          </a:pPr>
+                          <a14:m>
+                            <m:oMathPara xmlns:m="http://schemas.openxmlformats.org/officeDocument/2006/math">
+                              <m:oMathParaPr>
+                                <m:jc m:val="centerGroup"/>
+                              </m:oMathParaPr>
+                              <m:oMath xmlns:m="http://schemas.openxmlformats.org/officeDocument/2006/math">
+                                <m:d>
+                                  <m:dPr>
+                                    <m:ctrlPr>
+                                      <a:rPr lang="en-US" altLang="zh-CN" i="1" smtClean="0">
+                                        <a:latin typeface="Cambria Math" panose="02040503050406030204" pitchFamily="18" charset="0"/>
+                                      </a:rPr>
+                                    </m:ctrlPr>
+                                  </m:dPr>
+                                  <m:e>
+                                    <m:eqArr>
+                                      <m:eqArrPr>
+                                        <m:ctrlPr>
+                                          <a:rPr lang="en-US" altLang="zh-CN" i="1" smtClean="0">
+                                            <a:latin typeface="Cambria Math" panose="02040503050406030204" pitchFamily="18" charset="0"/>
+                                          </a:rPr>
+                                        </m:ctrlPr>
+                                      </m:eqArrPr>
+                                      <m:e>
+                                        <m:r>
+                                          <a:rPr lang="en-US" altLang="zh-CN" b="0" i="1" smtClean="0">
+                                            <a:latin typeface="Cambria Math" panose="02040503050406030204" pitchFamily="18" charset="0"/>
+                                          </a:rPr>
+                                          <m:t>1</m:t>
+                                        </m:r>
+                                        <m:r>
+                                          <a:rPr lang="en-US" altLang="zh-CN" b="0" i="1" smtClean="0">
+                                            <a:latin typeface="Cambria Math" panose="02040503050406030204" pitchFamily="18" charset="0"/>
+                                            <a:ea typeface="Cambria Math" panose="02040503050406030204" pitchFamily="18" charset="0"/>
+                                          </a:rPr>
+                                          <m:t>×1, </m:t>
+                                        </m:r>
+                                        <m:r>
+                                          <a:rPr lang="en-US" altLang="zh-CN" b="0" i="1" smtClean="0">
+                                            <a:latin typeface="Cambria Math" panose="02040503050406030204" pitchFamily="18" charset="0"/>
+                                            <a:ea typeface="Cambria Math" panose="02040503050406030204" pitchFamily="18" charset="0"/>
+                                          </a:rPr>
+                                          <m:t>512</m:t>
+                                        </m:r>
+                                      </m:e>
+                                      <m:e>
+                                        <m:r>
+                                          <a:rPr lang="en-US" altLang="zh-CN" b="0" i="1" smtClean="0">
+                                            <a:latin typeface="Cambria Math" panose="02040503050406030204" pitchFamily="18" charset="0"/>
+                                          </a:rPr>
+                                          <m:t>3</m:t>
+                                        </m:r>
+                                        <m:r>
+                                          <a:rPr lang="en-US" altLang="zh-CN" b="0" i="1" smtClean="0">
+                                            <a:latin typeface="Cambria Math" panose="02040503050406030204" pitchFamily="18" charset="0"/>
+                                            <a:ea typeface="Cambria Math" panose="02040503050406030204" pitchFamily="18" charset="0"/>
+                                          </a:rPr>
+                                          <m:t>×3, </m:t>
+                                        </m:r>
+                                        <m:r>
+                                          <a:rPr lang="en-US" altLang="zh-CN" b="0" i="1" smtClean="0">
+                                            <a:latin typeface="Cambria Math" panose="02040503050406030204" pitchFamily="18" charset="0"/>
+                                            <a:ea typeface="Cambria Math" panose="02040503050406030204" pitchFamily="18" charset="0"/>
+                                          </a:rPr>
+                                          <m:t>512</m:t>
+                                        </m:r>
+                                      </m:e>
+                                      <m:e>
+                                        <m:r>
+                                          <a:rPr lang="en-US" altLang="zh-CN" b="0" i="1" smtClean="0">
+                                            <a:latin typeface="Cambria Math" panose="02040503050406030204" pitchFamily="18" charset="0"/>
+                                          </a:rPr>
+                                          <m:t>1</m:t>
+                                        </m:r>
+                                        <m:r>
+                                          <a:rPr lang="en-US" altLang="zh-CN" b="0" i="1" smtClean="0">
+                                            <a:latin typeface="Cambria Math" panose="02040503050406030204" pitchFamily="18" charset="0"/>
+                                            <a:ea typeface="Cambria Math" panose="02040503050406030204" pitchFamily="18" charset="0"/>
+                                          </a:rPr>
+                                          <m:t>×1, </m:t>
+                                        </m:r>
+                                        <m:r>
+                                          <a:rPr lang="en-US" altLang="zh-CN" b="0" i="1" smtClean="0">
+                                            <a:latin typeface="Cambria Math" panose="02040503050406030204" pitchFamily="18" charset="0"/>
+                                            <a:ea typeface="Cambria Math" panose="02040503050406030204" pitchFamily="18" charset="0"/>
+                                          </a:rPr>
+                                          <m:t>2048</m:t>
+                                        </m:r>
+                                      </m:e>
+                                    </m:eqArr>
+                                  </m:e>
+                                </m:d>
+                                <m:r>
+                                  <a:rPr lang="en-US" altLang="zh-CN" b="0" i="0" dirty="0" smtClean="0">
+                                    <a:latin typeface="Cambria Math" panose="02040503050406030204" pitchFamily="18" charset="0"/>
+                                    <a:ea typeface="+mn-ea"/>
+                                  </a:rPr>
+                                  <m:t>×</m:t>
+                                </m:r>
+                                <m:r>
+                                  <a:rPr lang="en-US" altLang="zh-CN" b="0" i="0" dirty="0" smtClean="0">
+                                    <a:latin typeface="Cambria Math" panose="02040503050406030204" pitchFamily="18" charset="0"/>
+                                    <a:ea typeface="+mn-ea"/>
+                                  </a:rPr>
+                                  <m:t>3</m:t>
+                                </m:r>
+                              </m:oMath>
+                            </m:oMathPara>
+                          </a14:m>
+                          <a:endParaRPr lang="zh-CN" altLang="en-US" dirty="0"/>
+                        </a:p>
+                      </a:txBody>
+                      <a:tcPr/>
+                    </a:tc>
+                    <a:tc>
+                      <a:txBody>
+                        <a:bodyPr/>
+                        <a:lstStyle/>
+                        <a:p>
+                          <a:pPr algn="ctr"/>
+                          <a14:m>
+                            <m:oMathPara xmlns:m="http://schemas.openxmlformats.org/officeDocument/2006/math">
+                              <m:oMathParaPr>
+                                <m:jc m:val="centerGroup"/>
+                              </m:oMathParaPr>
+                              <m:oMath xmlns:m="http://schemas.openxmlformats.org/officeDocument/2006/math">
+                                <m:r>
+                                  <a:rPr lang="en-US" altLang="zh-CN" b="0" i="1" smtClean="0">
+                                    <a:latin typeface="Cambria Math" panose="02040503050406030204" pitchFamily="18" charset="0"/>
+                                  </a:rPr>
+                                  <m:t>4</m:t>
+                                </m:r>
+                                <m:r>
+                                  <a:rPr lang="en-US" altLang="zh-CN" b="0" i="1" smtClean="0">
+                                    <a:latin typeface="Cambria Math" panose="02040503050406030204" pitchFamily="18" charset="0"/>
+                                    <a:ea typeface="Cambria Math" panose="02040503050406030204" pitchFamily="18" charset="0"/>
+                                  </a:rPr>
+                                  <m:t>×</m:t>
+                                </m:r>
+                                <m:r>
+                                  <a:rPr lang="en-US" altLang="zh-CN" b="0" i="1" smtClean="0">
+                                    <a:latin typeface="Cambria Math" panose="02040503050406030204" pitchFamily="18" charset="0"/>
+                                    <a:ea typeface="Cambria Math" panose="02040503050406030204" pitchFamily="18" charset="0"/>
+                                  </a:rPr>
+                                  <m:t>4,</m:t>
+                                </m:r>
+                                <m:r>
+                                  <a:rPr lang="en-US" altLang="zh-CN" b="0" i="1" smtClean="0">
+                                    <a:latin typeface="Cambria Math" panose="02040503050406030204" pitchFamily="18" charset="0"/>
+                                    <a:ea typeface="Cambria Math" panose="02040503050406030204" pitchFamily="18" charset="0"/>
+                                  </a:rPr>
+                                  <m:t> </m:t>
+                                </m:r>
+                                <m:r>
+                                  <a:rPr lang="en-US" altLang="zh-CN" b="0" i="1" smtClean="0">
+                                    <a:latin typeface="Cambria Math" panose="02040503050406030204" pitchFamily="18" charset="0"/>
+                                    <a:ea typeface="Cambria Math" panose="02040503050406030204" pitchFamily="18" charset="0"/>
+                                  </a:rPr>
+                                  <m:t>2048</m:t>
+                                </m:r>
+                              </m:oMath>
+                            </m:oMathPara>
+                          </a14:m>
+                          <a:endParaRPr lang="zh-CN" altLang="en-US" dirty="0"/>
+                        </a:p>
+                      </a:txBody>
+                      <a:tcPr/>
+                    </a:tc>
+                  </a:tr>
+                </a:tbl>
+              </a:graphicData>
+            </a:graphic>
+          </p:graphicFrame>
+        </mc:Choice>
+        <mc:Fallback>
+          <p:graphicFrame>
+            <p:nvGraphicFramePr>
+              <p:cNvPr id="5" name="表格 4"/>
+              <p:cNvGraphicFramePr>
+                <a:graphicFrameLocks noGrp="1"/>
+              </p:cNvGraphicFramePr>
+              <p:nvPr>
+                <p:extLst>
+                  <p:ext uri="{D42A27DB-BD31-4B8C-83A1-F6EECF244321}">
+                    <p14:modId xmlns:p14="http://schemas.microsoft.com/office/powerpoint/2010/main" val="4181426316"/>
+                  </p:ext>
+                </p:extLst>
+              </p:nvPr>
+            </p:nvGraphicFramePr>
+            <p:xfrm>
+              <a:off x="2223068" y="897086"/>
+              <a:ext cx="8127999" cy="4878198"/>
+            </p:xfrm>
+            <a:graphic>
+              <a:graphicData uri="http://schemas.openxmlformats.org/drawingml/2006/table">
+                <a:tbl>
+                  <a:tblPr firstRow="1" bandRow="1">
+                    <a:tableStyleId>{5940675A-B579-460E-94D1-54222C63F5DA}</a:tableStyleId>
+                  </a:tblPr>
+                  <a:tblGrid>
+                    <a:gridCol w="2709333"/>
+                    <a:gridCol w="2709333"/>
+                    <a:gridCol w="2709333"/>
+                  </a:tblGrid>
+                  <a:tr h="370840">
+                    <a:tc>
+                      <a:txBody>
+                        <a:bodyPr/>
+                        <a:lstStyle/>
+                        <a:p>
+                          <a:pPr algn="ctr"/>
+                          <a:r>
+                            <a:rPr lang="en-US" altLang="zh-CN" b="1" dirty="0" smtClean="0"/>
+                            <a:t>Layer</a:t>
+                          </a:r>
+                          <a:endParaRPr lang="zh-CN" altLang="en-US" b="1" dirty="0"/>
+                        </a:p>
+                      </a:txBody>
+                      <a:tcPr/>
+                    </a:tc>
+                    <a:tc>
+                      <a:txBody>
+                        <a:bodyPr/>
+                        <a:lstStyle/>
+                        <a:p>
+                          <a:pPr algn="ctr"/>
+                          <a:r>
+                            <a:rPr lang="en-US" altLang="zh-CN" b="1" dirty="0" smtClean="0"/>
+                            <a:t>detail</a:t>
+                          </a:r>
+                          <a:endParaRPr lang="zh-CN" altLang="en-US" b="1" dirty="0"/>
+                        </a:p>
+                      </a:txBody>
+                      <a:tcPr/>
+                    </a:tc>
+                    <a:tc>
+                      <a:txBody>
+                        <a:bodyPr/>
+                        <a:lstStyle/>
+                        <a:p>
+                          <a:pPr algn="ctr"/>
+                          <a:r>
+                            <a:rPr lang="en-US" altLang="zh-CN" b="1" dirty="0" smtClean="0"/>
+                            <a:t>Output size</a:t>
+                          </a:r>
+                          <a:endParaRPr lang="zh-CN" altLang="en-US" b="1" dirty="0"/>
+                        </a:p>
+                      </a:txBody>
+                      <a:tcPr/>
+                    </a:tc>
+                  </a:tr>
+                  <a:tr h="370840">
+                    <a:tc>
+                      <a:txBody>
+                        <a:bodyPr/>
+                        <a:lstStyle/>
+                        <a:p>
+                          <a:pPr algn="ctr"/>
+                          <a:r>
+                            <a:rPr lang="en-US" altLang="zh-CN" b="0" dirty="0" smtClean="0"/>
+                            <a:t>Conv1</a:t>
+                          </a:r>
+                          <a:endParaRPr lang="zh-CN" altLang="en-US" b="0" dirty="0"/>
+                        </a:p>
+                      </a:txBody>
+                      <a:tcPr/>
+                    </a:tc>
+                    <a:tc>
+                      <a:txBody>
+                        <a:bodyPr/>
+                        <a:lstStyle/>
+                        <a:p>
+                          <a:endParaRPr lang="zh-CN"/>
+                        </a:p>
+                      </a:txBody>
+                      <a:tcPr>
+                        <a:blipFill rotWithShape="0">
+                          <a:blip r:embed="rId2"/>
+                          <a:stretch>
+                            <a:fillRect l="-100225" t="-108197" r="-100449" b="-1116393"/>
+                          </a:stretch>
+                        </a:blipFill>
+                      </a:tcPr>
+                    </a:tc>
+                    <a:tc>
+                      <a:txBody>
+                        <a:bodyPr/>
+                        <a:lstStyle/>
+                        <a:p>
+                          <a:endParaRPr lang="zh-CN"/>
+                        </a:p>
+                      </a:txBody>
+                      <a:tcPr>
+                        <a:blipFill rotWithShape="0">
+                          <a:blip r:embed="rId2"/>
+                          <a:stretch>
+                            <a:fillRect l="-200225" t="-108197" r="-449" b="-1116393"/>
+                          </a:stretch>
+                        </a:blipFill>
+                      </a:tcPr>
+                    </a:tc>
+                  </a:tr>
+                  <a:tr h="370840">
+                    <a:tc>
+                      <a:txBody>
+                        <a:bodyPr/>
+                        <a:lstStyle/>
+                        <a:p>
+                          <a:pPr algn="ctr"/>
+                          <a:r>
+                            <a:rPr lang="en-US" altLang="zh-CN" b="0" dirty="0" smtClean="0"/>
+                            <a:t>Conv2</a:t>
+                          </a:r>
+                          <a:endParaRPr lang="zh-CN" altLang="en-US" b="0" dirty="0"/>
+                        </a:p>
+                      </a:txBody>
+                      <a:tcPr/>
+                    </a:tc>
+                    <a:tc>
+                      <a:txBody>
+                        <a:bodyPr/>
+                        <a:lstStyle/>
+                        <a:p>
+                          <a:endParaRPr lang="zh-CN"/>
+                        </a:p>
+                      </a:txBody>
+                      <a:tcPr>
+                        <a:blipFill rotWithShape="0">
+                          <a:blip r:embed="rId2"/>
+                          <a:stretch>
+                            <a:fillRect l="-100225" t="-208197" r="-100449" b="-1016393"/>
+                          </a:stretch>
+                        </a:blipFill>
+                      </a:tcPr>
+                    </a:tc>
+                    <a:tc>
+                      <a:txBody>
+                        <a:bodyPr/>
+                        <a:lstStyle/>
+                        <a:p>
+                          <a:endParaRPr lang="zh-CN"/>
+                        </a:p>
+                      </a:txBody>
+                      <a:tcPr>
+                        <a:blipFill rotWithShape="0">
+                          <a:blip r:embed="rId2"/>
+                          <a:stretch>
+                            <a:fillRect l="-200225" t="-208197" r="-449" b="-1016393"/>
+                          </a:stretch>
+                        </a:blipFill>
+                      </a:tcPr>
+                    </a:tc>
+                  </a:tr>
+                  <a:tr h="370840">
+                    <a:tc>
+                      <a:txBody>
+                        <a:bodyPr/>
+                        <a:lstStyle/>
+                        <a:p>
+                          <a:pPr algn="ctr"/>
+                          <a:r>
+                            <a:rPr lang="en-US" altLang="zh-CN" b="0" dirty="0" smtClean="0"/>
+                            <a:t>Conv3</a:t>
+                          </a:r>
+                          <a:endParaRPr lang="zh-CN" altLang="en-US" b="0" dirty="0"/>
+                        </a:p>
+                      </a:txBody>
+                      <a:tcPr/>
+                    </a:tc>
+                    <a:tc>
+                      <a:txBody>
+                        <a:bodyPr/>
+                        <a:lstStyle/>
+                        <a:p>
+                          <a:endParaRPr lang="zh-CN"/>
+                        </a:p>
+                      </a:txBody>
+                      <a:tcPr>
+                        <a:blipFill rotWithShape="0">
+                          <a:blip r:embed="rId2"/>
+                          <a:stretch>
+                            <a:fillRect l="-100225" t="-308197" r="-100449" b="-916393"/>
+                          </a:stretch>
+                        </a:blipFill>
+                      </a:tcPr>
+                    </a:tc>
+                    <a:tc>
+                      <a:txBody>
+                        <a:bodyPr/>
+                        <a:lstStyle/>
+                        <a:p>
+                          <a:endParaRPr lang="zh-CN"/>
+                        </a:p>
+                      </a:txBody>
+                      <a:tcPr>
+                        <a:blipFill rotWithShape="0">
+                          <a:blip r:embed="rId2"/>
+                          <a:stretch>
+                            <a:fillRect l="-200225" t="-308197" r="-449" b="-916393"/>
+                          </a:stretch>
+                        </a:blipFill>
+                      </a:tcPr>
+                    </a:tc>
+                  </a:tr>
+                  <a:tr h="845947">
+                    <a:tc>
+                      <a:txBody>
+                        <a:bodyPr/>
+                        <a:lstStyle/>
+                        <a:p>
+                          <a:pPr algn="ctr"/>
+                          <a:r>
+                            <a:rPr lang="en-US" altLang="zh-CN" b="0" dirty="0" smtClean="0"/>
+                            <a:t>Conv4_x</a:t>
+                          </a:r>
+                          <a:endParaRPr lang="zh-CN" altLang="en-US" b="0" dirty="0"/>
+                        </a:p>
+                      </a:txBody>
+                      <a:tcPr/>
+                    </a:tc>
+                    <a:tc>
+                      <a:txBody>
+                        <a:bodyPr/>
+                        <a:lstStyle/>
+                        <a:p>
+                          <a:endParaRPr lang="zh-CN"/>
+                        </a:p>
+                      </a:txBody>
+                      <a:tcPr>
+                        <a:blipFill rotWithShape="0">
+                          <a:blip r:embed="rId2"/>
+                          <a:stretch>
+                            <a:fillRect l="-100225" t="-180435" r="-100449" b="-305072"/>
+                          </a:stretch>
+                        </a:blipFill>
+                      </a:tcPr>
+                    </a:tc>
+                    <a:tc>
+                      <a:txBody>
+                        <a:bodyPr/>
+                        <a:lstStyle/>
+                        <a:p>
+                          <a:endParaRPr lang="zh-CN"/>
+                        </a:p>
+                      </a:txBody>
+                      <a:tcPr>
+                        <a:blipFill rotWithShape="0">
+                          <a:blip r:embed="rId2"/>
+                          <a:stretch>
+                            <a:fillRect l="-200225" t="-180435" r="-449" b="-305072"/>
+                          </a:stretch>
+                        </a:blipFill>
+                      </a:tcPr>
+                    </a:tc>
+                  </a:tr>
+                  <a:tr h="845947">
+                    <a:tc>
+                      <a:txBody>
+                        <a:bodyPr/>
+                        <a:lstStyle/>
+                        <a:p>
+                          <a:pPr algn="ctr"/>
+                          <a:r>
+                            <a:rPr lang="en-US" altLang="zh-CN" b="0" dirty="0" smtClean="0"/>
+                            <a:t>Conv5_x</a:t>
+                          </a:r>
+                          <a:endParaRPr lang="zh-CN" altLang="en-US" b="0" dirty="0"/>
+                        </a:p>
+                      </a:txBody>
+                      <a:tcPr/>
+                    </a:tc>
+                    <a:tc>
+                      <a:txBody>
+                        <a:bodyPr/>
+                        <a:lstStyle/>
+                        <a:p>
+                          <a:endParaRPr lang="zh-CN"/>
+                        </a:p>
+                      </a:txBody>
+                      <a:tcPr>
+                        <a:blipFill rotWithShape="0">
+                          <a:blip r:embed="rId2"/>
+                          <a:stretch>
+                            <a:fillRect l="-100225" t="-278417" r="-100449" b="-202878"/>
+                          </a:stretch>
+                        </a:blipFill>
+                      </a:tcPr>
+                    </a:tc>
+                    <a:tc>
+                      <a:txBody>
+                        <a:bodyPr/>
+                        <a:lstStyle/>
+                        <a:p>
+                          <a:endParaRPr lang="zh-CN"/>
+                        </a:p>
+                      </a:txBody>
+                      <a:tcPr>
+                        <a:blipFill rotWithShape="0">
+                          <a:blip r:embed="rId2"/>
+                          <a:stretch>
+                            <a:fillRect l="-200225" t="-278417" r="-449" b="-202878"/>
+                          </a:stretch>
+                        </a:blipFill>
+                      </a:tcPr>
+                    </a:tc>
+                  </a:tr>
+                  <a:tr h="851472">
+                    <a:tc>
+                      <a:txBody>
+                        <a:bodyPr/>
+                        <a:lstStyle/>
+                        <a:p>
+                          <a:pPr algn="ctr"/>
+                          <a:r>
+                            <a:rPr lang="en-US" altLang="zh-CN" b="0" dirty="0" smtClean="0"/>
+                            <a:t>Conv6_x</a:t>
+                          </a:r>
+                          <a:endParaRPr lang="zh-CN" altLang="en-US" b="0" dirty="0"/>
+                        </a:p>
+                      </a:txBody>
+                      <a:tcPr/>
+                    </a:tc>
+                    <a:tc>
+                      <a:txBody>
+                        <a:bodyPr/>
+                        <a:lstStyle/>
+                        <a:p>
+                          <a:endParaRPr lang="zh-CN"/>
+                        </a:p>
+                      </a:txBody>
+                      <a:tcPr>
+                        <a:blipFill rotWithShape="0">
+                          <a:blip r:embed="rId2"/>
+                          <a:stretch>
+                            <a:fillRect l="-100225" t="-375714" r="-100449" b="-101429"/>
+                          </a:stretch>
+                        </a:blipFill>
+                      </a:tcPr>
+                    </a:tc>
+                    <a:tc>
+                      <a:txBody>
+                        <a:bodyPr/>
+                        <a:lstStyle/>
+                        <a:p>
+                          <a:endParaRPr lang="zh-CN"/>
+                        </a:p>
+                      </a:txBody>
+                      <a:tcPr>
+                        <a:blipFill rotWithShape="0">
+                          <a:blip r:embed="rId2"/>
+                          <a:stretch>
+                            <a:fillRect l="-200225" t="-375714" r="-449" b="-101429"/>
+                          </a:stretch>
+                        </a:blipFill>
+                      </a:tcPr>
+                    </a:tc>
+                  </a:tr>
+                  <a:tr h="851472">
+                    <a:tc>
+                      <a:txBody>
+                        <a:bodyPr/>
+                        <a:lstStyle/>
+                        <a:p>
+                          <a:pPr marL="0" marR="0" indent="0" algn="ctr" defTabSz="914400" rtl="0" eaLnBrk="1" fontAlgn="auto" latinLnBrk="0" hangingPunct="1">
+                            <a:lnSpc>
+                              <a:spcPct val="100000"/>
+                            </a:lnSpc>
+                            <a:spcBef>
+                              <a:spcPts val="0"/>
+                            </a:spcBef>
+                            <a:spcAft>
+                              <a:spcPts val="0"/>
+                            </a:spcAft>
+                            <a:buClrTx/>
+                            <a:buSzTx/>
+                            <a:buFontTx/>
+                            <a:buNone/>
+                            <a:tabLst/>
+                            <a:defRPr/>
+                          </a:pPr>
+                          <a:r>
+                            <a:rPr lang="en-US" altLang="zh-CN" b="0" dirty="0" smtClean="0"/>
+                            <a:t>Conv7_x</a:t>
+                          </a:r>
+                          <a:endParaRPr lang="zh-CN" altLang="en-US" b="0" dirty="0" smtClean="0"/>
+                        </a:p>
+                      </a:txBody>
+                      <a:tcPr/>
+                    </a:tc>
+                    <a:tc>
+                      <a:txBody>
+                        <a:bodyPr/>
+                        <a:lstStyle/>
+                        <a:p>
+                          <a:endParaRPr lang="zh-CN"/>
+                        </a:p>
+                      </a:txBody>
+                      <a:tcPr>
+                        <a:blipFill rotWithShape="0">
+                          <a:blip r:embed="rId2"/>
+                          <a:stretch>
+                            <a:fillRect l="-100225" t="-475714" r="-100449" b="-1429"/>
+                          </a:stretch>
+                        </a:blipFill>
+                      </a:tcPr>
+                    </a:tc>
+                    <a:tc>
+                      <a:txBody>
+                        <a:bodyPr/>
+                        <a:lstStyle/>
+                        <a:p>
+                          <a:endParaRPr lang="zh-CN"/>
+                        </a:p>
+                      </a:txBody>
+                      <a:tcPr>
+                        <a:blipFill rotWithShape="0">
+                          <a:blip r:embed="rId2"/>
+                          <a:stretch>
+                            <a:fillRect l="-200225" t="-475714" r="-449" b="-1429"/>
+                          </a:stretch>
+                        </a:blipFill>
+                      </a:tcPr>
+                    </a:tc>
+                  </a:tr>
+                </a:tbl>
+              </a:graphicData>
+            </a:graphic>
+          </p:graphicFrame>
+        </mc:Fallback>
+      </mc:AlternateContent>
+    </p:spTree>
+    <p:extLst>
+      <p:ext uri="{BB962C8B-B14F-4D97-AF65-F5344CB8AC3E}">
+        <p14:creationId xmlns:p14="http://schemas.microsoft.com/office/powerpoint/2010/main" val="3661423052"/>
+      </p:ext>
+    </p:extLst>
+  </p:cSld>
+  <p:clrMapOvr>
+    <a:masterClrMapping/>
+  </p:clrMapOvr>
+</p:sld>
+</file>
+
+<file path=ppt/slides/slide3.xml><?xml version="1.0" encoding="utf-8"?>
+<p:sld xmlns:a="http://schemas.openxmlformats.org/drawingml/2006/main" xmlns:r="http://schemas.openxmlformats.org/officeDocument/2006/relationships" xmlns:p="http://schemas.openxmlformats.org/presentationml/2006/main">
+  <p:cSld>
+    <p:spTree>
+      <p:nvGrpSpPr>
+        <p:cNvPr id="1" name=""/>
+        <p:cNvGrpSpPr/>
+        <p:nvPr/>
+      </p:nvGrpSpPr>
+      <p:grpSpPr>
+        <a:xfrm>
+          <a:off x="0" y="0"/>
+          <a:ext cx="0" cy="0"/>
+          <a:chOff x="0" y="0"/>
+          <a:chExt cx="0" cy="0"/>
+        </a:xfrm>
+      </p:grpSpPr>
       <p:pic>
         <p:nvPicPr>
           <p:cNvPr id="39" name="图片 38"/>
@@ -8363,7 +10096,7 @@
 </p:sld>
 </file>
 
-<file path=ppt/slides/slide3.xml><?xml version="1.0" encoding="utf-8"?>
+<file path=ppt/slides/slide4.xml><?xml version="1.0" encoding="utf-8"?>
 <p:sld xmlns:a="http://schemas.openxmlformats.org/drawingml/2006/main" xmlns:r="http://schemas.openxmlformats.org/officeDocument/2006/relationships" xmlns:p="http://schemas.openxmlformats.org/presentationml/2006/main">
   <p:cSld>
     <p:spTree>
@@ -8520,11 +10253,7 @@
             <a:pPr algn="ctr"/>
             <a:r>
               <a:rPr lang="en-US" altLang="zh-CN" dirty="0" smtClean="0"/>
-              <a:t>Data </a:t>
-            </a:r>
-            <a:r>
-              <a:rPr lang="en-US" altLang="zh-CN" dirty="0" smtClean="0"/>
-              <a:t>Augmentation</a:t>
+              <a:t>Data Augmentation</a:t>
             </a:r>
             <a:endParaRPr lang="zh-CN" altLang="en-US" dirty="0"/>
           </a:p>
@@ -8992,11 +10721,6 @@
               </a:rPr>
               <a:t>Testing</a:t>
             </a:r>
-            <a:endParaRPr lang="en-US" altLang="zh-CN" dirty="0" smtClean="0">
-              <a:solidFill>
-                <a:schemeClr val="tx1"/>
-              </a:solidFill>
-            </a:endParaRPr>
           </a:p>
           <a:p>
             <a:pPr algn="ctr"/>

--- a/proposal/fig/pptx/fig.pptx
+++ b/proposal/fig/pptx/fig.pptx
@@ -6933,14 +6933,14 @@
               <p:nvPr>
                 <p:extLst>
                   <p:ext uri="{D42A27DB-BD31-4B8C-83A1-F6EECF244321}">
-                    <p14:modId xmlns:p14="http://schemas.microsoft.com/office/powerpoint/2010/main" val="4181426316"/>
+                    <p14:modId xmlns:p14="http://schemas.microsoft.com/office/powerpoint/2010/main" val="1778915463"/>
                   </p:ext>
                 </p:extLst>
               </p:nvPr>
             </p:nvGraphicFramePr>
             <p:xfrm>
-              <a:off x="2223068" y="897086"/>
-              <a:ext cx="8127999" cy="4878198"/>
+              <a:off x="2961564" y="1170041"/>
+              <a:ext cx="5970135" cy="4878198"/>
             </p:xfrm>
             <a:graphic>
               <a:graphicData uri="http://schemas.openxmlformats.org/drawingml/2006/table">
@@ -6949,9 +6949,9 @@
                     <a:tableStyleId>{5940675A-B579-460E-94D1-54222C63F5DA}</a:tableStyleId>
                   </a:tblPr>
                   <a:tblGrid>
-                    <a:gridCol w="2709333"/>
-                    <a:gridCol w="2709333"/>
-                    <a:gridCol w="2709333"/>
+                    <a:gridCol w="1990045"/>
+                    <a:gridCol w="1990045"/>
+                    <a:gridCol w="1990045"/>
                   </a:tblGrid>
                   <a:tr h="370840">
                     <a:tc>
@@ -8178,14 +8178,14 @@
               <p:nvPr>
                 <p:extLst>
                   <p:ext uri="{D42A27DB-BD31-4B8C-83A1-F6EECF244321}">
-                    <p14:modId xmlns:p14="http://schemas.microsoft.com/office/powerpoint/2010/main" val="4181426316"/>
+                    <p14:modId xmlns:p14="http://schemas.microsoft.com/office/powerpoint/2010/main" val="1778915463"/>
                   </p:ext>
                 </p:extLst>
               </p:nvPr>
             </p:nvGraphicFramePr>
             <p:xfrm>
-              <a:off x="2223068" y="897086"/>
-              <a:ext cx="8127999" cy="4878198"/>
+              <a:off x="2961564" y="1170041"/>
+              <a:ext cx="5970135" cy="4878198"/>
             </p:xfrm>
             <a:graphic>
               <a:graphicData uri="http://schemas.openxmlformats.org/drawingml/2006/table">
@@ -8194,9 +8194,9 @@
                     <a:tableStyleId>{5940675A-B579-460E-94D1-54222C63F5DA}</a:tableStyleId>
                   </a:tblPr>
                   <a:tblGrid>
-                    <a:gridCol w="2709333"/>
-                    <a:gridCol w="2709333"/>
-                    <a:gridCol w="2709333"/>
+                    <a:gridCol w="1990045"/>
+                    <a:gridCol w="1990045"/>
+                    <a:gridCol w="1990045"/>
                   </a:tblGrid>
                   <a:tr h="370840">
                     <a:tc>
@@ -8273,7 +8273,7 @@
                         <a:blipFill rotWithShape="0">
                           <a:blip r:embed="rId2"/>
                           <a:stretch>
-                            <a:fillRect l="-100225" t="-108197" r="-100449" b="-1116393"/>
+                            <a:fillRect l="-100306" t="-108197" r="-100612" b="-1118033"/>
                           </a:stretch>
                         </a:blipFill>
                       </a:tcPr>
@@ -8290,7 +8290,7 @@
                         <a:blipFill rotWithShape="0">
                           <a:blip r:embed="rId2"/>
                           <a:stretch>
-                            <a:fillRect l="-200225" t="-108197" r="-449" b="-1116393"/>
+                            <a:fillRect l="-200306" t="-108197" r="-612" b="-1118033"/>
                           </a:stretch>
                         </a:blipFill>
                       </a:tcPr>
@@ -8324,7 +8324,7 @@
                         <a:blipFill rotWithShape="0">
                           <a:blip r:embed="rId2"/>
                           <a:stretch>
-                            <a:fillRect l="-100225" t="-208197" r="-100449" b="-1016393"/>
+                            <a:fillRect l="-100306" t="-208197" r="-100612" b="-1018033"/>
                           </a:stretch>
                         </a:blipFill>
                       </a:tcPr>
@@ -8341,7 +8341,7 @@
                         <a:blipFill rotWithShape="0">
                           <a:blip r:embed="rId2"/>
                           <a:stretch>
-                            <a:fillRect l="-200225" t="-208197" r="-449" b="-1016393"/>
+                            <a:fillRect l="-200306" t="-208197" r="-612" b="-1018033"/>
                           </a:stretch>
                         </a:blipFill>
                       </a:tcPr>
@@ -8375,7 +8375,7 @@
                         <a:blipFill rotWithShape="0">
                           <a:blip r:embed="rId2"/>
                           <a:stretch>
-                            <a:fillRect l="-100225" t="-308197" r="-100449" b="-916393"/>
+                            <a:fillRect l="-100306" t="-308197" r="-100612" b="-918033"/>
                           </a:stretch>
                         </a:blipFill>
                       </a:tcPr>
@@ -8392,7 +8392,7 @@
                         <a:blipFill rotWithShape="0">
                           <a:blip r:embed="rId2"/>
                           <a:stretch>
-                            <a:fillRect l="-200225" t="-308197" r="-449" b="-916393"/>
+                            <a:fillRect l="-200306" t="-308197" r="-612" b="-918033"/>
                           </a:stretch>
                         </a:blipFill>
                       </a:tcPr>
@@ -8426,7 +8426,7 @@
                         <a:blipFill rotWithShape="0">
                           <a:blip r:embed="rId2"/>
                           <a:stretch>
-                            <a:fillRect l="-100225" t="-180435" r="-100449" b="-305072"/>
+                            <a:fillRect l="-100306" t="-179137" r="-100612" b="-302878"/>
                           </a:stretch>
                         </a:blipFill>
                       </a:tcPr>
@@ -8443,7 +8443,7 @@
                         <a:blipFill rotWithShape="0">
                           <a:blip r:embed="rId2"/>
                           <a:stretch>
-                            <a:fillRect l="-200225" t="-180435" r="-449" b="-305072"/>
+                            <a:fillRect l="-200306" t="-179137" r="-612" b="-302878"/>
                           </a:stretch>
                         </a:blipFill>
                       </a:tcPr>
@@ -8477,7 +8477,7 @@
                         <a:blipFill rotWithShape="0">
                           <a:blip r:embed="rId2"/>
                           <a:stretch>
-                            <a:fillRect l="-100225" t="-278417" r="-100449" b="-202878"/>
+                            <a:fillRect l="-100306" t="-279137" r="-100612" b="-202878"/>
                           </a:stretch>
                         </a:blipFill>
                       </a:tcPr>
@@ -8494,7 +8494,7 @@
                         <a:blipFill rotWithShape="0">
                           <a:blip r:embed="rId2"/>
                           <a:stretch>
-                            <a:fillRect l="-200225" t="-278417" r="-449" b="-202878"/>
+                            <a:fillRect l="-200306" t="-279137" r="-612" b="-202878"/>
                           </a:stretch>
                         </a:blipFill>
                       </a:tcPr>
@@ -8528,7 +8528,7 @@
                         <a:blipFill rotWithShape="0">
                           <a:blip r:embed="rId2"/>
                           <a:stretch>
-                            <a:fillRect l="-100225" t="-375714" r="-100449" b="-101429"/>
+                            <a:fillRect l="-100306" t="-376429" r="-100612" b="-101429"/>
                           </a:stretch>
                         </a:blipFill>
                       </a:tcPr>
@@ -8545,7 +8545,7 @@
                         <a:blipFill rotWithShape="0">
                           <a:blip r:embed="rId2"/>
                           <a:stretch>
-                            <a:fillRect l="-200225" t="-375714" r="-449" b="-101429"/>
+                            <a:fillRect l="-200306" t="-376429" r="-612" b="-101429"/>
                           </a:stretch>
                         </a:blipFill>
                       </a:tcPr>
@@ -8595,7 +8595,7 @@
                         <a:blipFill rotWithShape="0">
                           <a:blip r:embed="rId2"/>
                           <a:stretch>
-                            <a:fillRect l="-100225" t="-475714" r="-100449" b="-1429"/>
+                            <a:fillRect l="-100306" t="-476429" r="-100612" b="-1429"/>
                           </a:stretch>
                         </a:blipFill>
                       </a:tcPr>
@@ -8612,7 +8612,7 @@
                         <a:blipFill rotWithShape="0">
                           <a:blip r:embed="rId2"/>
                           <a:stretch>
-                            <a:fillRect l="-200225" t="-475714" r="-449" b="-1429"/>
+                            <a:fillRect l="-200306" t="-476429" r="-612" b="-1429"/>
                           </a:stretch>
                         </a:blipFill>
                       </a:tcPr>

--- a/proposal/fig/pptx/fig.pptx
+++ b/proposal/fig/pptx/fig.pptx
@@ -6933,14 +6933,14 @@
               <p:nvPr>
                 <p:extLst>
                   <p:ext uri="{D42A27DB-BD31-4B8C-83A1-F6EECF244321}">
-                    <p14:modId xmlns:p14="http://schemas.microsoft.com/office/powerpoint/2010/main" val="1778915463"/>
+                    <p14:modId xmlns:p14="http://schemas.microsoft.com/office/powerpoint/2010/main" val="1685734010"/>
                   </p:ext>
                 </p:extLst>
               </p:nvPr>
             </p:nvGraphicFramePr>
             <p:xfrm>
               <a:off x="2961564" y="1170041"/>
-              <a:ext cx="5970135" cy="4878198"/>
+              <a:ext cx="5970135" cy="5249038"/>
             </p:xfrm>
             <a:graphic>
               <a:graphicData uri="http://schemas.openxmlformats.org/drawingml/2006/table">
@@ -7009,7 +7009,11 @@
                           <a:pPr algn="ctr"/>
                           <a:r>
                             <a:rPr lang="en-US" altLang="zh-CN" b="0" dirty="0" smtClean="0"/>
-                            <a:t>Conv1</a:t>
+                            <a:t>c</a:t>
+                          </a:r>
+                          <a:r>
+                            <a:rPr lang="en-US" altLang="zh-CN" b="0" smtClean="0"/>
+                            <a:t>onv1</a:t>
                           </a:r>
                           <a:endParaRPr lang="zh-CN" altLang="en-US" b="0" dirty="0"/>
                         </a:p>
@@ -7140,7 +7144,7 @@
                           <a:pPr algn="ctr"/>
                           <a:r>
                             <a:rPr lang="en-US" altLang="zh-CN" b="0" dirty="0" smtClean="0"/>
-                            <a:t>Conv2</a:t>
+                            <a:t>conv2</a:t>
                           </a:r>
                           <a:endParaRPr lang="zh-CN" altLang="en-US" b="0" dirty="0"/>
                         </a:p>
@@ -7278,7 +7282,7 @@
                           <a:pPr algn="ctr"/>
                           <a:r>
                             <a:rPr lang="en-US" altLang="zh-CN" b="0" dirty="0" smtClean="0"/>
-                            <a:t>Conv3</a:t>
+                            <a:t>conv3</a:t>
                           </a:r>
                           <a:endParaRPr lang="zh-CN" altLang="en-US" b="0" dirty="0"/>
                         </a:p>
@@ -7386,7 +7390,7 @@
                           <a:pPr algn="ctr"/>
                           <a:r>
                             <a:rPr lang="en-US" altLang="zh-CN" b="0" dirty="0" smtClean="0"/>
-                            <a:t>Conv4_x</a:t>
+                            <a:t>conv4_x</a:t>
                           </a:r>
                           <a:endParaRPr lang="zh-CN" altLang="en-US" b="0" dirty="0"/>
                         </a:p>
@@ -7563,7 +7567,7 @@
                           <a:pPr algn="ctr"/>
                           <a:r>
                             <a:rPr lang="en-US" altLang="zh-CN" b="0" dirty="0" smtClean="0"/>
-                            <a:t>Conv5_x</a:t>
+                            <a:t>conv5_x</a:t>
                           </a:r>
                           <a:endParaRPr lang="zh-CN" altLang="en-US" b="0" dirty="0"/>
                         </a:p>
@@ -7756,7 +7760,7 @@
                           <a:pPr algn="ctr"/>
                           <a:r>
                             <a:rPr lang="en-US" altLang="zh-CN" b="0" dirty="0" smtClean="0"/>
-                            <a:t>Conv6_x</a:t>
+                            <a:t>conv6_x</a:t>
                           </a:r>
                           <a:endParaRPr lang="zh-CN" altLang="en-US" b="0" dirty="0"/>
                         </a:p>
@@ -7965,7 +7969,7 @@
                           </a:pPr>
                           <a:r>
                             <a:rPr lang="en-US" altLang="zh-CN" b="0" dirty="0" smtClean="0"/>
-                            <a:t>Conv7_x</a:t>
+                            <a:t>conv7_x</a:t>
                           </a:r>
                           <a:endParaRPr lang="zh-CN" altLang="en-US" b="0" dirty="0" smtClean="0"/>
                         </a:p>
@@ -8163,6 +8167,141 @@
                       <a:tcPr/>
                     </a:tc>
                   </a:tr>
+                  <a:tr h="370840">
+                    <a:tc>
+                      <a:txBody>
+                        <a:bodyPr/>
+                        <a:lstStyle/>
+                        <a:p>
+                          <a:pPr marL="0" marR="0" indent="0" algn="ctr" defTabSz="914400" rtl="0" eaLnBrk="1" fontAlgn="auto" latinLnBrk="0" hangingPunct="1">
+                            <a:lnSpc>
+                              <a:spcPct val="100000"/>
+                            </a:lnSpc>
+                            <a:spcBef>
+                              <a:spcPts val="0"/>
+                            </a:spcBef>
+                            <a:spcAft>
+                              <a:spcPts val="0"/>
+                            </a:spcAft>
+                            <a:buClrTx/>
+                            <a:buSzTx/>
+                            <a:buFontTx/>
+                            <a:buNone/>
+                            <a:tabLst/>
+                            <a:defRPr/>
+                          </a:pPr>
+                          <a:r>
+                            <a:rPr lang="en-US" altLang="zh-CN" b="0" dirty="0" smtClean="0"/>
+                            <a:t>global</a:t>
+                          </a:r>
+                          <a:r>
+                            <a:rPr lang="en-US" altLang="zh-CN" b="0" baseline="0" dirty="0" smtClean="0"/>
+                            <a:t> pooling</a:t>
+                          </a:r>
+                          <a:endParaRPr lang="zh-CN" altLang="en-US" b="0" dirty="0" smtClean="0"/>
+                        </a:p>
+                      </a:txBody>
+                      <a:tcPr/>
+                    </a:tc>
+                    <a:tc>
+                      <a:txBody>
+                        <a:bodyPr/>
+                        <a:lstStyle/>
+                        <a:p>
+                          <a:pPr marL="0" marR="0" indent="0" algn="ctr" defTabSz="914400" rtl="0" eaLnBrk="1" fontAlgn="auto" latinLnBrk="0" hangingPunct="1">
+                            <a:lnSpc>
+                              <a:spcPct val="100000"/>
+                            </a:lnSpc>
+                            <a:spcBef>
+                              <a:spcPts val="0"/>
+                            </a:spcBef>
+                            <a:spcAft>
+                              <a:spcPts val="0"/>
+                            </a:spcAft>
+                            <a:buClrTx/>
+                            <a:buSzTx/>
+                            <a:buFontTx/>
+                            <a:buNone/>
+                            <a:tabLst/>
+                            <a:defRPr/>
+                          </a:pPr>
+                          <a:endParaRPr lang="zh-CN" altLang="en-US" dirty="0"/>
+                        </a:p>
+                      </a:txBody>
+                      <a:tcPr/>
+                    </a:tc>
+                    <a:tc>
+                      <a:txBody>
+                        <a:bodyPr/>
+                        <a:lstStyle/>
+                        <a:p>
+                          <a:pPr marL="0" marR="0" indent="0" algn="ctr" defTabSz="914400" rtl="0" eaLnBrk="1" fontAlgn="auto" latinLnBrk="0" hangingPunct="1">
+                            <a:lnSpc>
+                              <a:spcPct val="100000"/>
+                            </a:lnSpc>
+                            <a:spcBef>
+                              <a:spcPts val="0"/>
+                            </a:spcBef>
+                            <a:spcAft>
+                              <a:spcPts val="0"/>
+                            </a:spcAft>
+                            <a:buClrTx/>
+                            <a:buSzTx/>
+                            <a:buFontTx/>
+                            <a:buNone/>
+                            <a:tabLst/>
+                            <a:defRPr/>
+                          </a:pPr>
+                          <a14:m>
+                            <m:oMathPara xmlns:m="http://schemas.openxmlformats.org/officeDocument/2006/math">
+                              <m:oMathParaPr>
+                                <m:jc m:val="centerGroup"/>
+                              </m:oMathParaPr>
+                              <m:oMath xmlns:m="http://schemas.openxmlformats.org/officeDocument/2006/math">
+                                <m:r>
+                                  <a:rPr lang="en-US" altLang="zh-CN" b="0" i="1" smtClean="0">
+                                    <a:latin typeface="Cambria Math" panose="02040503050406030204" pitchFamily="18" charset="0"/>
+                                    <a:ea typeface="+mn-ea"/>
+                                  </a:rPr>
+                                  <m:t>1</m:t>
+                                </m:r>
+                                <m:r>
+                                  <a:rPr lang="en-US" altLang="zh-CN" b="0" i="1" smtClean="0">
+                                    <a:latin typeface="Cambria Math" panose="02040503050406030204" pitchFamily="18" charset="0"/>
+                                    <a:ea typeface="Cambria Math" panose="02040503050406030204" pitchFamily="18" charset="0"/>
+                                  </a:rPr>
+                                  <m:t>×</m:t>
+                                </m:r>
+                                <m:r>
+                                  <a:rPr lang="en-US" altLang="zh-CN" b="0" i="1" smtClean="0">
+                                    <a:latin typeface="Cambria Math" panose="02040503050406030204" pitchFamily="18" charset="0"/>
+                                    <a:ea typeface="Cambria Math" panose="02040503050406030204" pitchFamily="18" charset="0"/>
+                                  </a:rPr>
+                                  <m:t>1,</m:t>
+                                </m:r>
+                                <m:r>
+                                  <a:rPr lang="en-US" altLang="zh-CN" b="0" i="1" smtClean="0">
+                                    <a:latin typeface="Cambria Math" panose="02040503050406030204" pitchFamily="18" charset="0"/>
+                                    <a:ea typeface="Cambria Math" panose="02040503050406030204" pitchFamily="18" charset="0"/>
+                                  </a:rPr>
+                                  <m:t> </m:t>
+                                </m:r>
+                                <m:r>
+                                  <a:rPr lang="en-US" altLang="zh-CN" b="0" i="1" smtClean="0">
+                                    <a:latin typeface="Cambria Math" panose="02040503050406030204" pitchFamily="18" charset="0"/>
+                                    <a:ea typeface="Cambria Math" panose="02040503050406030204" pitchFamily="18" charset="0"/>
+                                  </a:rPr>
+                                  <m:t>5</m:t>
+                                </m:r>
+                              </m:oMath>
+                            </m:oMathPara>
+                          </a14:m>
+                          <a:endParaRPr lang="zh-CN" altLang="en-US" dirty="0"/>
+                        </a:p>
+                      </a:txBody>
+                      <a:tcPr/>
+                    </a:tc>
+                  </a:tr>
                 </a:tbl>
               </a:graphicData>
             </a:graphic>
@@ -8178,14 +8317,14 @@
               <p:nvPr>
                 <p:extLst>
                   <p:ext uri="{D42A27DB-BD31-4B8C-83A1-F6EECF244321}">
-                    <p14:modId xmlns:p14="http://schemas.microsoft.com/office/powerpoint/2010/main" val="1778915463"/>
+                    <p14:modId xmlns:p14="http://schemas.microsoft.com/office/powerpoint/2010/main" val="1685734010"/>
                   </p:ext>
                 </p:extLst>
               </p:nvPr>
             </p:nvGraphicFramePr>
             <p:xfrm>
               <a:off x="2961564" y="1170041"/>
-              <a:ext cx="5970135" cy="4878198"/>
+              <a:ext cx="5970135" cy="5249038"/>
             </p:xfrm>
             <a:graphic>
               <a:graphicData uri="http://schemas.openxmlformats.org/drawingml/2006/table">
@@ -8254,7 +8393,11 @@
                           <a:pPr algn="ctr"/>
                           <a:r>
                             <a:rPr lang="en-US" altLang="zh-CN" b="0" dirty="0" smtClean="0"/>
-                            <a:t>Conv1</a:t>
+                            <a:t>c</a:t>
+                          </a:r>
+                          <a:r>
+                            <a:rPr lang="en-US" altLang="zh-CN" b="0" smtClean="0"/>
+                            <a:t>onv1</a:t>
                           </a:r>
                           <a:endParaRPr lang="zh-CN" altLang="en-US" b="0" dirty="0"/>
                         </a:p>
@@ -8273,7 +8416,7 @@
                         <a:blipFill rotWithShape="0">
                           <a:blip r:embed="rId2"/>
                           <a:stretch>
-                            <a:fillRect l="-100306" t="-108197" r="-100612" b="-1118033"/>
+                            <a:fillRect l="-100306" t="-108197" r="-100612" b="-1237705"/>
                           </a:stretch>
                         </a:blipFill>
                       </a:tcPr>
@@ -8290,7 +8433,7 @@
                         <a:blipFill rotWithShape="0">
                           <a:blip r:embed="rId2"/>
                           <a:stretch>
-                            <a:fillRect l="-200306" t="-108197" r="-612" b="-1118033"/>
+                            <a:fillRect l="-200306" t="-108197" r="-612" b="-1237705"/>
                           </a:stretch>
                         </a:blipFill>
                       </a:tcPr>
@@ -8305,7 +8448,7 @@
                           <a:pPr algn="ctr"/>
                           <a:r>
                             <a:rPr lang="en-US" altLang="zh-CN" b="0" dirty="0" smtClean="0"/>
-                            <a:t>Conv2</a:t>
+                            <a:t>conv2</a:t>
                           </a:r>
                           <a:endParaRPr lang="zh-CN" altLang="en-US" b="0" dirty="0"/>
                         </a:p>
@@ -8324,7 +8467,7 @@
                         <a:blipFill rotWithShape="0">
                           <a:blip r:embed="rId2"/>
                           <a:stretch>
-                            <a:fillRect l="-100306" t="-208197" r="-100612" b="-1018033"/>
+                            <a:fillRect l="-100306" t="-208197" r="-100612" b="-1137705"/>
                           </a:stretch>
                         </a:blipFill>
                       </a:tcPr>
@@ -8341,7 +8484,7 @@
                         <a:blipFill rotWithShape="0">
                           <a:blip r:embed="rId2"/>
                           <a:stretch>
-                            <a:fillRect l="-200306" t="-208197" r="-612" b="-1018033"/>
+                            <a:fillRect l="-200306" t="-208197" r="-612" b="-1137705"/>
                           </a:stretch>
                         </a:blipFill>
                       </a:tcPr>
@@ -8356,7 +8499,7 @@
                           <a:pPr algn="ctr"/>
                           <a:r>
                             <a:rPr lang="en-US" altLang="zh-CN" b="0" dirty="0" smtClean="0"/>
-                            <a:t>Conv3</a:t>
+                            <a:t>conv3</a:t>
                           </a:r>
                           <a:endParaRPr lang="zh-CN" altLang="en-US" b="0" dirty="0"/>
                         </a:p>
@@ -8375,7 +8518,7 @@
                         <a:blipFill rotWithShape="0">
                           <a:blip r:embed="rId2"/>
                           <a:stretch>
-                            <a:fillRect l="-100306" t="-308197" r="-100612" b="-918033"/>
+                            <a:fillRect l="-100306" t="-308197" r="-100612" b="-1037705"/>
                           </a:stretch>
                         </a:blipFill>
                       </a:tcPr>
@@ -8392,7 +8535,7 @@
                         <a:blipFill rotWithShape="0">
                           <a:blip r:embed="rId2"/>
                           <a:stretch>
-                            <a:fillRect l="-200306" t="-308197" r="-612" b="-918033"/>
+                            <a:fillRect l="-200306" t="-308197" r="-612" b="-1037705"/>
                           </a:stretch>
                         </a:blipFill>
                       </a:tcPr>
@@ -8407,7 +8550,7 @@
                           <a:pPr algn="ctr"/>
                           <a:r>
                             <a:rPr lang="en-US" altLang="zh-CN" b="0" dirty="0" smtClean="0"/>
-                            <a:t>Conv4_x</a:t>
+                            <a:t>conv4_x</a:t>
                           </a:r>
                           <a:endParaRPr lang="zh-CN" altLang="en-US" b="0" dirty="0"/>
                         </a:p>
@@ -8426,7 +8569,7 @@
                         <a:blipFill rotWithShape="0">
                           <a:blip r:embed="rId2"/>
                           <a:stretch>
-                            <a:fillRect l="-100306" t="-179137" r="-100612" b="-302878"/>
+                            <a:fillRect l="-100306" t="-179137" r="-100612" b="-355396"/>
                           </a:stretch>
                         </a:blipFill>
                       </a:tcPr>
@@ -8443,7 +8586,7 @@
                         <a:blipFill rotWithShape="0">
                           <a:blip r:embed="rId2"/>
                           <a:stretch>
-                            <a:fillRect l="-200306" t="-179137" r="-612" b="-302878"/>
+                            <a:fillRect l="-200306" t="-179137" r="-612" b="-355396"/>
                           </a:stretch>
                         </a:blipFill>
                       </a:tcPr>
@@ -8458,7 +8601,7 @@
                           <a:pPr algn="ctr"/>
                           <a:r>
                             <a:rPr lang="en-US" altLang="zh-CN" b="0" dirty="0" smtClean="0"/>
-                            <a:t>Conv5_x</a:t>
+                            <a:t>conv5_x</a:t>
                           </a:r>
                           <a:endParaRPr lang="zh-CN" altLang="en-US" b="0" dirty="0"/>
                         </a:p>
@@ -8477,7 +8620,7 @@
                         <a:blipFill rotWithShape="0">
                           <a:blip r:embed="rId2"/>
                           <a:stretch>
-                            <a:fillRect l="-100306" t="-279137" r="-100612" b="-202878"/>
+                            <a:fillRect l="-100306" t="-281159" r="-100612" b="-257971"/>
                           </a:stretch>
                         </a:blipFill>
                       </a:tcPr>
@@ -8494,7 +8637,7 @@
                         <a:blipFill rotWithShape="0">
                           <a:blip r:embed="rId2"/>
                           <a:stretch>
-                            <a:fillRect l="-200306" t="-279137" r="-612" b="-202878"/>
+                            <a:fillRect l="-200306" t="-281159" r="-612" b="-257971"/>
                           </a:stretch>
                         </a:blipFill>
                       </a:tcPr>
@@ -8509,7 +8652,7 @@
                           <a:pPr algn="ctr"/>
                           <a:r>
                             <a:rPr lang="en-US" altLang="zh-CN" b="0" dirty="0" smtClean="0"/>
-                            <a:t>Conv6_x</a:t>
+                            <a:t>conv6_x</a:t>
                           </a:r>
                           <a:endParaRPr lang="zh-CN" altLang="en-US" b="0" dirty="0"/>
                         </a:p>
@@ -8528,7 +8671,7 @@
                         <a:blipFill rotWithShape="0">
                           <a:blip r:embed="rId2"/>
                           <a:stretch>
-                            <a:fillRect l="-100306" t="-376429" r="-100612" b="-101429"/>
+                            <a:fillRect l="-100306" t="-375714" r="-100612" b="-154286"/>
                           </a:stretch>
                         </a:blipFill>
                       </a:tcPr>
@@ -8545,7 +8688,7 @@
                         <a:blipFill rotWithShape="0">
                           <a:blip r:embed="rId2"/>
                           <a:stretch>
-                            <a:fillRect l="-200306" t="-376429" r="-612" b="-101429"/>
+                            <a:fillRect l="-200306" t="-375714" r="-612" b="-154286"/>
                           </a:stretch>
                         </a:blipFill>
                       </a:tcPr>
@@ -8576,7 +8719,7 @@
                           </a:pPr>
                           <a:r>
                             <a:rPr lang="en-US" altLang="zh-CN" b="0" dirty="0" smtClean="0"/>
-                            <a:t>Conv7_x</a:t>
+                            <a:t>conv7_x</a:t>
                           </a:r>
                           <a:endParaRPr lang="zh-CN" altLang="en-US" b="0" dirty="0" smtClean="0"/>
                         </a:p>
@@ -8595,7 +8738,7 @@
                         <a:blipFill rotWithShape="0">
                           <a:blip r:embed="rId2"/>
                           <a:stretch>
-                            <a:fillRect l="-100306" t="-476429" r="-100612" b="-1429"/>
+                            <a:fillRect l="-100306" t="-475714" r="-100612" b="-54286"/>
                           </a:stretch>
                         </a:blipFill>
                       </a:tcPr>
@@ -8612,7 +8755,88 @@
                         <a:blipFill rotWithShape="0">
                           <a:blip r:embed="rId2"/>
                           <a:stretch>
-                            <a:fillRect l="-200306" t="-476429" r="-612" b="-1429"/>
+                            <a:fillRect l="-200306" t="-475714" r="-612" b="-54286"/>
+                          </a:stretch>
+                        </a:blipFill>
+                      </a:tcPr>
+                    </a:tc>
+                  </a:tr>
+                  <a:tr h="370840">
+                    <a:tc>
+                      <a:txBody>
+                        <a:bodyPr/>
+                        <a:lstStyle/>
+                        <a:p>
+                          <a:pPr marL="0" marR="0" indent="0" algn="ctr" defTabSz="914400" rtl="0" eaLnBrk="1" fontAlgn="auto" latinLnBrk="0" hangingPunct="1">
+                            <a:lnSpc>
+                              <a:spcPct val="100000"/>
+                            </a:lnSpc>
+                            <a:spcBef>
+                              <a:spcPts val="0"/>
+                            </a:spcBef>
+                            <a:spcAft>
+                              <a:spcPts val="0"/>
+                            </a:spcAft>
+                            <a:buClrTx/>
+                            <a:buSzTx/>
+                            <a:buFontTx/>
+                            <a:buNone/>
+                            <a:tabLst/>
+                            <a:defRPr/>
+                          </a:pPr>
+                          <a:r>
+                            <a:rPr lang="en-US" altLang="zh-CN" b="0" dirty="0" smtClean="0"/>
+                            <a:t>global</a:t>
+                          </a:r>
+                          <a:r>
+                            <a:rPr lang="en-US" altLang="zh-CN" b="0" baseline="0" dirty="0" smtClean="0"/>
+                            <a:t> pooling</a:t>
+                          </a:r>
+                          <a:endParaRPr lang="zh-CN" altLang="en-US" b="0" dirty="0" smtClean="0"/>
+                        </a:p>
+                      </a:txBody>
+                      <a:tcPr/>
+                    </a:tc>
+                    <a:tc>
+                      <a:txBody>
+                        <a:bodyPr/>
+                        <a:lstStyle/>
+                        <a:p>
+                          <a:pPr marL="0" marR="0" indent="0" algn="ctr" defTabSz="914400" rtl="0" eaLnBrk="1" fontAlgn="auto" latinLnBrk="0" hangingPunct="1">
+                            <a:lnSpc>
+                              <a:spcPct val="100000"/>
+                            </a:lnSpc>
+                            <a:spcBef>
+                              <a:spcPts val="0"/>
+                            </a:spcBef>
+                            <a:spcAft>
+                              <a:spcPts val="0"/>
+                            </a:spcAft>
+                            <a:buClrTx/>
+                            <a:buSzTx/>
+                            <a:buFontTx/>
+                            <a:buNone/>
+                            <a:tabLst/>
+                            <a:defRPr/>
+                          </a:pPr>
+                          <a:endParaRPr lang="zh-CN" altLang="en-US" dirty="0"/>
+                        </a:p>
+                      </a:txBody>
+                      <a:tcPr/>
+                    </a:tc>
+                    <a:tc>
+                      <a:txBody>
+                        <a:bodyPr/>
+                        <a:lstStyle/>
+                        <a:p>
+                          <a:endParaRPr lang="zh-CN"/>
+                        </a:p>
+                      </a:txBody>
+                      <a:tcPr>
+                        <a:blipFill rotWithShape="0">
+                          <a:blip r:embed="rId2"/>
+                          <a:stretch>
+                            <a:fillRect l="-200306" t="-1321311" r="-612" b="-24590"/>
                           </a:stretch>
                         </a:blipFill>
                       </a:tcPr>

--- a/proposal/fig/pptx/fig.pptx
+++ b/proposal/fig/pptx/fig.pptx
@@ -6933,14 +6933,14 @@
               <p:nvPr>
                 <p:extLst>
                   <p:ext uri="{D42A27DB-BD31-4B8C-83A1-F6EECF244321}">
-                    <p14:modId xmlns:p14="http://schemas.microsoft.com/office/powerpoint/2010/main" val="1685734010"/>
+                    <p14:modId xmlns:p14="http://schemas.microsoft.com/office/powerpoint/2010/main" val="3801466445"/>
                   </p:ext>
                 </p:extLst>
               </p:nvPr>
             </p:nvGraphicFramePr>
             <p:xfrm>
-              <a:off x="2961564" y="1170041"/>
-              <a:ext cx="5970135" cy="5249038"/>
+              <a:off x="3002507" y="528596"/>
+              <a:ext cx="5970135" cy="6032692"/>
             </p:xfrm>
             <a:graphic>
               <a:graphicData uri="http://schemas.openxmlformats.org/drawingml/2006/table">
@@ -7009,11 +7009,7 @@
                           <a:pPr algn="ctr"/>
                           <a:r>
                             <a:rPr lang="en-US" altLang="zh-CN" b="0" dirty="0" smtClean="0"/>
-                            <a:t>c</a:t>
-                          </a:r>
-                          <a:r>
-                            <a:rPr lang="en-US" altLang="zh-CN" b="0" smtClean="0"/>
-                            <a:t>onv1</a:t>
+                            <a:t>conv1</a:t>
                           </a:r>
                           <a:endParaRPr lang="zh-CN" altLang="en-US" b="0" dirty="0"/>
                         </a:p>
@@ -7381,8 +7377,8 @@
                       <a:tcPr/>
                     </a:tc>
                   </a:tr>
-                  <a:tr h="370840">
-                    <a:tc>
+                  <a:tr h="422974">
+                    <a:tc rowSpan="2">
                       <a:txBody>
                         <a:bodyPr/>
                         <a:lstStyle/>
@@ -7403,6 +7399,138 @@
                         <a:lstStyle/>
                         <a:p>
                           <a:pPr algn="ctr"/>
+                          <a14:m>
+                            <m:oMath xmlns:m="http://schemas.openxmlformats.org/officeDocument/2006/math">
+                              <m:r>
+                                <a:rPr lang="en-US" altLang="zh-CN" b="0" i="1" smtClean="0">
+                                  <a:latin typeface="Cambria Math" panose="02040503050406030204" pitchFamily="18" charset="0"/>
+                                  <a:ea typeface="+mn-ea"/>
+                                </a:rPr>
+                                <m:t>3</m:t>
+                              </m:r>
+                              <m:r>
+                                <a:rPr lang="en-US" altLang="zh-CN" b="0" i="1" smtClean="0">
+                                  <a:latin typeface="Cambria Math" panose="02040503050406030204" pitchFamily="18" charset="0"/>
+                                  <a:ea typeface="Cambria Math" panose="02040503050406030204" pitchFamily="18" charset="0"/>
+                                </a:rPr>
+                                <m:t>×</m:t>
+                              </m:r>
+                              <m:r>
+                                <a:rPr lang="en-US" altLang="zh-CN" b="0" i="1" smtClean="0">
+                                  <a:latin typeface="Cambria Math" panose="02040503050406030204" pitchFamily="18" charset="0"/>
+                                  <a:ea typeface="Cambria Math" panose="02040503050406030204" pitchFamily="18" charset="0"/>
+                                </a:rPr>
+                                <m:t>3</m:t>
+                              </m:r>
+                            </m:oMath>
+                          </a14:m>
+                          <a:r>
+                            <a:rPr lang="en-US" altLang="zh-CN" baseline="0" dirty="0" smtClean="0"/>
+                            <a:t> m</a:t>
+                          </a:r>
+                          <a:r>
+                            <a:rPr lang="en-US" altLang="zh-CN" dirty="0" smtClean="0"/>
+                            <a:t>ax pooling</a:t>
+                          </a:r>
+                        </a:p>
+                      </a:txBody>
+                      <a:tcPr/>
+                    </a:tc>
+                    <a:tc rowSpan="2">
+                      <a:txBody>
+                        <a:bodyPr/>
+                        <a:lstStyle/>
+                        <a:p>
+                          <a:pPr algn="ctr"/>
+                          <a14:m>
+                            <m:oMathPara xmlns:m="http://schemas.openxmlformats.org/officeDocument/2006/math">
+                              <m:oMathParaPr>
+                                <m:jc m:val="centerGroup"/>
+                              </m:oMathParaPr>
+                              <m:oMath xmlns:m="http://schemas.openxmlformats.org/officeDocument/2006/math">
+                                <m:r>
+                                  <a:rPr lang="en-US" altLang="zh-CN" b="0" i="1" smtClean="0">
+                                    <a:latin typeface="Cambria Math" panose="02040503050406030204" pitchFamily="18" charset="0"/>
+                                  </a:rPr>
+                                  <m:t>16</m:t>
+                                </m:r>
+                                <m:r>
+                                  <a:rPr lang="en-US" altLang="zh-CN" b="0" i="1" smtClean="0">
+                                    <a:latin typeface="Cambria Math" panose="02040503050406030204" pitchFamily="18" charset="0"/>
+                                    <a:ea typeface="Cambria Math" panose="02040503050406030204" pitchFamily="18" charset="0"/>
+                                  </a:rPr>
+                                  <m:t>×1</m:t>
+                                </m:r>
+                                <m:r>
+                                  <a:rPr lang="en-US" altLang="zh-CN" b="0" i="1" smtClean="0">
+                                    <a:latin typeface="Cambria Math" panose="02040503050406030204" pitchFamily="18" charset="0"/>
+                                    <a:ea typeface="Cambria Math" panose="02040503050406030204" pitchFamily="18" charset="0"/>
+                                  </a:rPr>
+                                  <m:t>6</m:t>
+                                </m:r>
+                                <m:r>
+                                  <a:rPr lang="en-US" altLang="zh-CN" b="0" i="1" smtClean="0">
+                                    <a:latin typeface="Cambria Math" panose="02040503050406030204" pitchFamily="18" charset="0"/>
+                                    <a:ea typeface="Cambria Math" panose="02040503050406030204" pitchFamily="18" charset="0"/>
+                                  </a:rPr>
+                                  <m:t>, </m:t>
+                                </m:r>
+                                <m:r>
+                                  <a:rPr lang="en-US" altLang="zh-CN" b="0" i="1" smtClean="0">
+                                    <a:latin typeface="Cambria Math" panose="02040503050406030204" pitchFamily="18" charset="0"/>
+                                    <a:ea typeface="Cambria Math" panose="02040503050406030204" pitchFamily="18" charset="0"/>
+                                  </a:rPr>
+                                  <m:t>25</m:t>
+                                </m:r>
+                                <m:r>
+                                  <a:rPr lang="en-US" altLang="zh-CN" b="0" i="1" smtClean="0">
+                                    <a:latin typeface="Cambria Math" panose="02040503050406030204" pitchFamily="18" charset="0"/>
+                                    <a:ea typeface="Cambria Math" panose="02040503050406030204" pitchFamily="18" charset="0"/>
+                                  </a:rPr>
+                                  <m:t>6</m:t>
+                                </m:r>
+                              </m:oMath>
+                            </m:oMathPara>
+                          </a14:m>
+                          <a:endParaRPr lang="zh-CN" altLang="en-US" dirty="0"/>
+                        </a:p>
+                      </a:txBody>
+                      <a:tcPr/>
+                    </a:tc>
+                  </a:tr>
+                  <a:tr h="422974">
+                    <a:tc vMerge="1">
+                      <a:txBody>
+                        <a:bodyPr/>
+                        <a:lstStyle/>
+                        <a:p>
+                          <a:endParaRPr lang="zh-CN" altLang="en-US"/>
+                        </a:p>
+                      </a:txBody>
+                      <a:tcPr/>
+                    </a:tc>
+                    <a:tc>
+                      <a:txBody>
+                        <a:bodyPr/>
+                        <a:lstStyle/>
+                        <a:p>
+                          <a:pPr marL="0" marR="0" indent="0" algn="ctr" defTabSz="914400" rtl="0" eaLnBrk="1" fontAlgn="auto" latinLnBrk="0" hangingPunct="1">
+                            <a:lnSpc>
+                              <a:spcPct val="100000"/>
+                            </a:lnSpc>
+                            <a:spcBef>
+                              <a:spcPts val="0"/>
+                            </a:spcBef>
+                            <a:spcAft>
+                              <a:spcPts val="0"/>
+                            </a:spcAft>
+                            <a:buClrTx/>
+                            <a:buSzTx/>
+                            <a:buFontTx/>
+                            <a:buNone/>
+                            <a:tabLst/>
+                            <a:defRPr/>
+                          </a:pPr>
                           <a14:m>
                             <m:oMathPara xmlns:m="http://schemas.openxmlformats.org/officeDocument/2006/math">
                               <m:oMathParaPr>
@@ -7476,17 +7604,10 @@
                                 </m:d>
                                 <m:r>
                                   <a:rPr lang="en-US" altLang="zh-CN" b="0" i="0" dirty="0" smtClean="0">
-                                    <a:latin typeface="+mn-lt"/>
-                                    <a:ea typeface="+mn-ea"/>
-                                  </a:rPr>
-                                  <m:t>×</m:t>
-                                </m:r>
-                                <m:r>
-                                  <a:rPr lang="en-US" altLang="zh-CN" b="0" i="0" dirty="0" smtClean="0">
                                     <a:latin typeface="Cambria Math" panose="02040503050406030204" pitchFamily="18" charset="0"/>
                                     <a:ea typeface="+mn-ea"/>
                                   </a:rPr>
-                                  <m:t>3</m:t>
+                                  <m:t>×3</m:t>
                                 </m:r>
                               </m:oMath>
                             </m:oMathPara>
@@ -7496,63 +7617,12 @@
                       </a:txBody>
                       <a:tcPr/>
                     </a:tc>
-                    <a:tc>
+                    <a:tc vMerge="1">
                       <a:txBody>
                         <a:bodyPr/>
                         <a:lstStyle/>
                         <a:p>
-                          <a:pPr algn="ctr"/>
-                          <a14:m>
-                            <m:oMathPara xmlns:m="http://schemas.openxmlformats.org/officeDocument/2006/math">
-                              <m:oMathParaPr>
-                                <m:jc m:val="centerGroup"/>
-                              </m:oMathParaPr>
-                              <m:oMath xmlns:m="http://schemas.openxmlformats.org/officeDocument/2006/math">
-                                <m:r>
-                                  <a:rPr lang="en-US" altLang="zh-CN" b="0" i="1" smtClean="0">
-                                    <a:latin typeface="Cambria Math" panose="02040503050406030204" pitchFamily="18" charset="0"/>
-                                  </a:rPr>
-                                  <m:t>16</m:t>
-                                </m:r>
-                                <m:r>
-                                  <a:rPr lang="en-US" altLang="zh-CN" b="0" i="1" smtClean="0">
-                                    <a:latin typeface="Cambria Math" panose="02040503050406030204" pitchFamily="18" charset="0"/>
-                                    <a:ea typeface="Cambria Math" panose="02040503050406030204" pitchFamily="18" charset="0"/>
-                                  </a:rPr>
-                                  <m:t>×1</m:t>
-                                </m:r>
-                                <m:r>
-                                  <a:rPr lang="en-US" altLang="zh-CN" b="0" i="1" smtClean="0">
-                                    <a:latin typeface="Cambria Math" panose="02040503050406030204" pitchFamily="18" charset="0"/>
-                                    <a:ea typeface="Cambria Math" panose="02040503050406030204" pitchFamily="18" charset="0"/>
-                                  </a:rPr>
-                                  <m:t>6</m:t>
-                                </m:r>
-                                <m:r>
-                                  <a:rPr lang="en-US" altLang="zh-CN" b="0" i="1" smtClean="0">
-                                    <a:latin typeface="Cambria Math" panose="02040503050406030204" pitchFamily="18" charset="0"/>
-                                    <a:ea typeface="Cambria Math" panose="02040503050406030204" pitchFamily="18" charset="0"/>
-                                  </a:rPr>
-                                  <m:t>, </m:t>
-                                </m:r>
-                                <m:r>
-                                  <a:rPr lang="en-US" altLang="zh-CN" b="0" i="1" smtClean="0">
-                                    <a:latin typeface="Cambria Math" panose="02040503050406030204" pitchFamily="18" charset="0"/>
-                                    <a:ea typeface="Cambria Math" panose="02040503050406030204" pitchFamily="18" charset="0"/>
-                                  </a:rPr>
-                                  <m:t>25</m:t>
-                                </m:r>
-                                <m:r>
-                                  <a:rPr lang="en-US" altLang="zh-CN" b="0" i="1" smtClean="0">
-                                    <a:latin typeface="Cambria Math" panose="02040503050406030204" pitchFamily="18" charset="0"/>
-                                    <a:ea typeface="Cambria Math" panose="02040503050406030204" pitchFamily="18" charset="0"/>
-                                  </a:rPr>
-                                  <m:t>6</m:t>
-                                </m:r>
-                              </m:oMath>
-                            </m:oMathPara>
-                          </a14:m>
-                          <a:endParaRPr lang="zh-CN" altLang="en-US" dirty="0"/>
+                          <a:endParaRPr lang="zh-CN" altLang="en-US"/>
                         </a:p>
                       </a:txBody>
                       <a:tcPr/>
@@ -8167,8 +8237,8 @@
                       <a:tcPr/>
                     </a:tc>
                   </a:tr>
-                  <a:tr h="370840">
-                    <a:tc>
+                  <a:tr h="185420">
+                    <a:tc rowSpan="2">
                       <a:txBody>
                         <a:bodyPr/>
                         <a:lstStyle/>
@@ -8192,11 +8262,7 @@
                           </a:pPr>
                           <a:r>
                             <a:rPr lang="en-US" altLang="zh-CN" b="0" dirty="0" smtClean="0"/>
-                            <a:t>global</a:t>
-                          </a:r>
-                          <a:r>
-                            <a:rPr lang="en-US" altLang="zh-CN" b="0" baseline="0" dirty="0" smtClean="0"/>
-                            <a:t> pooling</a:t>
+                            <a:t>conv8</a:t>
                           </a:r>
                           <a:endParaRPr lang="zh-CN" altLang="en-US" b="0" dirty="0" smtClean="0"/>
                         </a:p>
@@ -8225,12 +8291,20 @@
                             <a:tabLst/>
                             <a:defRPr/>
                           </a:pPr>
+                          <a:r>
+                            <a:rPr lang="en-US" altLang="zh-CN" dirty="0" smtClean="0"/>
+                            <a:t>global</a:t>
+                          </a:r>
+                          <a:r>
+                            <a:rPr lang="en-US" altLang="zh-CN" baseline="0" dirty="0" smtClean="0"/>
+                            <a:t> pooling</a:t>
+                          </a:r>
                           <a:endParaRPr lang="zh-CN" altLang="en-US" dirty="0"/>
                         </a:p>
                       </a:txBody>
                       <a:tcPr/>
                     </a:tc>
-                    <a:tc>
+                    <a:tc rowSpan="2">
                       <a:txBody>
                         <a:bodyPr/>
                         <a:lstStyle/>
@@ -8302,6 +8376,78 @@
                       <a:tcPr/>
                     </a:tc>
                   </a:tr>
+                  <a:tr h="185420">
+                    <a:tc vMerge="1">
+                      <a:txBody>
+                        <a:bodyPr/>
+                        <a:lstStyle/>
+                        <a:p>
+                          <a:endParaRPr lang="zh-CN" altLang="en-US"/>
+                        </a:p>
+                      </a:txBody>
+                      <a:tcPr/>
+                    </a:tc>
+                    <a:tc>
+                      <a:txBody>
+                        <a:bodyPr/>
+                        <a:lstStyle/>
+                        <a:p>
+                          <a:pPr marL="0" marR="0" indent="0" algn="ctr" defTabSz="914400" rtl="0" eaLnBrk="1" fontAlgn="auto" latinLnBrk="0" hangingPunct="1">
+                            <a:lnSpc>
+                              <a:spcPct val="100000"/>
+                            </a:lnSpc>
+                            <a:spcBef>
+                              <a:spcPts val="0"/>
+                            </a:spcBef>
+                            <a:spcAft>
+                              <a:spcPts val="0"/>
+                            </a:spcAft>
+                            <a:buClrTx/>
+                            <a:buSzTx/>
+                            <a:buFontTx/>
+                            <a:buNone/>
+                            <a:tabLst/>
+                            <a:defRPr/>
+                          </a:pPr>
+                          <a14:m>
+                            <m:oMathPara xmlns:m="http://schemas.openxmlformats.org/officeDocument/2006/math">
+                              <m:oMathParaPr>
+                                <m:jc m:val="centerGroup"/>
+                              </m:oMathParaPr>
+                              <m:oMath xmlns:m="http://schemas.openxmlformats.org/officeDocument/2006/math">
+                                <m:r>
+                                  <a:rPr lang="en-US" altLang="zh-CN" b="0" i="1" smtClean="0">
+                                    <a:latin typeface="Cambria Math" panose="02040503050406030204" pitchFamily="18" charset="0"/>
+                                    <a:ea typeface="+mn-ea"/>
+                                  </a:rPr>
+                                  <m:t>1</m:t>
+                                </m:r>
+                                <m:r>
+                                  <a:rPr lang="en-US" altLang="zh-CN" b="0" i="1" smtClean="0">
+                                    <a:latin typeface="Cambria Math" panose="02040503050406030204" pitchFamily="18" charset="0"/>
+                                    <a:ea typeface="Cambria Math" panose="02040503050406030204" pitchFamily="18" charset="0"/>
+                                  </a:rPr>
+                                  <m:t>×1, 5</m:t>
+                                </m:r>
+                              </m:oMath>
+                            </m:oMathPara>
+                          </a14:m>
+                          <a:endParaRPr lang="zh-CN" altLang="en-US" dirty="0"/>
+                        </a:p>
+                      </a:txBody>
+                      <a:tcPr/>
+                    </a:tc>
+                    <a:tc vMerge="1">
+                      <a:txBody>
+                        <a:bodyPr/>
+                        <a:lstStyle/>
+                        <a:p>
+                          <a:endParaRPr lang="zh-CN" altLang="en-US"/>
+                        </a:p>
+                      </a:txBody>
+                      <a:tcPr/>
+                    </a:tc>
+                  </a:tr>
                 </a:tbl>
               </a:graphicData>
             </a:graphic>
@@ -8317,14 +8463,14 @@
               <p:nvPr>
                 <p:extLst>
                   <p:ext uri="{D42A27DB-BD31-4B8C-83A1-F6EECF244321}">
-                    <p14:modId xmlns:p14="http://schemas.microsoft.com/office/powerpoint/2010/main" val="1685734010"/>
+                    <p14:modId xmlns:p14="http://schemas.microsoft.com/office/powerpoint/2010/main" val="3801466445"/>
                   </p:ext>
                 </p:extLst>
               </p:nvPr>
             </p:nvGraphicFramePr>
             <p:xfrm>
-              <a:off x="2961564" y="1170041"/>
-              <a:ext cx="5970135" cy="5249038"/>
+              <a:off x="3002507" y="528596"/>
+              <a:ext cx="5970135" cy="6032692"/>
             </p:xfrm>
             <a:graphic>
               <a:graphicData uri="http://schemas.openxmlformats.org/drawingml/2006/table">
@@ -8393,11 +8539,7 @@
                           <a:pPr algn="ctr"/>
                           <a:r>
                             <a:rPr lang="en-US" altLang="zh-CN" b="0" dirty="0" smtClean="0"/>
-                            <a:t>c</a:t>
-                          </a:r>
-                          <a:r>
-                            <a:rPr lang="en-US" altLang="zh-CN" b="0" smtClean="0"/>
-                            <a:t>onv1</a:t>
+                            <a:t>conv1</a:t>
                           </a:r>
                           <a:endParaRPr lang="zh-CN" altLang="en-US" b="0" dirty="0"/>
                         </a:p>
@@ -8416,7 +8558,7 @@
                         <a:blipFill rotWithShape="0">
                           <a:blip r:embed="rId2"/>
                           <a:stretch>
-                            <a:fillRect l="-100306" t="-108197" r="-100612" b="-1237705"/>
+                            <a:fillRect l="-100613" t="-108197" r="-100920" b="-1427869"/>
                           </a:stretch>
                         </a:blipFill>
                       </a:tcPr>
@@ -8433,7 +8575,7 @@
                         <a:blipFill rotWithShape="0">
                           <a:blip r:embed="rId2"/>
                           <a:stretch>
-                            <a:fillRect l="-200306" t="-108197" r="-612" b="-1237705"/>
+                            <a:fillRect l="-200000" t="-108197" r="-612" b="-1427869"/>
                           </a:stretch>
                         </a:blipFill>
                       </a:tcPr>
@@ -8467,7 +8609,7 @@
                         <a:blipFill rotWithShape="0">
                           <a:blip r:embed="rId2"/>
                           <a:stretch>
-                            <a:fillRect l="-100306" t="-208197" r="-100612" b="-1137705"/>
+                            <a:fillRect l="-100613" t="-208197" r="-100920" b="-1327869"/>
                           </a:stretch>
                         </a:blipFill>
                       </a:tcPr>
@@ -8484,7 +8626,7 @@
                         <a:blipFill rotWithShape="0">
                           <a:blip r:embed="rId2"/>
                           <a:stretch>
-                            <a:fillRect l="-200306" t="-208197" r="-612" b="-1137705"/>
+                            <a:fillRect l="-200000" t="-208197" r="-612" b="-1327869"/>
                           </a:stretch>
                         </a:blipFill>
                       </a:tcPr>
@@ -8518,7 +8660,7 @@
                         <a:blipFill rotWithShape="0">
                           <a:blip r:embed="rId2"/>
                           <a:stretch>
-                            <a:fillRect l="-100306" t="-308197" r="-100612" b="-1037705"/>
+                            <a:fillRect l="-100613" t="-308197" r="-100920" b="-1227869"/>
                           </a:stretch>
                         </a:blipFill>
                       </a:tcPr>
@@ -8535,14 +8677,14 @@
                         <a:blipFill rotWithShape="0">
                           <a:blip r:embed="rId2"/>
                           <a:stretch>
-                            <a:fillRect l="-200306" t="-308197" r="-612" b="-1037705"/>
+                            <a:fillRect l="-200000" t="-308197" r="-612" b="-1227869"/>
                           </a:stretch>
                         </a:blipFill>
                       </a:tcPr>
                     </a:tc>
                   </a:tr>
-                  <a:tr h="845947">
-                    <a:tc>
+                  <a:tr h="422974">
+                    <a:tc rowSpan="2">
                       <a:txBody>
                         <a:bodyPr/>
                         <a:lstStyle/>
@@ -8569,10 +8711,39 @@
                         <a:blipFill rotWithShape="0">
                           <a:blip r:embed="rId2"/>
                           <a:stretch>
-                            <a:fillRect l="-100306" t="-179137" r="-100612" b="-355396"/>
+                            <a:fillRect l="-100613" t="-360870" r="-100920" b="-985507"/>
                           </a:stretch>
                         </a:blipFill>
                       </a:tcPr>
+                    </a:tc>
+                    <a:tc rowSpan="2">
+                      <a:txBody>
+                        <a:bodyPr/>
+                        <a:lstStyle/>
+                        <a:p>
+                          <a:endParaRPr lang="zh-CN"/>
+                        </a:p>
+                      </a:txBody>
+                      <a:tcPr>
+                        <a:blipFill rotWithShape="0">
+                          <a:blip r:embed="rId2"/>
+                          <a:stretch>
+                            <a:fillRect l="-200000" t="-119712" r="-612" b="-260096"/>
+                          </a:stretch>
+                        </a:blipFill>
+                      </a:tcPr>
+                    </a:tc>
+                  </a:tr>
+                  <a:tr h="845947">
+                    <a:tc vMerge="1">
+                      <a:txBody>
+                        <a:bodyPr/>
+                        <a:lstStyle/>
+                        <a:p>
+                          <a:endParaRPr lang="zh-CN" altLang="en-US"/>
+                        </a:p>
+                      </a:txBody>
+                      <a:tcPr/>
                     </a:tc>
                     <a:tc>
                       <a:txBody>
@@ -8586,10 +8757,20 @@
                         <a:blipFill rotWithShape="0">
                           <a:blip r:embed="rId2"/>
                           <a:stretch>
-                            <a:fillRect l="-200306" t="-179137" r="-612" b="-355396"/>
+                            <a:fillRect l="-100613" t="-228777" r="-100920" b="-389209"/>
                           </a:stretch>
                         </a:blipFill>
                       </a:tcPr>
+                    </a:tc>
+                    <a:tc vMerge="1">
+                      <a:txBody>
+                        <a:bodyPr/>
+                        <a:lstStyle/>
+                        <a:p>
+                          <a:endParaRPr lang="zh-CN" altLang="en-US"/>
+                        </a:p>
+                      </a:txBody>
+                      <a:tcPr/>
                     </a:tc>
                   </a:tr>
                   <a:tr h="845947">
@@ -8620,7 +8801,7 @@
                         <a:blipFill rotWithShape="0">
                           <a:blip r:embed="rId2"/>
                           <a:stretch>
-                            <a:fillRect l="-100306" t="-281159" r="-100612" b="-257971"/>
+                            <a:fillRect l="-100613" t="-328777" r="-100920" b="-289209"/>
                           </a:stretch>
                         </a:blipFill>
                       </a:tcPr>
@@ -8637,7 +8818,7 @@
                         <a:blipFill rotWithShape="0">
                           <a:blip r:embed="rId2"/>
                           <a:stretch>
-                            <a:fillRect l="-200306" t="-281159" r="-612" b="-257971"/>
+                            <a:fillRect l="-200000" t="-328777" r="-612" b="-289209"/>
                           </a:stretch>
                         </a:blipFill>
                       </a:tcPr>
@@ -8671,7 +8852,7 @@
                         <a:blipFill rotWithShape="0">
                           <a:blip r:embed="rId2"/>
                           <a:stretch>
-                            <a:fillRect l="-100306" t="-375714" r="-100612" b="-154286"/>
+                            <a:fillRect l="-100613" t="-425714" r="-100920" b="-187143"/>
                           </a:stretch>
                         </a:blipFill>
                       </a:tcPr>
@@ -8688,7 +8869,7 @@
                         <a:blipFill rotWithShape="0">
                           <a:blip r:embed="rId2"/>
                           <a:stretch>
-                            <a:fillRect l="-200306" t="-375714" r="-612" b="-154286"/>
+                            <a:fillRect l="-200000" t="-425714" r="-612" b="-187143"/>
                           </a:stretch>
                         </a:blipFill>
                       </a:tcPr>
@@ -8738,7 +8919,7 @@
                         <a:blipFill rotWithShape="0">
                           <a:blip r:embed="rId2"/>
                           <a:stretch>
-                            <a:fillRect l="-100306" t="-475714" r="-100612" b="-54286"/>
+                            <a:fillRect l="-100613" t="-525714" r="-100920" b="-87143"/>
                           </a:stretch>
                         </a:blipFill>
                       </a:tcPr>
@@ -8755,14 +8936,14 @@
                         <a:blipFill rotWithShape="0">
                           <a:blip r:embed="rId2"/>
                           <a:stretch>
-                            <a:fillRect l="-200306" t="-475714" r="-612" b="-54286"/>
+                            <a:fillRect l="-200000" t="-525714" r="-612" b="-87143"/>
                           </a:stretch>
                         </a:blipFill>
                       </a:tcPr>
                     </a:tc>
                   </a:tr>
-                  <a:tr h="370840">
-                    <a:tc>
+                  <a:tr h="365760">
+                    <a:tc rowSpan="2">
                       <a:txBody>
                         <a:bodyPr/>
                         <a:lstStyle/>
@@ -8786,11 +8967,7 @@
                           </a:pPr>
                           <a:r>
                             <a:rPr lang="en-US" altLang="zh-CN" b="0" dirty="0" smtClean="0"/>
-                            <a:t>global</a:t>
-                          </a:r>
-                          <a:r>
-                            <a:rPr lang="en-US" altLang="zh-CN" b="0" baseline="0" dirty="0" smtClean="0"/>
-                            <a:t> pooling</a:t>
+                            <a:t>conv8</a:t>
                           </a:r>
                           <a:endParaRPr lang="zh-CN" altLang="en-US" b="0" dirty="0" smtClean="0"/>
                         </a:p>
@@ -8819,7 +8996,44 @@
                             <a:tabLst/>
                             <a:defRPr/>
                           </a:pPr>
+                          <a:r>
+                            <a:rPr lang="en-US" altLang="zh-CN" dirty="0" smtClean="0"/>
+                            <a:t>global</a:t>
+                          </a:r>
+                          <a:r>
+                            <a:rPr lang="en-US" altLang="zh-CN" baseline="0" dirty="0" smtClean="0"/>
+                            <a:t> pooling</a:t>
+                          </a:r>
                           <a:endParaRPr lang="zh-CN" altLang="en-US" dirty="0"/>
+                        </a:p>
+                      </a:txBody>
+                      <a:tcPr/>
+                    </a:tc>
+                    <a:tc rowSpan="2">
+                      <a:txBody>
+                        <a:bodyPr/>
+                        <a:lstStyle/>
+                        <a:p>
+                          <a:endParaRPr lang="zh-CN"/>
+                        </a:p>
+                      </a:txBody>
+                      <a:tcPr>
+                        <a:blipFill rotWithShape="0">
+                          <a:blip r:embed="rId2"/>
+                          <a:stretch>
+                            <a:fillRect l="-200000" t="-730000" r="-612" b="-1667"/>
+                          </a:stretch>
+                        </a:blipFill>
+                      </a:tcPr>
+                    </a:tc>
+                  </a:tr>
+                  <a:tr h="365760">
+                    <a:tc vMerge="1">
+                      <a:txBody>
+                        <a:bodyPr/>
+                        <a:lstStyle/>
+                        <a:p>
+                          <a:endParaRPr lang="zh-CN" altLang="en-US"/>
                         </a:p>
                       </a:txBody>
                       <a:tcPr/>
@@ -8836,10 +9050,20 @@
                         <a:blipFill rotWithShape="0">
                           <a:blip r:embed="rId2"/>
                           <a:stretch>
-                            <a:fillRect l="-200306" t="-1321311" r="-612" b="-24590"/>
+                            <a:fillRect l="-100613" t="-1560000" r="-100920" b="-3333"/>
                           </a:stretch>
                         </a:blipFill>
                       </a:tcPr>
+                    </a:tc>
+                    <a:tc vMerge="1">
+                      <a:txBody>
+                        <a:bodyPr/>
+                        <a:lstStyle/>
+                        <a:p>
+                          <a:endParaRPr lang="zh-CN" altLang="en-US"/>
+                        </a:p>
+                      </a:txBody>
+                      <a:tcPr/>
                     </a:tc>
                   </a:tr>
                 </a:tbl>

--- a/proposal/fig/pptx/fig.pptx
+++ b/proposal/fig/pptx/fig.pptx
@@ -246,7 +246,7 @@
           <a:p>
             <a:fld id="{29AF6966-A338-46CE-95D1-A9837A00343A}" type="datetimeFigureOut">
               <a:rPr lang="zh-CN" altLang="en-US" smtClean="0"/>
-              <a:t>2017/4/9</a:t>
+              <a:t>2017/4/10</a:t>
             </a:fld>
             <a:endParaRPr lang="zh-CN" altLang="en-US"/>
           </a:p>
@@ -416,7 +416,7 @@
           <a:p>
             <a:fld id="{29AF6966-A338-46CE-95D1-A9837A00343A}" type="datetimeFigureOut">
               <a:rPr lang="zh-CN" altLang="en-US" smtClean="0"/>
-              <a:t>2017/4/9</a:t>
+              <a:t>2017/4/10</a:t>
             </a:fld>
             <a:endParaRPr lang="zh-CN" altLang="en-US"/>
           </a:p>
@@ -596,7 +596,7 @@
           <a:p>
             <a:fld id="{29AF6966-A338-46CE-95D1-A9837A00343A}" type="datetimeFigureOut">
               <a:rPr lang="zh-CN" altLang="en-US" smtClean="0"/>
-              <a:t>2017/4/9</a:t>
+              <a:t>2017/4/10</a:t>
             </a:fld>
             <a:endParaRPr lang="zh-CN" altLang="en-US"/>
           </a:p>
@@ -766,7 +766,7 @@
           <a:p>
             <a:fld id="{29AF6966-A338-46CE-95D1-A9837A00343A}" type="datetimeFigureOut">
               <a:rPr lang="zh-CN" altLang="en-US" smtClean="0"/>
-              <a:t>2017/4/9</a:t>
+              <a:t>2017/4/10</a:t>
             </a:fld>
             <a:endParaRPr lang="zh-CN" altLang="en-US"/>
           </a:p>
@@ -1012,7 +1012,7 @@
           <a:p>
             <a:fld id="{29AF6966-A338-46CE-95D1-A9837A00343A}" type="datetimeFigureOut">
               <a:rPr lang="zh-CN" altLang="en-US" smtClean="0"/>
-              <a:t>2017/4/9</a:t>
+              <a:t>2017/4/10</a:t>
             </a:fld>
             <a:endParaRPr lang="zh-CN" altLang="en-US"/>
           </a:p>
@@ -1244,7 +1244,7 @@
           <a:p>
             <a:fld id="{29AF6966-A338-46CE-95D1-A9837A00343A}" type="datetimeFigureOut">
               <a:rPr lang="zh-CN" altLang="en-US" smtClean="0"/>
-              <a:t>2017/4/9</a:t>
+              <a:t>2017/4/10</a:t>
             </a:fld>
             <a:endParaRPr lang="zh-CN" altLang="en-US"/>
           </a:p>
@@ -1611,7 +1611,7 @@
           <a:p>
             <a:fld id="{29AF6966-A338-46CE-95D1-A9837A00343A}" type="datetimeFigureOut">
               <a:rPr lang="zh-CN" altLang="en-US" smtClean="0"/>
-              <a:t>2017/4/9</a:t>
+              <a:t>2017/4/10</a:t>
             </a:fld>
             <a:endParaRPr lang="zh-CN" altLang="en-US"/>
           </a:p>
@@ -1729,7 +1729,7 @@
           <a:p>
             <a:fld id="{29AF6966-A338-46CE-95D1-A9837A00343A}" type="datetimeFigureOut">
               <a:rPr lang="zh-CN" altLang="en-US" smtClean="0"/>
-              <a:t>2017/4/9</a:t>
+              <a:t>2017/4/10</a:t>
             </a:fld>
             <a:endParaRPr lang="zh-CN" altLang="en-US"/>
           </a:p>
@@ -1824,7 +1824,7 @@
           <a:p>
             <a:fld id="{29AF6966-A338-46CE-95D1-A9837A00343A}" type="datetimeFigureOut">
               <a:rPr lang="zh-CN" altLang="en-US" smtClean="0"/>
-              <a:t>2017/4/9</a:t>
+              <a:t>2017/4/10</a:t>
             </a:fld>
             <a:endParaRPr lang="zh-CN" altLang="en-US"/>
           </a:p>
@@ -2101,7 +2101,7 @@
           <a:p>
             <a:fld id="{29AF6966-A338-46CE-95D1-A9837A00343A}" type="datetimeFigureOut">
               <a:rPr lang="zh-CN" altLang="en-US" smtClean="0"/>
-              <a:t>2017/4/9</a:t>
+              <a:t>2017/4/10</a:t>
             </a:fld>
             <a:endParaRPr lang="zh-CN" altLang="en-US"/>
           </a:p>
@@ -2354,7 +2354,7 @@
           <a:p>
             <a:fld id="{29AF6966-A338-46CE-95D1-A9837A00343A}" type="datetimeFigureOut">
               <a:rPr lang="zh-CN" altLang="en-US" smtClean="0"/>
-              <a:t>2017/4/9</a:t>
+              <a:t>2017/4/10</a:t>
             </a:fld>
             <a:endParaRPr lang="zh-CN" altLang="en-US"/>
           </a:p>
@@ -2567,7 +2567,7 @@
           <a:p>
             <a:fld id="{29AF6966-A338-46CE-95D1-A9837A00343A}" type="datetimeFigureOut">
               <a:rPr lang="zh-CN" altLang="en-US" smtClean="0"/>
-              <a:t>2017/4/9</a:t>
+              <a:t>2017/4/10</a:t>
             </a:fld>
             <a:endParaRPr lang="zh-CN" altLang="en-US"/>
           </a:p>
@@ -6922,8 +6922,8 @@
           <a:chExt cx="0" cy="0"/>
         </a:xfrm>
       </p:grpSpPr>
-      <mc:AlternateContent xmlns:mc="http://schemas.openxmlformats.org/markup-compatibility/2006">
-        <mc:Choice xmlns:a14="http://schemas.microsoft.com/office/drawing/2010/main" Requires="a14">
+      <mc:AlternateContent xmlns:mc="http://schemas.openxmlformats.org/markup-compatibility/2006" xmlns:a14="http://schemas.microsoft.com/office/drawing/2010/main">
+        <mc:Choice Requires="a14">
           <p:graphicFrame>
             <p:nvGraphicFramePr>
               <p:cNvPr id="5" name="表格 4"/>
@@ -7052,14 +7052,7 @@
                                   <a:latin typeface="Cambria Math" panose="02040503050406030204" pitchFamily="18" charset="0"/>
                                   <a:ea typeface="Cambria Math" panose="02040503050406030204" pitchFamily="18" charset="0"/>
                                 </a:rPr>
-                                <m:t>×7,</m:t>
-                              </m:r>
-                              <m:r>
-                                <a:rPr lang="en-US" altLang="zh-CN" b="0" i="1" smtClean="0">
-                                  <a:latin typeface="Cambria Math" panose="02040503050406030204" pitchFamily="18" charset="0"/>
-                                  <a:ea typeface="Cambria Math" panose="02040503050406030204" pitchFamily="18" charset="0"/>
-                                </a:rPr>
-                                <m:t> 96,</m:t>
+                                <m:t>×7, 96,</m:t>
                               </m:r>
                             </m:oMath>
                           </a14:m>
@@ -7099,28 +7092,7 @@
                                     <a:latin typeface="Cambria Math" panose="02040503050406030204" pitchFamily="18" charset="0"/>
                                     <a:ea typeface="Cambria Math" panose="02040503050406030204" pitchFamily="18" charset="0"/>
                                   </a:rPr>
-                                  <m:t>×</m:t>
-                                </m:r>
-                                <m:r>
-                                  <a:rPr lang="en-US" altLang="zh-CN" b="0" i="1" smtClean="0">
-                                    <a:latin typeface="Cambria Math" panose="02040503050406030204" pitchFamily="18" charset="0"/>
-                                    <a:ea typeface="Cambria Math" panose="02040503050406030204" pitchFamily="18" charset="0"/>
-                                  </a:rPr>
-                                  <m:t>256</m:t>
-                                </m:r>
-                                <m:r>
-                                  <a:rPr lang="en-US" altLang="zh-CN" b="0" i="1" smtClean="0">
-                                    <a:latin typeface="Cambria Math" panose="02040503050406030204" pitchFamily="18" charset="0"/>
-                                    <a:ea typeface="Cambria Math" panose="02040503050406030204" pitchFamily="18" charset="0"/>
-                                  </a:rPr>
-                                  <m:t>, </m:t>
-                                </m:r>
-                                <m:r>
-                                  <a:rPr lang="en-US" altLang="zh-CN" b="0" i="1" smtClean="0">
-                                    <a:latin typeface="Cambria Math" panose="02040503050406030204" pitchFamily="18" charset="0"/>
-                                    <a:ea typeface="Cambria Math" panose="02040503050406030204" pitchFamily="18" charset="0"/>
-                                  </a:rPr>
-                                  <m:t>96</m:t>
+                                  <m:t>×256, 96</m:t>
                                 </m:r>
                               </m:oMath>
                             </m:oMathPara>
@@ -7183,21 +7155,7 @@
                                   <a:latin typeface="Cambria Math" panose="02040503050406030204" pitchFamily="18" charset="0"/>
                                   <a:ea typeface="Cambria Math" panose="02040503050406030204" pitchFamily="18" charset="0"/>
                                 </a:rPr>
-                                <m:t>×7, </m:t>
-                              </m:r>
-                              <m:r>
-                                <a:rPr lang="en-US" altLang="zh-CN" b="0" i="1" smtClean="0">
-                                  <a:latin typeface="Cambria Math" panose="02040503050406030204" pitchFamily="18" charset="0"/>
-                                  <a:ea typeface="Cambria Math" panose="02040503050406030204" pitchFamily="18" charset="0"/>
-                                </a:rPr>
-                                <m:t>96</m:t>
-                              </m:r>
-                              <m:r>
-                                <a:rPr lang="en-US" altLang="zh-CN" b="0" i="1" smtClean="0">
-                                  <a:latin typeface="Cambria Math" panose="02040503050406030204" pitchFamily="18" charset="0"/>
-                                  <a:ea typeface="Cambria Math" panose="02040503050406030204" pitchFamily="18" charset="0"/>
-                                </a:rPr>
-                                <m:t>,</m:t>
+                                <m:t>×7, 96,</m:t>
                               </m:r>
                             </m:oMath>
                           </a14:m>
@@ -7237,28 +7195,7 @@
                                     <a:latin typeface="Cambria Math" panose="02040503050406030204" pitchFamily="18" charset="0"/>
                                     <a:ea typeface="Cambria Math" panose="02040503050406030204" pitchFamily="18" charset="0"/>
                                   </a:rPr>
-                                  <m:t>×1</m:t>
-                                </m:r>
-                                <m:r>
-                                  <a:rPr lang="en-US" altLang="zh-CN" b="0" i="1" smtClean="0">
-                                    <a:latin typeface="Cambria Math" panose="02040503050406030204" pitchFamily="18" charset="0"/>
-                                    <a:ea typeface="Cambria Math" panose="02040503050406030204" pitchFamily="18" charset="0"/>
-                                  </a:rPr>
-                                  <m:t>28,</m:t>
-                                </m:r>
-                                <m:r>
-                                  <a:rPr lang="en-US" altLang="zh-CN" b="0" i="1" smtClean="0">
-                                    <a:latin typeface="Cambria Math" panose="02040503050406030204" pitchFamily="18" charset="0"/>
-                                    <a:ea typeface="Cambria Math" panose="02040503050406030204" pitchFamily="18" charset="0"/>
-                                  </a:rPr>
-                                  <m:t> </m:t>
-                                </m:r>
-                                <m:r>
-                                  <a:rPr lang="en-US" altLang="zh-CN" b="0" i="1" smtClean="0">
-                                    <a:latin typeface="Cambria Math" panose="02040503050406030204" pitchFamily="18" charset="0"/>
-                                    <a:ea typeface="Cambria Math" panose="02040503050406030204" pitchFamily="18" charset="0"/>
-                                  </a:rPr>
-                                  <m:t>96</m:t>
+                                  <m:t>×128, 96</m:t>
                                 </m:r>
                               </m:oMath>
                             </m:oMathPara>
@@ -7305,14 +7242,7 @@
                                   <a:latin typeface="Cambria Math" panose="02040503050406030204" pitchFamily="18" charset="0"/>
                                   <a:ea typeface="Cambria Math" panose="02040503050406030204" pitchFamily="18" charset="0"/>
                                 </a:rPr>
-                                <m:t>×</m:t>
-                              </m:r>
-                              <m:r>
-                                <a:rPr lang="en-US" altLang="zh-CN" b="0" i="1" smtClean="0">
-                                  <a:latin typeface="Cambria Math" panose="02040503050406030204" pitchFamily="18" charset="0"/>
-                                  <a:ea typeface="Cambria Math" panose="02040503050406030204" pitchFamily="18" charset="0"/>
-                                </a:rPr>
-                                <m:t>7, 64,</m:t>
+                                <m:t>×7, 64,</m:t>
                               </m:r>
                             </m:oMath>
                           </a14:m>
@@ -7352,21 +7282,7 @@
                                     <a:latin typeface="Cambria Math" panose="02040503050406030204" pitchFamily="18" charset="0"/>
                                     <a:ea typeface="Cambria Math" panose="02040503050406030204" pitchFamily="18" charset="0"/>
                                   </a:rPr>
-                                  <m:t>×</m:t>
-                                </m:r>
-                                <m:r>
-                                  <a:rPr lang="en-US" altLang="zh-CN" b="0" i="1" smtClean="0">
-                                    <a:latin typeface="Cambria Math" panose="02040503050406030204" pitchFamily="18" charset="0"/>
-                                    <a:ea typeface="Cambria Math" panose="02040503050406030204" pitchFamily="18" charset="0"/>
-                                  </a:rPr>
-                                  <m:t>64,</m:t>
-                                </m:r>
-                                <m:r>
-                                  <a:rPr lang="en-US" altLang="zh-CN" b="0" i="1" smtClean="0">
-                                    <a:latin typeface="Cambria Math" panose="02040503050406030204" pitchFamily="18" charset="0"/>
-                                    <a:ea typeface="Cambria Math" panose="02040503050406030204" pitchFamily="18" charset="0"/>
-                                  </a:rPr>
-                                  <m:t> 64</m:t>
+                                  <m:t>×64, 64</m:t>
                                 </m:r>
                               </m:oMath>
                             </m:oMathPara>
@@ -7413,14 +7329,7 @@
                                   <a:latin typeface="Cambria Math" panose="02040503050406030204" pitchFamily="18" charset="0"/>
                                   <a:ea typeface="Cambria Math" panose="02040503050406030204" pitchFamily="18" charset="0"/>
                                 </a:rPr>
-                                <m:t>×</m:t>
-                              </m:r>
-                              <m:r>
-                                <a:rPr lang="en-US" altLang="zh-CN" b="0" i="1" smtClean="0">
-                                  <a:latin typeface="Cambria Math" panose="02040503050406030204" pitchFamily="18" charset="0"/>
-                                  <a:ea typeface="Cambria Math" panose="02040503050406030204" pitchFamily="18" charset="0"/>
-                                </a:rPr>
-                                <m:t>3</m:t>
+                                <m:t>×3</m:t>
                               </m:r>
                             </m:oMath>
                           </a14:m>
@@ -7459,35 +7368,7 @@
                                     <a:latin typeface="Cambria Math" panose="02040503050406030204" pitchFamily="18" charset="0"/>
                                     <a:ea typeface="Cambria Math" panose="02040503050406030204" pitchFamily="18" charset="0"/>
                                   </a:rPr>
-                                  <m:t>×1</m:t>
-                                </m:r>
-                                <m:r>
-                                  <a:rPr lang="en-US" altLang="zh-CN" b="0" i="1" smtClean="0">
-                                    <a:latin typeface="Cambria Math" panose="02040503050406030204" pitchFamily="18" charset="0"/>
-                                    <a:ea typeface="Cambria Math" panose="02040503050406030204" pitchFamily="18" charset="0"/>
-                                  </a:rPr>
-                                  <m:t>6</m:t>
-                                </m:r>
-                                <m:r>
-                                  <a:rPr lang="en-US" altLang="zh-CN" b="0" i="1" smtClean="0">
-                                    <a:latin typeface="Cambria Math" panose="02040503050406030204" pitchFamily="18" charset="0"/>
-                                    <a:ea typeface="Cambria Math" panose="02040503050406030204" pitchFamily="18" charset="0"/>
-                                  </a:rPr>
-                                  <m:t>, </m:t>
-                                </m:r>
-                                <m:r>
-                                  <a:rPr lang="en-US" altLang="zh-CN" b="0" i="1" smtClean="0">
-                                    <a:latin typeface="Cambria Math" panose="02040503050406030204" pitchFamily="18" charset="0"/>
-                                    <a:ea typeface="Cambria Math" panose="02040503050406030204" pitchFamily="18" charset="0"/>
-                                  </a:rPr>
-                                  <m:t>25</m:t>
-                                </m:r>
-                                <m:r>
-                                  <a:rPr lang="en-US" altLang="zh-CN" b="0" i="1" smtClean="0">
-                                    <a:latin typeface="Cambria Math" panose="02040503050406030204" pitchFamily="18" charset="0"/>
-                                    <a:ea typeface="Cambria Math" panose="02040503050406030204" pitchFamily="18" charset="0"/>
-                                  </a:rPr>
-                                  <m:t>6</m:t>
+                                  <m:t>×16, 256</m:t>
                                 </m:r>
                               </m:oMath>
                             </m:oMathPara>
@@ -7701,14 +7582,7 @@
                                             <a:latin typeface="Cambria Math" panose="02040503050406030204" pitchFamily="18" charset="0"/>
                                             <a:ea typeface="Cambria Math" panose="02040503050406030204" pitchFamily="18" charset="0"/>
                                           </a:rPr>
-                                          <m:t>×1, </m:t>
-                                        </m:r>
-                                        <m:r>
-                                          <a:rPr lang="en-US" altLang="zh-CN" b="0" i="1" smtClean="0">
-                                            <a:latin typeface="Cambria Math" panose="02040503050406030204" pitchFamily="18" charset="0"/>
-                                            <a:ea typeface="Cambria Math" panose="02040503050406030204" pitchFamily="18" charset="0"/>
-                                          </a:rPr>
-                                          <m:t>128</m:t>
+                                          <m:t>×1, 128</m:t>
                                         </m:r>
                                       </m:e>
                                       <m:e>
@@ -7723,14 +7597,7 @@
                                             <a:latin typeface="Cambria Math" panose="02040503050406030204" pitchFamily="18" charset="0"/>
                                             <a:ea typeface="Cambria Math" panose="02040503050406030204" pitchFamily="18" charset="0"/>
                                           </a:rPr>
-                                          <m:t>×3, </m:t>
-                                        </m:r>
-                                        <m:r>
-                                          <a:rPr lang="en-US" altLang="zh-CN" b="0" i="1" smtClean="0">
-                                            <a:latin typeface="Cambria Math" panose="02040503050406030204" pitchFamily="18" charset="0"/>
-                                            <a:ea typeface="Cambria Math" panose="02040503050406030204" pitchFamily="18" charset="0"/>
-                                          </a:rPr>
-                                          <m:t>128</m:t>
+                                          <m:t>×3, 128</m:t>
                                         </m:r>
                                       </m:e>
                                       <m:e>
@@ -7745,14 +7612,7 @@
                                             <a:latin typeface="Cambria Math" panose="02040503050406030204" pitchFamily="18" charset="0"/>
                                             <a:ea typeface="Cambria Math" panose="02040503050406030204" pitchFamily="18" charset="0"/>
                                           </a:rPr>
-                                          <m:t>×1, </m:t>
-                                        </m:r>
-                                        <m:r>
-                                          <a:rPr lang="en-US" altLang="zh-CN" b="0" i="1" smtClean="0">
-                                            <a:latin typeface="Cambria Math" panose="02040503050406030204" pitchFamily="18" charset="0"/>
-                                            <a:ea typeface="Cambria Math" panose="02040503050406030204" pitchFamily="18" charset="0"/>
-                                          </a:rPr>
-                                          <m:t>512</m:t>
+                                          <m:t>×1, 512</m:t>
                                         </m:r>
                                       </m:e>
                                     </m:eqArr>
@@ -7763,14 +7623,7 @@
                                     <a:latin typeface="Cambria Math" panose="02040503050406030204" pitchFamily="18" charset="0"/>
                                     <a:ea typeface="+mn-ea"/>
                                   </a:rPr>
-                                  <m:t>×</m:t>
-                                </m:r>
-                                <m:r>
-                                  <a:rPr lang="en-US" altLang="zh-CN" b="0" i="0" dirty="0" smtClean="0">
-                                    <a:latin typeface="Cambria Math" panose="02040503050406030204" pitchFamily="18" charset="0"/>
-                                    <a:ea typeface="+mn-ea"/>
-                                  </a:rPr>
-                                  <m:t>4</m:t>
+                                  <m:t>×4</m:t>
                                 </m:r>
                               </m:oMath>
                             </m:oMathPara>
@@ -7803,14 +7656,7 @@
                                     <a:latin typeface="Cambria Math" panose="02040503050406030204" pitchFamily="18" charset="0"/>
                                     <a:ea typeface="Cambria Math" panose="02040503050406030204" pitchFamily="18" charset="0"/>
                                   </a:rPr>
-                                  <m:t>×</m:t>
-                                </m:r>
-                                <m:r>
-                                  <a:rPr lang="en-US" altLang="zh-CN" b="0" i="1" smtClean="0">
-                                    <a:latin typeface="Cambria Math" panose="02040503050406030204" pitchFamily="18" charset="0"/>
-                                    <a:ea typeface="Cambria Math" panose="02040503050406030204" pitchFamily="18" charset="0"/>
-                                  </a:rPr>
-                                  <m:t>8, 256</m:t>
+                                  <m:t>×8, 256</m:t>
                                 </m:r>
                               </m:oMath>
                             </m:oMathPara>
@@ -7894,14 +7740,7 @@
                                             <a:latin typeface="Cambria Math" panose="02040503050406030204" pitchFamily="18" charset="0"/>
                                             <a:ea typeface="Cambria Math" panose="02040503050406030204" pitchFamily="18" charset="0"/>
                                           </a:rPr>
-                                          <m:t>×1, </m:t>
-                                        </m:r>
-                                        <m:r>
-                                          <a:rPr lang="en-US" altLang="zh-CN" b="0" i="1" smtClean="0">
-                                            <a:latin typeface="Cambria Math" panose="02040503050406030204" pitchFamily="18" charset="0"/>
-                                            <a:ea typeface="Cambria Math" panose="02040503050406030204" pitchFamily="18" charset="0"/>
-                                          </a:rPr>
-                                          <m:t>256</m:t>
+                                          <m:t>×1, 256</m:t>
                                         </m:r>
                                       </m:e>
                                       <m:e>
@@ -7916,14 +7755,7 @@
                                             <a:latin typeface="Cambria Math" panose="02040503050406030204" pitchFamily="18" charset="0"/>
                                             <a:ea typeface="Cambria Math" panose="02040503050406030204" pitchFamily="18" charset="0"/>
                                           </a:rPr>
-                                          <m:t>×3, </m:t>
-                                        </m:r>
-                                        <m:r>
-                                          <a:rPr lang="en-US" altLang="zh-CN" b="0" i="1" smtClean="0">
-                                            <a:latin typeface="Cambria Math" panose="02040503050406030204" pitchFamily="18" charset="0"/>
-                                            <a:ea typeface="Cambria Math" panose="02040503050406030204" pitchFamily="18" charset="0"/>
-                                          </a:rPr>
-                                          <m:t>256</m:t>
+                                          <m:t>×3, 256</m:t>
                                         </m:r>
                                       </m:e>
                                       <m:e>
@@ -7938,14 +7770,7 @@
                                             <a:latin typeface="Cambria Math" panose="02040503050406030204" pitchFamily="18" charset="0"/>
                                             <a:ea typeface="Cambria Math" panose="02040503050406030204" pitchFamily="18" charset="0"/>
                                           </a:rPr>
-                                          <m:t>×1,</m:t>
-                                        </m:r>
-                                        <m:r>
-                                          <a:rPr lang="en-US" altLang="zh-CN" b="0" i="1" smtClean="0">
-                                            <a:latin typeface="Cambria Math" panose="02040503050406030204" pitchFamily="18" charset="0"/>
-                                            <a:ea typeface="Cambria Math" panose="02040503050406030204" pitchFamily="18" charset="0"/>
-                                          </a:rPr>
-                                          <m:t> 1024</m:t>
+                                          <m:t>×1, 1024</m:t>
                                         </m:r>
                                       </m:e>
                                     </m:eqArr>
@@ -7956,14 +7781,7 @@
                                     <a:latin typeface="Cambria Math" panose="02040503050406030204" pitchFamily="18" charset="0"/>
                                     <a:ea typeface="+mn-ea"/>
                                   </a:rPr>
-                                  <m:t>×</m:t>
-                                </m:r>
-                                <m:r>
-                                  <a:rPr lang="en-US" altLang="zh-CN" b="0" i="0" dirty="0" smtClean="0">
-                                    <a:latin typeface="Cambria Math" panose="02040503050406030204" pitchFamily="18" charset="0"/>
-                                    <a:ea typeface="+mn-ea"/>
-                                  </a:rPr>
-                                  <m:t>6</m:t>
+                                  <m:t>×6</m:t>
                                 </m:r>
                               </m:oMath>
                             </m:oMathPara>
@@ -7996,14 +7814,7 @@
                                     <a:latin typeface="Cambria Math" panose="02040503050406030204" pitchFamily="18" charset="0"/>
                                     <a:ea typeface="Cambria Math" panose="02040503050406030204" pitchFamily="18" charset="0"/>
                                   </a:rPr>
-                                  <m:t>×</m:t>
-                                </m:r>
-                                <m:r>
-                                  <a:rPr lang="en-US" altLang="zh-CN" b="0" i="1" smtClean="0">
-                                    <a:latin typeface="Cambria Math" panose="02040503050406030204" pitchFamily="18" charset="0"/>
-                                    <a:ea typeface="Cambria Math" panose="02040503050406030204" pitchFamily="18" charset="0"/>
-                                  </a:rPr>
-                                  <m:t>4, 1024</m:t>
+                                  <m:t>×4, 1024</m:t>
                                 </m:r>
                               </m:oMath>
                             </m:oMathPara>
@@ -8103,14 +7914,7 @@
                                             <a:latin typeface="Cambria Math" panose="02040503050406030204" pitchFamily="18" charset="0"/>
                                             <a:ea typeface="Cambria Math" panose="02040503050406030204" pitchFamily="18" charset="0"/>
                                           </a:rPr>
-                                          <m:t>×1, </m:t>
-                                        </m:r>
-                                        <m:r>
-                                          <a:rPr lang="en-US" altLang="zh-CN" b="0" i="1" smtClean="0">
-                                            <a:latin typeface="Cambria Math" panose="02040503050406030204" pitchFamily="18" charset="0"/>
-                                            <a:ea typeface="Cambria Math" panose="02040503050406030204" pitchFamily="18" charset="0"/>
-                                          </a:rPr>
-                                          <m:t>512</m:t>
+                                          <m:t>×1, 512</m:t>
                                         </m:r>
                                       </m:e>
                                       <m:e>
@@ -8125,14 +7929,7 @@
                                             <a:latin typeface="Cambria Math" panose="02040503050406030204" pitchFamily="18" charset="0"/>
                                             <a:ea typeface="Cambria Math" panose="02040503050406030204" pitchFamily="18" charset="0"/>
                                           </a:rPr>
-                                          <m:t>×3, </m:t>
-                                        </m:r>
-                                        <m:r>
-                                          <a:rPr lang="en-US" altLang="zh-CN" b="0" i="1" smtClean="0">
-                                            <a:latin typeface="Cambria Math" panose="02040503050406030204" pitchFamily="18" charset="0"/>
-                                            <a:ea typeface="Cambria Math" panose="02040503050406030204" pitchFamily="18" charset="0"/>
-                                          </a:rPr>
-                                          <m:t>512</m:t>
+                                          <m:t>×3, 512</m:t>
                                         </m:r>
                                       </m:e>
                                       <m:e>
@@ -8147,14 +7944,7 @@
                                             <a:latin typeface="Cambria Math" panose="02040503050406030204" pitchFamily="18" charset="0"/>
                                             <a:ea typeface="Cambria Math" panose="02040503050406030204" pitchFamily="18" charset="0"/>
                                           </a:rPr>
-                                          <m:t>×1, </m:t>
-                                        </m:r>
-                                        <m:r>
-                                          <a:rPr lang="en-US" altLang="zh-CN" b="0" i="1" smtClean="0">
-                                            <a:latin typeface="Cambria Math" panose="02040503050406030204" pitchFamily="18" charset="0"/>
-                                            <a:ea typeface="Cambria Math" panose="02040503050406030204" pitchFamily="18" charset="0"/>
-                                          </a:rPr>
-                                          <m:t>2048</m:t>
+                                          <m:t>×1, 2048</m:t>
                                         </m:r>
                                       </m:e>
                                     </m:eqArr>
@@ -8165,14 +7955,7 @@
                                     <a:latin typeface="Cambria Math" panose="02040503050406030204" pitchFamily="18" charset="0"/>
                                     <a:ea typeface="+mn-ea"/>
                                   </a:rPr>
-                                  <m:t>×</m:t>
-                                </m:r>
-                                <m:r>
-                                  <a:rPr lang="en-US" altLang="zh-CN" b="0" i="0" dirty="0" smtClean="0">
-                                    <a:latin typeface="Cambria Math" panose="02040503050406030204" pitchFamily="18" charset="0"/>
-                                    <a:ea typeface="+mn-ea"/>
-                                  </a:rPr>
-                                  <m:t>3</m:t>
+                                  <m:t>×3</m:t>
                                 </m:r>
                               </m:oMath>
                             </m:oMathPara>
@@ -8205,28 +7988,7 @@
                                     <a:latin typeface="Cambria Math" panose="02040503050406030204" pitchFamily="18" charset="0"/>
                                     <a:ea typeface="Cambria Math" panose="02040503050406030204" pitchFamily="18" charset="0"/>
                                   </a:rPr>
-                                  <m:t>×</m:t>
-                                </m:r>
-                                <m:r>
-                                  <a:rPr lang="en-US" altLang="zh-CN" b="0" i="1" smtClean="0">
-                                    <a:latin typeface="Cambria Math" panose="02040503050406030204" pitchFamily="18" charset="0"/>
-                                    <a:ea typeface="Cambria Math" panose="02040503050406030204" pitchFamily="18" charset="0"/>
-                                  </a:rPr>
-                                  <m:t>4,</m:t>
-                                </m:r>
-                                <m:r>
-                                  <a:rPr lang="en-US" altLang="zh-CN" b="0" i="1" smtClean="0">
-                                    <a:latin typeface="Cambria Math" panose="02040503050406030204" pitchFamily="18" charset="0"/>
-                                    <a:ea typeface="Cambria Math" panose="02040503050406030204" pitchFamily="18" charset="0"/>
-                                  </a:rPr>
-                                  <m:t> </m:t>
-                                </m:r>
-                                <m:r>
-                                  <a:rPr lang="en-US" altLang="zh-CN" b="0" i="1" smtClean="0">
-                                    <a:latin typeface="Cambria Math" panose="02040503050406030204" pitchFamily="18" charset="0"/>
-                                    <a:ea typeface="Cambria Math" panose="02040503050406030204" pitchFamily="18" charset="0"/>
-                                  </a:rPr>
-                                  <m:t>2048</m:t>
+                                  <m:t>×4, 2048</m:t>
                                 </m:r>
                               </m:oMath>
                             </m:oMathPara>
@@ -8344,28 +8106,7 @@
                                     <a:latin typeface="Cambria Math" panose="02040503050406030204" pitchFamily="18" charset="0"/>
                                     <a:ea typeface="Cambria Math" panose="02040503050406030204" pitchFamily="18" charset="0"/>
                                   </a:rPr>
-                                  <m:t>×</m:t>
-                                </m:r>
-                                <m:r>
-                                  <a:rPr lang="en-US" altLang="zh-CN" b="0" i="1" smtClean="0">
-                                    <a:latin typeface="Cambria Math" panose="02040503050406030204" pitchFamily="18" charset="0"/>
-                                    <a:ea typeface="Cambria Math" panose="02040503050406030204" pitchFamily="18" charset="0"/>
-                                  </a:rPr>
-                                  <m:t>1,</m:t>
-                                </m:r>
-                                <m:r>
-                                  <a:rPr lang="en-US" altLang="zh-CN" b="0" i="1" smtClean="0">
-                                    <a:latin typeface="Cambria Math" panose="02040503050406030204" pitchFamily="18" charset="0"/>
-                                    <a:ea typeface="Cambria Math" panose="02040503050406030204" pitchFamily="18" charset="0"/>
-                                  </a:rPr>
-                                  <m:t> </m:t>
-                                </m:r>
-                                <m:r>
-                                  <a:rPr lang="en-US" altLang="zh-CN" b="0" i="1" smtClean="0">
-                                    <a:latin typeface="Cambria Math" panose="02040503050406030204" pitchFamily="18" charset="0"/>
-                                    <a:ea typeface="Cambria Math" panose="02040503050406030204" pitchFamily="18" charset="0"/>
-                                  </a:rPr>
-                                  <m:t>5</m:t>
+                                  <m:t>×1, 5</m:t>
                                 </m:r>
                               </m:oMath>
                             </m:oMathPara>
@@ -8453,7 +8194,7 @@
             </a:graphic>
           </p:graphicFrame>
         </mc:Choice>
-        <mc:Fallback>
+        <mc:Fallback xmlns="">
           <p:graphicFrame>
             <p:nvGraphicFramePr>
               <p:cNvPr id="5" name="表格 4"/>
@@ -10569,8 +10310,8 @@
         </p:nvSpPr>
         <p:spPr>
           <a:xfrm>
-            <a:off x="4027203" y="2217904"/>
-            <a:ext cx="5893707" cy="1214315"/>
+            <a:off x="2435343" y="2052425"/>
+            <a:ext cx="6454278" cy="1214315"/>
           </a:xfrm>
           <a:prstGeom prst="roundRect">
             <a:avLst/>
@@ -10618,8 +10359,8 @@
         </p:nvSpPr>
         <p:spPr>
           <a:xfrm>
-            <a:off x="4027203" y="3357601"/>
-            <a:ext cx="5893707" cy="1125792"/>
+            <a:off x="2435343" y="3192122"/>
+            <a:ext cx="6454278" cy="1125792"/>
           </a:xfrm>
           <a:prstGeom prst="roundRect">
             <a:avLst/>
@@ -10667,7 +10408,7 @@
         </p:nvSpPr>
         <p:spPr>
           <a:xfrm>
-            <a:off x="4444717" y="2430086"/>
+            <a:off x="2852857" y="2264607"/>
             <a:ext cx="1627452" cy="646331"/>
           </a:xfrm>
           <a:prstGeom prst="roundRect">
@@ -10715,8 +10456,8 @@
         </p:nvSpPr>
         <p:spPr>
           <a:xfrm>
-            <a:off x="6609581" y="2321605"/>
-            <a:ext cx="1101390" cy="2080996"/>
+            <a:off x="5017720" y="2230836"/>
+            <a:ext cx="1684823" cy="707724"/>
           </a:xfrm>
           <a:prstGeom prst="roundRect">
             <a:avLst/>
@@ -10759,7 +10500,7 @@
         </p:nvSpPr>
         <p:spPr>
           <a:xfrm>
-            <a:off x="8410445" y="2458123"/>
+            <a:off x="7387991" y="2221034"/>
             <a:ext cx="1344602" cy="727328"/>
           </a:xfrm>
           <a:prstGeom prst="roundRect">
@@ -10792,14 +10533,15 @@
           <a:p>
             <a:pPr algn="ctr"/>
             <a:r>
-              <a:rPr lang="en-US" altLang="zh-CN" dirty="0" smtClean="0"/>
-              <a:t>SGD</a:t>
-            </a:r>
+              <a:rPr lang="en-US" altLang="zh-CN" sz="2000" b="1" dirty="0" smtClean="0"/>
+              <a:t>SVM</a:t>
+            </a:r>
+            <a:endParaRPr lang="en-US" altLang="zh-CN" b="1" dirty="0" smtClean="0"/>
           </a:p>
           <a:p>
             <a:pPr algn="ctr"/>
             <a:r>
-              <a:rPr lang="en-US" altLang="zh-CN" dirty="0" smtClean="0"/>
+              <a:rPr lang="en-US" altLang="zh-CN" sz="2000" dirty="0" smtClean="0"/>
               <a:t>Training</a:t>
             </a:r>
             <a:endParaRPr lang="zh-CN" altLang="en-US" dirty="0"/>
@@ -10814,7 +10556,7 @@
         </p:nvCxnSpPr>
         <p:spPr>
           <a:xfrm>
-            <a:off x="3788593" y="2753251"/>
+            <a:off x="2196733" y="2587772"/>
             <a:ext cx="603541" cy="4113"/>
           </a:xfrm>
           <a:prstGeom prst="straightConnector1">
@@ -10850,7 +10592,7 @@
         </p:nvCxnSpPr>
         <p:spPr>
           <a:xfrm>
-            <a:off x="6143209" y="2753251"/>
+            <a:off x="4551349" y="2587772"/>
             <a:ext cx="401933" cy="0"/>
           </a:xfrm>
           <a:prstGeom prst="straightConnector1">
@@ -10886,7 +10628,7 @@
         </p:nvCxnSpPr>
         <p:spPr>
           <a:xfrm flipV="1">
-            <a:off x="7838304" y="2753251"/>
+            <a:off x="6850211" y="2584698"/>
             <a:ext cx="456099" cy="3074"/>
           </a:xfrm>
           <a:prstGeom prst="straightConnector1">
@@ -10921,9 +10663,9 @@
           <p:nvPr/>
         </p:nvCxnSpPr>
         <p:spPr>
-          <a:xfrm flipV="1">
-            <a:off x="7812610" y="3966810"/>
-            <a:ext cx="481793" cy="758"/>
+          <a:xfrm>
+            <a:off x="5851670" y="2975729"/>
+            <a:ext cx="5198" cy="432786"/>
           </a:xfrm>
           <a:prstGeom prst="straightConnector1">
             <a:avLst/>
@@ -10932,6 +10674,7 @@
             <a:solidFill>
               <a:schemeClr val="tx1"/>
             </a:solidFill>
+            <a:prstDash val="sysDot"/>
             <a:tailEnd type="triangle"/>
           </a:ln>
         </p:spPr>
@@ -10958,7 +10701,7 @@
         </p:nvCxnSpPr>
         <p:spPr>
           <a:xfrm>
-            <a:off x="3788593" y="3966810"/>
+            <a:off x="2196733" y="3801331"/>
             <a:ext cx="2673319" cy="8781"/>
           </a:xfrm>
           <a:prstGeom prst="straightConnector1">
@@ -10988,62 +10731,14 @@
       </p:cxnSp>
       <p:sp>
         <p:nvSpPr>
-          <p:cNvPr id="16" name="圆角矩形 15"/>
-          <p:cNvSpPr/>
-          <p:nvPr/>
-        </p:nvSpPr>
-        <p:spPr>
-          <a:xfrm>
-            <a:off x="8410445" y="3618434"/>
-            <a:ext cx="1344602" cy="714314"/>
-          </a:xfrm>
-          <a:prstGeom prst="roundRect">
-            <a:avLst/>
-          </a:prstGeom>
-          <a:noFill/>
-          <a:ln w="28575">
-            <a:solidFill>
-              <a:schemeClr val="tx1"/>
-            </a:solidFill>
-          </a:ln>
-        </p:spPr>
-        <p:style>
-          <a:lnRef idx="2">
-            <a:schemeClr val="accent6"/>
-          </a:lnRef>
-          <a:fillRef idx="1">
-            <a:schemeClr val="lt1"/>
-          </a:fillRef>
-          <a:effectRef idx="0">
-            <a:schemeClr val="accent6"/>
-          </a:effectRef>
-          <a:fontRef idx="minor">
-            <a:schemeClr val="dk1"/>
-          </a:fontRef>
-        </p:style>
-        <p:txBody>
-          <a:bodyPr rtlCol="0" anchor="ctr"/>
-          <a:lstStyle/>
-          <a:p>
-            <a:pPr algn="ctr"/>
-            <a:r>
-              <a:rPr lang="en-US" altLang="zh-CN" dirty="0" smtClean="0"/>
-              <a:t>Prediction</a:t>
-            </a:r>
-            <a:endParaRPr lang="zh-CN" altLang="en-US" dirty="0"/>
-          </a:p>
-        </p:txBody>
-      </p:sp>
-      <p:sp>
-        <p:nvSpPr>
           <p:cNvPr id="19" name="文本框 18"/>
           <p:cNvSpPr txBox="1"/>
           <p:nvPr/>
         </p:nvSpPr>
         <p:spPr>
           <a:xfrm>
-            <a:off x="6595942" y="3024846"/>
-            <a:ext cx="1047403" cy="646331"/>
+            <a:off x="4989054" y="2258990"/>
+            <a:ext cx="1787323" cy="984885"/>
           </a:xfrm>
           <a:prstGeom prst="rect">
             <a:avLst/>
@@ -11058,15 +10753,25 @@
           <a:p>
             <a:pPr algn="ctr"/>
             <a:r>
-              <a:rPr lang="en-US" altLang="zh-CN" b="1" dirty="0" smtClean="0"/>
-              <a:t>Deep</a:t>
-            </a:r>
-          </a:p>
-          <a:p>
-            <a:r>
-              <a:rPr lang="en-US" altLang="zh-CN" b="1" dirty="0" err="1" smtClean="0"/>
+              <a:rPr lang="en-US" altLang="zh-CN" sz="2000" b="1" dirty="0" smtClean="0"/>
+              <a:t>Deep </a:t>
+            </a:r>
+            <a:r>
+              <a:rPr lang="en-US" altLang="zh-CN" sz="2000" b="1" dirty="0" err="1" smtClean="0"/>
               <a:t>ConvNet</a:t>
             </a:r>
+            <a:endParaRPr lang="en-US" altLang="zh-CN" sz="2000" b="1" dirty="0" smtClean="0"/>
+          </a:p>
+          <a:p>
+            <a:pPr algn="ctr"/>
+            <a:r>
+              <a:rPr lang="en-US" altLang="zh-CN" sz="2000" dirty="0" smtClean="0"/>
+              <a:t>SGD Training</a:t>
+            </a:r>
+            <a:endParaRPr lang="zh-CN" altLang="en-US" sz="2000" dirty="0"/>
+          </a:p>
+          <a:p>
+            <a:pPr algn="ctr"/>
             <a:endParaRPr lang="zh-CN" altLang="en-US" b="1" dirty="0"/>
           </a:p>
         </p:txBody>
@@ -11079,7 +10784,7 @@
         </p:nvSpPr>
         <p:spPr>
           <a:xfrm>
-            <a:off x="2561611" y="2372251"/>
+            <a:off x="969751" y="2206772"/>
             <a:ext cx="1143000" cy="762000"/>
           </a:xfrm>
           <a:prstGeom prst="roundRect">
@@ -11132,7 +10837,7 @@
         </p:nvSpPr>
         <p:spPr>
           <a:xfrm>
-            <a:off x="2561611" y="3618434"/>
+            <a:off x="969751" y="3452955"/>
             <a:ext cx="1143000" cy="762000"/>
           </a:xfrm>
           <a:prstGeom prst="roundRect">
@@ -11179,6 +10884,300 @@
                 </a:solidFill>
               </a:rPr>
               <a:t>Images</a:t>
+            </a:r>
+            <a:endParaRPr lang="zh-CN" altLang="en-US" dirty="0">
+              <a:solidFill>
+                <a:schemeClr val="tx1"/>
+              </a:solidFill>
+            </a:endParaRPr>
+          </a:p>
+        </p:txBody>
+      </p:sp>
+      <p:sp>
+        <p:nvSpPr>
+          <p:cNvPr id="21" name="文本框 20"/>
+          <p:cNvSpPr txBox="1"/>
+          <p:nvPr/>
+        </p:nvSpPr>
+        <p:spPr>
+          <a:xfrm>
+            <a:off x="4908448" y="3614334"/>
+            <a:ext cx="1948533" cy="677108"/>
+          </a:xfrm>
+          <a:prstGeom prst="rect">
+            <a:avLst/>
+          </a:prstGeom>
+          <a:noFill/>
+        </p:spPr>
+        <p:txBody>
+          <a:bodyPr wrap="square" rtlCol="0">
+            <a:spAutoFit/>
+          </a:bodyPr>
+          <a:lstStyle/>
+          <a:p>
+            <a:pPr algn="ctr"/>
+            <a:r>
+              <a:rPr lang="en-US" altLang="zh-CN" sz="2000" b="1" dirty="0" smtClean="0"/>
+              <a:t>Deep </a:t>
+            </a:r>
+            <a:r>
+              <a:rPr lang="en-US" altLang="zh-CN" sz="2000" b="1" dirty="0" err="1" smtClean="0"/>
+              <a:t>ConvNet</a:t>
+            </a:r>
+            <a:endParaRPr lang="en-US" altLang="zh-CN" sz="2000" b="1" dirty="0" smtClean="0"/>
+          </a:p>
+          <a:p>
+            <a:pPr algn="ctr"/>
+            <a:endParaRPr lang="zh-CN" altLang="en-US" b="1" dirty="0"/>
+          </a:p>
+        </p:txBody>
+      </p:sp>
+      <p:sp>
+        <p:nvSpPr>
+          <p:cNvPr id="26" name="圆角矩形 25"/>
+          <p:cNvSpPr/>
+          <p:nvPr/>
+        </p:nvSpPr>
+        <p:spPr>
+          <a:xfrm>
+            <a:off x="5014457" y="3438465"/>
+            <a:ext cx="1684823" cy="707724"/>
+          </a:xfrm>
+          <a:prstGeom prst="roundRect">
+            <a:avLst/>
+          </a:prstGeom>
+          <a:noFill/>
+          <a:ln w="28575">
+            <a:solidFill>
+              <a:schemeClr val="tx1"/>
+            </a:solidFill>
+            <a:prstDash val="sysDash"/>
+          </a:ln>
+        </p:spPr>
+        <p:style>
+          <a:lnRef idx="2">
+            <a:schemeClr val="accent6"/>
+          </a:lnRef>
+          <a:fillRef idx="1">
+            <a:schemeClr val="lt1"/>
+          </a:fillRef>
+          <a:effectRef idx="0">
+            <a:schemeClr val="accent6"/>
+          </a:effectRef>
+          <a:fontRef idx="minor">
+            <a:schemeClr val="dk1"/>
+          </a:fontRef>
+        </p:style>
+        <p:txBody>
+          <a:bodyPr rtlCol="0" anchor="ctr"/>
+          <a:lstStyle/>
+          <a:p>
+            <a:pPr algn="ctr"/>
+            <a:endParaRPr lang="zh-CN" altLang="en-US" dirty="0"/>
+          </a:p>
+        </p:txBody>
+      </p:sp>
+      <p:sp>
+        <p:nvSpPr>
+          <p:cNvPr id="30" name="圆角矩形 29"/>
+          <p:cNvSpPr/>
+          <p:nvPr/>
+        </p:nvSpPr>
+        <p:spPr>
+          <a:xfrm>
+            <a:off x="7387991" y="3418861"/>
+            <a:ext cx="1344602" cy="727328"/>
+          </a:xfrm>
+          <a:prstGeom prst="roundRect">
+            <a:avLst/>
+          </a:prstGeom>
+          <a:noFill/>
+          <a:ln w="28575">
+            <a:solidFill>
+              <a:schemeClr val="tx1"/>
+            </a:solidFill>
+            <a:prstDash val="sysDash"/>
+          </a:ln>
+        </p:spPr>
+        <p:style>
+          <a:lnRef idx="2">
+            <a:schemeClr val="accent6"/>
+          </a:lnRef>
+          <a:fillRef idx="1">
+            <a:schemeClr val="lt1"/>
+          </a:fillRef>
+          <a:effectRef idx="0">
+            <a:schemeClr val="accent6"/>
+          </a:effectRef>
+          <a:fontRef idx="minor">
+            <a:schemeClr val="dk1"/>
+          </a:fontRef>
+        </p:style>
+        <p:txBody>
+          <a:bodyPr rtlCol="0" anchor="ctr"/>
+          <a:lstStyle/>
+          <a:p>
+            <a:pPr algn="ctr"/>
+            <a:r>
+              <a:rPr lang="en-US" altLang="zh-CN" sz="2400" b="1" dirty="0" smtClean="0"/>
+              <a:t>SVM</a:t>
+            </a:r>
+          </a:p>
+        </p:txBody>
+      </p:sp>
+      <p:cxnSp>
+        <p:nvCxnSpPr>
+          <p:cNvPr id="31" name="直接箭头连接符 30"/>
+          <p:cNvCxnSpPr/>
+          <p:nvPr/>
+        </p:nvCxnSpPr>
+        <p:spPr>
+          <a:xfrm flipV="1">
+            <a:off x="6840946" y="3786375"/>
+            <a:ext cx="456099" cy="3074"/>
+          </a:xfrm>
+          <a:prstGeom prst="straightConnector1">
+            <a:avLst/>
+          </a:prstGeom>
+          <a:ln w="38100">
+            <a:solidFill>
+              <a:schemeClr val="tx1"/>
+            </a:solidFill>
+            <a:tailEnd type="triangle"/>
+          </a:ln>
+        </p:spPr>
+        <p:style>
+          <a:lnRef idx="1">
+            <a:schemeClr val="accent1"/>
+          </a:lnRef>
+          <a:fillRef idx="0">
+            <a:schemeClr val="accent1"/>
+          </a:fillRef>
+          <a:effectRef idx="0">
+            <a:schemeClr val="accent1"/>
+          </a:effectRef>
+          <a:fontRef idx="minor">
+            <a:schemeClr val="tx1"/>
+          </a:fontRef>
+        </p:style>
+      </p:cxnSp>
+      <p:cxnSp>
+        <p:nvCxnSpPr>
+          <p:cNvPr id="34" name="直接箭头连接符 33"/>
+          <p:cNvCxnSpPr/>
+          <p:nvPr/>
+        </p:nvCxnSpPr>
+        <p:spPr>
+          <a:xfrm>
+            <a:off x="8060292" y="2969045"/>
+            <a:ext cx="5198" cy="432786"/>
+          </a:xfrm>
+          <a:prstGeom prst="straightConnector1">
+            <a:avLst/>
+          </a:prstGeom>
+          <a:ln w="38100">
+            <a:solidFill>
+              <a:schemeClr val="tx1"/>
+            </a:solidFill>
+            <a:prstDash val="sysDot"/>
+            <a:tailEnd type="triangle"/>
+          </a:ln>
+        </p:spPr>
+        <p:style>
+          <a:lnRef idx="1">
+            <a:schemeClr val="accent1"/>
+          </a:lnRef>
+          <a:fillRef idx="0">
+            <a:schemeClr val="accent1"/>
+          </a:fillRef>
+          <a:effectRef idx="0">
+            <a:schemeClr val="accent1"/>
+          </a:effectRef>
+          <a:fontRef idx="minor">
+            <a:schemeClr val="tx1"/>
+          </a:fontRef>
+        </p:style>
+      </p:cxnSp>
+      <p:cxnSp>
+        <p:nvCxnSpPr>
+          <p:cNvPr id="35" name="直接箭头连接符 34"/>
+          <p:cNvCxnSpPr/>
+          <p:nvPr/>
+        </p:nvCxnSpPr>
+        <p:spPr>
+          <a:xfrm flipV="1">
+            <a:off x="8822295" y="3751944"/>
+            <a:ext cx="456099" cy="3074"/>
+          </a:xfrm>
+          <a:prstGeom prst="straightConnector1">
+            <a:avLst/>
+          </a:prstGeom>
+          <a:ln w="38100">
+            <a:solidFill>
+              <a:schemeClr val="tx1"/>
+            </a:solidFill>
+            <a:tailEnd type="triangle"/>
+          </a:ln>
+        </p:spPr>
+        <p:style>
+          <a:lnRef idx="1">
+            <a:schemeClr val="accent1"/>
+          </a:lnRef>
+          <a:fillRef idx="0">
+            <a:schemeClr val="accent1"/>
+          </a:fillRef>
+          <a:effectRef idx="0">
+            <a:schemeClr val="accent1"/>
+          </a:effectRef>
+          <a:fontRef idx="minor">
+            <a:schemeClr val="tx1"/>
+          </a:fontRef>
+        </p:style>
+      </p:cxnSp>
+      <p:sp>
+        <p:nvSpPr>
+          <p:cNvPr id="36" name="圆角矩形 35"/>
+          <p:cNvSpPr/>
+          <p:nvPr/>
+        </p:nvSpPr>
+        <p:spPr>
+          <a:xfrm>
+            <a:off x="9368096" y="3510700"/>
+            <a:ext cx="1316776" cy="482488"/>
+          </a:xfrm>
+          <a:prstGeom prst="roundRect">
+            <a:avLst/>
+          </a:prstGeom>
+          <a:noFill/>
+        </p:spPr>
+        <p:style>
+          <a:lnRef idx="2">
+            <a:schemeClr val="accent1">
+              <a:shade val="50000"/>
+            </a:schemeClr>
+          </a:lnRef>
+          <a:fillRef idx="1">
+            <a:schemeClr val="accent1"/>
+          </a:fillRef>
+          <a:effectRef idx="0">
+            <a:schemeClr val="accent1"/>
+          </a:effectRef>
+          <a:fontRef idx="minor">
+            <a:schemeClr val="lt1"/>
+          </a:fontRef>
+        </p:style>
+        <p:txBody>
+          <a:bodyPr rtlCol="0" anchor="ctr"/>
+          <a:lstStyle/>
+          <a:p>
+            <a:pPr algn="ctr"/>
+            <a:r>
+              <a:rPr lang="en-US" altLang="zh-CN" dirty="0" smtClean="0">
+                <a:solidFill>
+                  <a:schemeClr val="tx1"/>
+                </a:solidFill>
+              </a:rPr>
+              <a:t>Prediction</a:t>
             </a:r>
             <a:endParaRPr lang="zh-CN" altLang="en-US" dirty="0">
               <a:solidFill>

--- a/proposal/fig/pptx/fig.pptx
+++ b/proposal/fig/pptx/fig.pptx
@@ -5,10 +5,11 @@
     <p:sldMasterId id="2147483648" r:id="rId1"/>
   </p:sldMasterIdLst>
   <p:sldIdLst>
-    <p:sldId id="256" r:id="rId2"/>
-    <p:sldId id="259" r:id="rId3"/>
-    <p:sldId id="258" r:id="rId4"/>
-    <p:sldId id="257" r:id="rId5"/>
+    <p:sldId id="257" r:id="rId2"/>
+    <p:sldId id="256" r:id="rId3"/>
+    <p:sldId id="259" r:id="rId4"/>
+    <p:sldId id="258" r:id="rId5"/>
+    <p:sldId id="260" r:id="rId6"/>
   </p:sldIdLst>
   <p:sldSz cx="12192000" cy="6858000"/>
   <p:notesSz cx="6858000" cy="9144000"/>
@@ -246,7 +247,7 @@
           <a:p>
             <a:fld id="{29AF6966-A338-46CE-95D1-A9837A00343A}" type="datetimeFigureOut">
               <a:rPr lang="zh-CN" altLang="en-US" smtClean="0"/>
-              <a:t>2017/4/10</a:t>
+              <a:t>2017/4/13</a:t>
             </a:fld>
             <a:endParaRPr lang="zh-CN" altLang="en-US"/>
           </a:p>
@@ -416,7 +417,7 @@
           <a:p>
             <a:fld id="{29AF6966-A338-46CE-95D1-A9837A00343A}" type="datetimeFigureOut">
               <a:rPr lang="zh-CN" altLang="en-US" smtClean="0"/>
-              <a:t>2017/4/10</a:t>
+              <a:t>2017/4/13</a:t>
             </a:fld>
             <a:endParaRPr lang="zh-CN" altLang="en-US"/>
           </a:p>
@@ -596,7 +597,7 @@
           <a:p>
             <a:fld id="{29AF6966-A338-46CE-95D1-A9837A00343A}" type="datetimeFigureOut">
               <a:rPr lang="zh-CN" altLang="en-US" smtClean="0"/>
-              <a:t>2017/4/10</a:t>
+              <a:t>2017/4/13</a:t>
             </a:fld>
             <a:endParaRPr lang="zh-CN" altLang="en-US"/>
           </a:p>
@@ -766,7 +767,7 @@
           <a:p>
             <a:fld id="{29AF6966-A338-46CE-95D1-A9837A00343A}" type="datetimeFigureOut">
               <a:rPr lang="zh-CN" altLang="en-US" smtClean="0"/>
-              <a:t>2017/4/10</a:t>
+              <a:t>2017/4/13</a:t>
             </a:fld>
             <a:endParaRPr lang="zh-CN" altLang="en-US"/>
           </a:p>
@@ -1012,7 +1013,7 @@
           <a:p>
             <a:fld id="{29AF6966-A338-46CE-95D1-A9837A00343A}" type="datetimeFigureOut">
               <a:rPr lang="zh-CN" altLang="en-US" smtClean="0"/>
-              <a:t>2017/4/10</a:t>
+              <a:t>2017/4/13</a:t>
             </a:fld>
             <a:endParaRPr lang="zh-CN" altLang="en-US"/>
           </a:p>
@@ -1244,7 +1245,7 @@
           <a:p>
             <a:fld id="{29AF6966-A338-46CE-95D1-A9837A00343A}" type="datetimeFigureOut">
               <a:rPr lang="zh-CN" altLang="en-US" smtClean="0"/>
-              <a:t>2017/4/10</a:t>
+              <a:t>2017/4/13</a:t>
             </a:fld>
             <a:endParaRPr lang="zh-CN" altLang="en-US"/>
           </a:p>
@@ -1611,7 +1612,7 @@
           <a:p>
             <a:fld id="{29AF6966-A338-46CE-95D1-A9837A00343A}" type="datetimeFigureOut">
               <a:rPr lang="zh-CN" altLang="en-US" smtClean="0"/>
-              <a:t>2017/4/10</a:t>
+              <a:t>2017/4/13</a:t>
             </a:fld>
             <a:endParaRPr lang="zh-CN" altLang="en-US"/>
           </a:p>
@@ -1729,7 +1730,7 @@
           <a:p>
             <a:fld id="{29AF6966-A338-46CE-95D1-A9837A00343A}" type="datetimeFigureOut">
               <a:rPr lang="zh-CN" altLang="en-US" smtClean="0"/>
-              <a:t>2017/4/10</a:t>
+              <a:t>2017/4/13</a:t>
             </a:fld>
             <a:endParaRPr lang="zh-CN" altLang="en-US"/>
           </a:p>
@@ -1824,7 +1825,7 @@
           <a:p>
             <a:fld id="{29AF6966-A338-46CE-95D1-A9837A00343A}" type="datetimeFigureOut">
               <a:rPr lang="zh-CN" altLang="en-US" smtClean="0"/>
-              <a:t>2017/4/10</a:t>
+              <a:t>2017/4/13</a:t>
             </a:fld>
             <a:endParaRPr lang="zh-CN" altLang="en-US"/>
           </a:p>
@@ -2101,7 +2102,7 @@
           <a:p>
             <a:fld id="{29AF6966-A338-46CE-95D1-A9837A00343A}" type="datetimeFigureOut">
               <a:rPr lang="zh-CN" altLang="en-US" smtClean="0"/>
-              <a:t>2017/4/10</a:t>
+              <a:t>2017/4/13</a:t>
             </a:fld>
             <a:endParaRPr lang="zh-CN" altLang="en-US"/>
           </a:p>
@@ -2354,7 +2355,7 @@
           <a:p>
             <a:fld id="{29AF6966-A338-46CE-95D1-A9837A00343A}" type="datetimeFigureOut">
               <a:rPr lang="zh-CN" altLang="en-US" smtClean="0"/>
-              <a:t>2017/4/10</a:t>
+              <a:t>2017/4/13</a:t>
             </a:fld>
             <a:endParaRPr lang="zh-CN" altLang="en-US"/>
           </a:p>
@@ -2567,7 +2568,7 @@
           <a:p>
             <a:fld id="{29AF6966-A338-46CE-95D1-A9837A00343A}" type="datetimeFigureOut">
               <a:rPr lang="zh-CN" altLang="en-US" smtClean="0"/>
-              <a:t>2017/4/10</a:t>
+              <a:t>2017/4/13</a:t>
             </a:fld>
             <a:endParaRPr lang="zh-CN" altLang="en-US"/>
           </a:p>
@@ -2974,6 +2975,921 @@
       </p:grpSpPr>
       <p:sp>
         <p:nvSpPr>
+          <p:cNvPr id="18" name="圆角矩形 17"/>
+          <p:cNvSpPr/>
+          <p:nvPr/>
+        </p:nvSpPr>
+        <p:spPr>
+          <a:xfrm>
+            <a:off x="3349175" y="1670288"/>
+            <a:ext cx="6454278" cy="1214315"/>
+          </a:xfrm>
+          <a:prstGeom prst="roundRect">
+            <a:avLst/>
+          </a:prstGeom>
+          <a:solidFill>
+            <a:schemeClr val="accent6">
+              <a:lumMod val="20000"/>
+              <a:lumOff val="80000"/>
+            </a:schemeClr>
+          </a:solidFill>
+          <a:ln w="28575">
+            <a:solidFill>
+              <a:schemeClr val="bg1"/>
+            </a:solidFill>
+          </a:ln>
+        </p:spPr>
+        <p:style>
+          <a:lnRef idx="2">
+            <a:schemeClr val="accent6"/>
+          </a:lnRef>
+          <a:fillRef idx="1">
+            <a:schemeClr val="lt1"/>
+          </a:fillRef>
+          <a:effectRef idx="0">
+            <a:schemeClr val="accent6"/>
+          </a:effectRef>
+          <a:fontRef idx="minor">
+            <a:schemeClr val="dk1"/>
+          </a:fontRef>
+        </p:style>
+        <p:txBody>
+          <a:bodyPr rtlCol="0" anchor="ctr"/>
+          <a:lstStyle/>
+          <a:p>
+            <a:pPr algn="ctr"/>
+            <a:endParaRPr lang="zh-CN" altLang="en-US" dirty="0"/>
+          </a:p>
+        </p:txBody>
+      </p:sp>
+      <p:sp>
+        <p:nvSpPr>
+          <p:cNvPr id="17" name="圆角矩形 16"/>
+          <p:cNvSpPr/>
+          <p:nvPr/>
+        </p:nvSpPr>
+        <p:spPr>
+          <a:xfrm>
+            <a:off x="3349175" y="2809985"/>
+            <a:ext cx="6454278" cy="1125792"/>
+          </a:xfrm>
+          <a:prstGeom prst="roundRect">
+            <a:avLst/>
+          </a:prstGeom>
+          <a:solidFill>
+            <a:schemeClr val="accent2">
+              <a:lumMod val="20000"/>
+              <a:lumOff val="80000"/>
+            </a:schemeClr>
+          </a:solidFill>
+          <a:ln w="28575">
+            <a:solidFill>
+              <a:schemeClr val="bg1"/>
+            </a:solidFill>
+          </a:ln>
+        </p:spPr>
+        <p:style>
+          <a:lnRef idx="2">
+            <a:schemeClr val="accent6"/>
+          </a:lnRef>
+          <a:fillRef idx="1">
+            <a:schemeClr val="lt1"/>
+          </a:fillRef>
+          <a:effectRef idx="0">
+            <a:schemeClr val="accent6"/>
+          </a:effectRef>
+          <a:fontRef idx="minor">
+            <a:schemeClr val="dk1"/>
+          </a:fontRef>
+        </p:style>
+        <p:txBody>
+          <a:bodyPr rtlCol="0" anchor="ctr"/>
+          <a:lstStyle/>
+          <a:p>
+            <a:pPr algn="ctr"/>
+            <a:endParaRPr lang="zh-CN" altLang="en-US"/>
+          </a:p>
+        </p:txBody>
+      </p:sp>
+      <p:sp>
+        <p:nvSpPr>
+          <p:cNvPr id="4" name="圆角矩形 3"/>
+          <p:cNvSpPr/>
+          <p:nvPr/>
+        </p:nvSpPr>
+        <p:spPr>
+          <a:xfrm>
+            <a:off x="3766689" y="1882470"/>
+            <a:ext cx="1624658" cy="646331"/>
+          </a:xfrm>
+          <a:prstGeom prst="roundRect">
+            <a:avLst/>
+          </a:prstGeom>
+          <a:noFill/>
+          <a:ln w="28575">
+            <a:solidFill>
+              <a:schemeClr val="tx1"/>
+            </a:solidFill>
+          </a:ln>
+        </p:spPr>
+        <p:style>
+          <a:lnRef idx="2">
+            <a:schemeClr val="accent6"/>
+          </a:lnRef>
+          <a:fillRef idx="1">
+            <a:schemeClr val="lt1"/>
+          </a:fillRef>
+          <a:effectRef idx="0">
+            <a:schemeClr val="accent6"/>
+          </a:effectRef>
+          <a:fontRef idx="minor">
+            <a:schemeClr val="dk1"/>
+          </a:fontRef>
+        </p:style>
+        <p:txBody>
+          <a:bodyPr rtlCol="0" anchor="ctr"/>
+          <a:lstStyle/>
+          <a:p>
+            <a:pPr algn="ctr"/>
+            <a:r>
+              <a:rPr lang="en-US" altLang="zh-CN" dirty="0" smtClean="0"/>
+              <a:t>Data Augmentation</a:t>
+            </a:r>
+            <a:endParaRPr lang="zh-CN" altLang="en-US" dirty="0"/>
+          </a:p>
+        </p:txBody>
+      </p:sp>
+      <p:sp>
+        <p:nvSpPr>
+          <p:cNvPr id="5" name="圆角矩形 4"/>
+          <p:cNvSpPr/>
+          <p:nvPr/>
+        </p:nvSpPr>
+        <p:spPr>
+          <a:xfrm>
+            <a:off x="5931552" y="1848699"/>
+            <a:ext cx="1684823" cy="707724"/>
+          </a:xfrm>
+          <a:prstGeom prst="roundRect">
+            <a:avLst/>
+          </a:prstGeom>
+          <a:noFill/>
+          <a:ln w="28575">
+            <a:solidFill>
+              <a:schemeClr val="tx1"/>
+            </a:solidFill>
+          </a:ln>
+        </p:spPr>
+        <p:style>
+          <a:lnRef idx="2">
+            <a:schemeClr val="accent6"/>
+          </a:lnRef>
+          <a:fillRef idx="1">
+            <a:schemeClr val="lt1"/>
+          </a:fillRef>
+          <a:effectRef idx="0">
+            <a:schemeClr val="accent6"/>
+          </a:effectRef>
+          <a:fontRef idx="minor">
+            <a:schemeClr val="dk1"/>
+          </a:fontRef>
+        </p:style>
+        <p:txBody>
+          <a:bodyPr rtlCol="0" anchor="ctr"/>
+          <a:lstStyle/>
+          <a:p>
+            <a:pPr algn="ctr"/>
+            <a:endParaRPr lang="zh-CN" altLang="en-US" dirty="0"/>
+          </a:p>
+        </p:txBody>
+      </p:sp>
+      <p:sp>
+        <p:nvSpPr>
+          <p:cNvPr id="6" name="圆角矩形 5"/>
+          <p:cNvSpPr/>
+          <p:nvPr/>
+        </p:nvSpPr>
+        <p:spPr>
+          <a:xfrm>
+            <a:off x="8301823" y="1838897"/>
+            <a:ext cx="1344602" cy="727328"/>
+          </a:xfrm>
+          <a:prstGeom prst="roundRect">
+            <a:avLst/>
+          </a:prstGeom>
+          <a:noFill/>
+          <a:ln w="28575">
+            <a:solidFill>
+              <a:schemeClr val="tx1"/>
+            </a:solidFill>
+          </a:ln>
+        </p:spPr>
+        <p:style>
+          <a:lnRef idx="2">
+            <a:schemeClr val="accent6"/>
+          </a:lnRef>
+          <a:fillRef idx="1">
+            <a:schemeClr val="lt1"/>
+          </a:fillRef>
+          <a:effectRef idx="0">
+            <a:schemeClr val="accent6"/>
+          </a:effectRef>
+          <a:fontRef idx="minor">
+            <a:schemeClr val="dk1"/>
+          </a:fontRef>
+        </p:style>
+        <p:txBody>
+          <a:bodyPr rtlCol="0" anchor="ctr"/>
+          <a:lstStyle/>
+          <a:p>
+            <a:pPr algn="ctr"/>
+            <a:r>
+              <a:rPr lang="en-US" altLang="zh-CN" sz="2000" b="1" dirty="0" smtClean="0"/>
+              <a:t>SVM</a:t>
+            </a:r>
+            <a:endParaRPr lang="en-US" altLang="zh-CN" b="1" dirty="0" smtClean="0"/>
+          </a:p>
+          <a:p>
+            <a:pPr algn="ctr"/>
+            <a:r>
+              <a:rPr lang="en-US" altLang="zh-CN" sz="2000" dirty="0" smtClean="0"/>
+              <a:t>Training</a:t>
+            </a:r>
+            <a:endParaRPr lang="zh-CN" altLang="en-US" dirty="0"/>
+          </a:p>
+        </p:txBody>
+      </p:sp>
+      <p:cxnSp>
+        <p:nvCxnSpPr>
+          <p:cNvPr id="8" name="直接箭头连接符 7"/>
+          <p:cNvCxnSpPr/>
+          <p:nvPr/>
+        </p:nvCxnSpPr>
+        <p:spPr>
+          <a:xfrm>
+            <a:off x="3110565" y="2205635"/>
+            <a:ext cx="603541" cy="4113"/>
+          </a:xfrm>
+          <a:prstGeom prst="straightConnector1">
+            <a:avLst/>
+          </a:prstGeom>
+          <a:ln w="38100">
+            <a:solidFill>
+              <a:schemeClr val="tx1"/>
+            </a:solidFill>
+            <a:tailEnd type="triangle"/>
+          </a:ln>
+        </p:spPr>
+        <p:style>
+          <a:lnRef idx="1">
+            <a:schemeClr val="accent1"/>
+          </a:lnRef>
+          <a:fillRef idx="0">
+            <a:schemeClr val="accent1"/>
+          </a:fillRef>
+          <a:effectRef idx="0">
+            <a:schemeClr val="accent1"/>
+          </a:effectRef>
+          <a:fontRef idx="minor">
+            <a:schemeClr val="tx1"/>
+          </a:fontRef>
+        </p:style>
+      </p:cxnSp>
+      <p:cxnSp>
+        <p:nvCxnSpPr>
+          <p:cNvPr id="10" name="直接箭头连接符 9"/>
+          <p:cNvCxnSpPr/>
+          <p:nvPr/>
+        </p:nvCxnSpPr>
+        <p:spPr>
+          <a:xfrm>
+            <a:off x="5465181" y="2205635"/>
+            <a:ext cx="401933" cy="0"/>
+          </a:xfrm>
+          <a:prstGeom prst="straightConnector1">
+            <a:avLst/>
+          </a:prstGeom>
+          <a:ln w="38100">
+            <a:solidFill>
+              <a:schemeClr val="tx1"/>
+            </a:solidFill>
+            <a:tailEnd type="triangle"/>
+          </a:ln>
+        </p:spPr>
+        <p:style>
+          <a:lnRef idx="1">
+            <a:schemeClr val="accent1"/>
+          </a:lnRef>
+          <a:fillRef idx="0">
+            <a:schemeClr val="accent1"/>
+          </a:fillRef>
+          <a:effectRef idx="0">
+            <a:schemeClr val="accent1"/>
+          </a:effectRef>
+          <a:fontRef idx="minor">
+            <a:schemeClr val="tx1"/>
+          </a:fontRef>
+        </p:style>
+      </p:cxnSp>
+      <p:cxnSp>
+        <p:nvCxnSpPr>
+          <p:cNvPr id="12" name="直接箭头连接符 11"/>
+          <p:cNvCxnSpPr/>
+          <p:nvPr/>
+        </p:nvCxnSpPr>
+        <p:spPr>
+          <a:xfrm flipV="1">
+            <a:off x="7764043" y="2202561"/>
+            <a:ext cx="456099" cy="3074"/>
+          </a:xfrm>
+          <a:prstGeom prst="straightConnector1">
+            <a:avLst/>
+          </a:prstGeom>
+          <a:ln w="38100">
+            <a:solidFill>
+              <a:schemeClr val="tx1"/>
+            </a:solidFill>
+            <a:tailEnd type="triangle"/>
+          </a:ln>
+        </p:spPr>
+        <p:style>
+          <a:lnRef idx="1">
+            <a:schemeClr val="accent1"/>
+          </a:lnRef>
+          <a:fillRef idx="0">
+            <a:schemeClr val="accent1"/>
+          </a:fillRef>
+          <a:effectRef idx="0">
+            <a:schemeClr val="accent1"/>
+          </a:effectRef>
+          <a:fontRef idx="minor">
+            <a:schemeClr val="tx1"/>
+          </a:fontRef>
+        </p:style>
+      </p:cxnSp>
+      <p:cxnSp>
+        <p:nvCxnSpPr>
+          <p:cNvPr id="14" name="直接箭头连接符 13"/>
+          <p:cNvCxnSpPr/>
+          <p:nvPr/>
+        </p:nvCxnSpPr>
+        <p:spPr>
+          <a:xfrm>
+            <a:off x="6765502" y="2593592"/>
+            <a:ext cx="5198" cy="432786"/>
+          </a:xfrm>
+          <a:prstGeom prst="straightConnector1">
+            <a:avLst/>
+          </a:prstGeom>
+          <a:ln w="38100">
+            <a:solidFill>
+              <a:schemeClr val="tx1"/>
+            </a:solidFill>
+            <a:prstDash val="sysDot"/>
+            <a:tailEnd type="triangle"/>
+          </a:ln>
+        </p:spPr>
+        <p:style>
+          <a:lnRef idx="1">
+            <a:schemeClr val="accent1"/>
+          </a:lnRef>
+          <a:fillRef idx="0">
+            <a:schemeClr val="accent1"/>
+          </a:fillRef>
+          <a:effectRef idx="0">
+            <a:schemeClr val="accent1"/>
+          </a:effectRef>
+          <a:fontRef idx="minor">
+            <a:schemeClr val="tx1"/>
+          </a:fontRef>
+        </p:style>
+      </p:cxnSp>
+      <p:cxnSp>
+        <p:nvCxnSpPr>
+          <p:cNvPr id="15" name="直接箭头连接符 14"/>
+          <p:cNvCxnSpPr/>
+          <p:nvPr/>
+        </p:nvCxnSpPr>
+        <p:spPr>
+          <a:xfrm>
+            <a:off x="3110565" y="3419194"/>
+            <a:ext cx="2673319" cy="8781"/>
+          </a:xfrm>
+          <a:prstGeom prst="straightConnector1">
+            <a:avLst/>
+          </a:prstGeom>
+          <a:ln w="38100">
+            <a:solidFill>
+              <a:schemeClr val="tx1"/>
+            </a:solidFill>
+            <a:tailEnd type="triangle"/>
+          </a:ln>
+        </p:spPr>
+        <p:style>
+          <a:lnRef idx="1">
+            <a:schemeClr val="accent1"/>
+          </a:lnRef>
+          <a:fillRef idx="0">
+            <a:schemeClr val="accent1"/>
+          </a:fillRef>
+          <a:effectRef idx="0">
+            <a:schemeClr val="accent1"/>
+          </a:effectRef>
+          <a:fontRef idx="minor">
+            <a:schemeClr val="tx1"/>
+          </a:fontRef>
+        </p:style>
+      </p:cxnSp>
+      <p:sp>
+        <p:nvSpPr>
+          <p:cNvPr id="19" name="文本框 18"/>
+          <p:cNvSpPr txBox="1"/>
+          <p:nvPr/>
+        </p:nvSpPr>
+        <p:spPr>
+          <a:xfrm>
+            <a:off x="5902886" y="1876853"/>
+            <a:ext cx="1787323" cy="984885"/>
+          </a:xfrm>
+          <a:prstGeom prst="rect">
+            <a:avLst/>
+          </a:prstGeom>
+          <a:noFill/>
+        </p:spPr>
+        <p:txBody>
+          <a:bodyPr wrap="square" rtlCol="0">
+            <a:spAutoFit/>
+          </a:bodyPr>
+          <a:lstStyle/>
+          <a:p>
+            <a:pPr algn="ctr"/>
+            <a:r>
+              <a:rPr lang="en-US" altLang="zh-CN" sz="2000" b="1" dirty="0" smtClean="0"/>
+              <a:t>Deep </a:t>
+            </a:r>
+            <a:r>
+              <a:rPr lang="en-US" altLang="zh-CN" sz="2000" b="1" dirty="0" err="1" smtClean="0"/>
+              <a:t>ConvNet</a:t>
+            </a:r>
+            <a:endParaRPr lang="en-US" altLang="zh-CN" sz="2000" b="1" dirty="0" smtClean="0"/>
+          </a:p>
+          <a:p>
+            <a:pPr algn="ctr"/>
+            <a:r>
+              <a:rPr lang="en-US" altLang="zh-CN" sz="2000" dirty="0" smtClean="0"/>
+              <a:t>Training</a:t>
+            </a:r>
+            <a:endParaRPr lang="zh-CN" altLang="en-US" sz="2000" dirty="0"/>
+          </a:p>
+          <a:p>
+            <a:pPr algn="ctr"/>
+            <a:endParaRPr lang="zh-CN" altLang="en-US" b="1" dirty="0"/>
+          </a:p>
+        </p:txBody>
+      </p:sp>
+      <p:sp>
+        <p:nvSpPr>
+          <p:cNvPr id="27" name="圆角矩形 26"/>
+          <p:cNvSpPr/>
+          <p:nvPr/>
+        </p:nvSpPr>
+        <p:spPr>
+          <a:xfrm>
+            <a:off x="1883583" y="1824635"/>
+            <a:ext cx="1143000" cy="762000"/>
+          </a:xfrm>
+          <a:prstGeom prst="roundRect">
+            <a:avLst/>
+          </a:prstGeom>
+          <a:noFill/>
+        </p:spPr>
+        <p:style>
+          <a:lnRef idx="2">
+            <a:schemeClr val="accent1">
+              <a:shade val="50000"/>
+            </a:schemeClr>
+          </a:lnRef>
+          <a:fillRef idx="1">
+            <a:schemeClr val="accent1"/>
+          </a:fillRef>
+          <a:effectRef idx="0">
+            <a:schemeClr val="accent1"/>
+          </a:effectRef>
+          <a:fontRef idx="minor">
+            <a:schemeClr val="lt1"/>
+          </a:fontRef>
+        </p:style>
+        <p:txBody>
+          <a:bodyPr rtlCol="0" anchor="ctr"/>
+          <a:lstStyle/>
+          <a:p>
+            <a:pPr algn="ctr"/>
+            <a:r>
+              <a:rPr lang="en-US" altLang="zh-CN" dirty="0" smtClean="0">
+                <a:solidFill>
+                  <a:schemeClr val="tx1"/>
+                </a:solidFill>
+              </a:rPr>
+              <a:t>Training Images</a:t>
+            </a:r>
+            <a:endParaRPr lang="zh-CN" altLang="en-US" dirty="0">
+              <a:solidFill>
+                <a:schemeClr val="tx1"/>
+              </a:solidFill>
+            </a:endParaRPr>
+          </a:p>
+        </p:txBody>
+      </p:sp>
+      <p:sp>
+        <p:nvSpPr>
+          <p:cNvPr id="28" name="圆角矩形 27"/>
+          <p:cNvSpPr/>
+          <p:nvPr/>
+        </p:nvSpPr>
+        <p:spPr>
+          <a:xfrm>
+            <a:off x="1883583" y="3070818"/>
+            <a:ext cx="1143000" cy="762000"/>
+          </a:xfrm>
+          <a:prstGeom prst="roundRect">
+            <a:avLst/>
+          </a:prstGeom>
+          <a:noFill/>
+        </p:spPr>
+        <p:style>
+          <a:lnRef idx="2">
+            <a:schemeClr val="accent1">
+              <a:shade val="50000"/>
+            </a:schemeClr>
+          </a:lnRef>
+          <a:fillRef idx="1">
+            <a:schemeClr val="accent1"/>
+          </a:fillRef>
+          <a:effectRef idx="0">
+            <a:schemeClr val="accent1"/>
+          </a:effectRef>
+          <a:fontRef idx="minor">
+            <a:schemeClr val="lt1"/>
+          </a:fontRef>
+        </p:style>
+        <p:txBody>
+          <a:bodyPr rtlCol="0" anchor="ctr"/>
+          <a:lstStyle/>
+          <a:p>
+            <a:pPr algn="ctr"/>
+            <a:r>
+              <a:rPr lang="en-US" altLang="zh-CN" dirty="0" smtClean="0">
+                <a:solidFill>
+                  <a:schemeClr val="tx1"/>
+                </a:solidFill>
+              </a:rPr>
+              <a:t>Testing</a:t>
+            </a:r>
+          </a:p>
+          <a:p>
+            <a:pPr algn="ctr"/>
+            <a:r>
+              <a:rPr lang="en-US" altLang="zh-CN" dirty="0" smtClean="0">
+                <a:solidFill>
+                  <a:schemeClr val="tx1"/>
+                </a:solidFill>
+              </a:rPr>
+              <a:t>Images</a:t>
+            </a:r>
+            <a:endParaRPr lang="zh-CN" altLang="en-US" dirty="0">
+              <a:solidFill>
+                <a:schemeClr val="tx1"/>
+              </a:solidFill>
+            </a:endParaRPr>
+          </a:p>
+        </p:txBody>
+      </p:sp>
+      <p:sp>
+        <p:nvSpPr>
+          <p:cNvPr id="21" name="文本框 20"/>
+          <p:cNvSpPr txBox="1"/>
+          <p:nvPr/>
+        </p:nvSpPr>
+        <p:spPr>
+          <a:xfrm>
+            <a:off x="5822280" y="3232197"/>
+            <a:ext cx="1948533" cy="677108"/>
+          </a:xfrm>
+          <a:prstGeom prst="rect">
+            <a:avLst/>
+          </a:prstGeom>
+          <a:noFill/>
+        </p:spPr>
+        <p:txBody>
+          <a:bodyPr wrap="square" rtlCol="0">
+            <a:spAutoFit/>
+          </a:bodyPr>
+          <a:lstStyle/>
+          <a:p>
+            <a:pPr algn="ctr"/>
+            <a:r>
+              <a:rPr lang="en-US" altLang="zh-CN" sz="2000" b="1" dirty="0" smtClean="0"/>
+              <a:t>Deep </a:t>
+            </a:r>
+            <a:r>
+              <a:rPr lang="en-US" altLang="zh-CN" sz="2000" b="1" dirty="0" err="1" smtClean="0"/>
+              <a:t>ConvNet</a:t>
+            </a:r>
+            <a:endParaRPr lang="en-US" altLang="zh-CN" sz="2000" b="1" dirty="0" smtClean="0"/>
+          </a:p>
+          <a:p>
+            <a:pPr algn="ctr"/>
+            <a:endParaRPr lang="zh-CN" altLang="en-US" b="1" dirty="0"/>
+          </a:p>
+        </p:txBody>
+      </p:sp>
+      <p:sp>
+        <p:nvSpPr>
+          <p:cNvPr id="26" name="圆角矩形 25"/>
+          <p:cNvSpPr/>
+          <p:nvPr/>
+        </p:nvSpPr>
+        <p:spPr>
+          <a:xfrm>
+            <a:off x="5928289" y="3056328"/>
+            <a:ext cx="1684823" cy="707724"/>
+          </a:xfrm>
+          <a:prstGeom prst="roundRect">
+            <a:avLst/>
+          </a:prstGeom>
+          <a:noFill/>
+          <a:ln w="28575">
+            <a:solidFill>
+              <a:schemeClr val="tx1"/>
+            </a:solidFill>
+            <a:prstDash val="sysDash"/>
+          </a:ln>
+        </p:spPr>
+        <p:style>
+          <a:lnRef idx="2">
+            <a:schemeClr val="accent6"/>
+          </a:lnRef>
+          <a:fillRef idx="1">
+            <a:schemeClr val="lt1"/>
+          </a:fillRef>
+          <a:effectRef idx="0">
+            <a:schemeClr val="accent6"/>
+          </a:effectRef>
+          <a:fontRef idx="minor">
+            <a:schemeClr val="dk1"/>
+          </a:fontRef>
+        </p:style>
+        <p:txBody>
+          <a:bodyPr rtlCol="0" anchor="ctr"/>
+          <a:lstStyle/>
+          <a:p>
+            <a:pPr algn="ctr"/>
+            <a:endParaRPr lang="zh-CN" altLang="en-US" dirty="0"/>
+          </a:p>
+        </p:txBody>
+      </p:sp>
+      <p:sp>
+        <p:nvSpPr>
+          <p:cNvPr id="30" name="圆角矩形 29"/>
+          <p:cNvSpPr/>
+          <p:nvPr/>
+        </p:nvSpPr>
+        <p:spPr>
+          <a:xfrm>
+            <a:off x="8301823" y="3036724"/>
+            <a:ext cx="1344602" cy="727328"/>
+          </a:xfrm>
+          <a:prstGeom prst="roundRect">
+            <a:avLst/>
+          </a:prstGeom>
+          <a:noFill/>
+          <a:ln w="28575">
+            <a:solidFill>
+              <a:schemeClr val="tx1"/>
+            </a:solidFill>
+            <a:prstDash val="sysDash"/>
+          </a:ln>
+        </p:spPr>
+        <p:style>
+          <a:lnRef idx="2">
+            <a:schemeClr val="accent6"/>
+          </a:lnRef>
+          <a:fillRef idx="1">
+            <a:schemeClr val="lt1"/>
+          </a:fillRef>
+          <a:effectRef idx="0">
+            <a:schemeClr val="accent6"/>
+          </a:effectRef>
+          <a:fontRef idx="minor">
+            <a:schemeClr val="dk1"/>
+          </a:fontRef>
+        </p:style>
+        <p:txBody>
+          <a:bodyPr rtlCol="0" anchor="ctr"/>
+          <a:lstStyle/>
+          <a:p>
+            <a:pPr algn="ctr"/>
+            <a:r>
+              <a:rPr lang="en-US" altLang="zh-CN" sz="2400" b="1" dirty="0" smtClean="0"/>
+              <a:t>SVM</a:t>
+            </a:r>
+          </a:p>
+        </p:txBody>
+      </p:sp>
+      <p:cxnSp>
+        <p:nvCxnSpPr>
+          <p:cNvPr id="31" name="直接箭头连接符 30"/>
+          <p:cNvCxnSpPr/>
+          <p:nvPr/>
+        </p:nvCxnSpPr>
+        <p:spPr>
+          <a:xfrm flipV="1">
+            <a:off x="7754778" y="3404238"/>
+            <a:ext cx="456099" cy="3074"/>
+          </a:xfrm>
+          <a:prstGeom prst="straightConnector1">
+            <a:avLst/>
+          </a:prstGeom>
+          <a:ln w="38100">
+            <a:solidFill>
+              <a:schemeClr val="tx1"/>
+            </a:solidFill>
+            <a:tailEnd type="triangle"/>
+          </a:ln>
+        </p:spPr>
+        <p:style>
+          <a:lnRef idx="1">
+            <a:schemeClr val="accent1"/>
+          </a:lnRef>
+          <a:fillRef idx="0">
+            <a:schemeClr val="accent1"/>
+          </a:fillRef>
+          <a:effectRef idx="0">
+            <a:schemeClr val="accent1"/>
+          </a:effectRef>
+          <a:fontRef idx="minor">
+            <a:schemeClr val="tx1"/>
+          </a:fontRef>
+        </p:style>
+      </p:cxnSp>
+      <p:cxnSp>
+        <p:nvCxnSpPr>
+          <p:cNvPr id="34" name="直接箭头连接符 33"/>
+          <p:cNvCxnSpPr/>
+          <p:nvPr/>
+        </p:nvCxnSpPr>
+        <p:spPr>
+          <a:xfrm>
+            <a:off x="8974124" y="2586908"/>
+            <a:ext cx="5198" cy="432786"/>
+          </a:xfrm>
+          <a:prstGeom prst="straightConnector1">
+            <a:avLst/>
+          </a:prstGeom>
+          <a:ln w="38100">
+            <a:solidFill>
+              <a:schemeClr val="tx1"/>
+            </a:solidFill>
+            <a:prstDash val="sysDot"/>
+            <a:tailEnd type="triangle"/>
+          </a:ln>
+        </p:spPr>
+        <p:style>
+          <a:lnRef idx="1">
+            <a:schemeClr val="accent1"/>
+          </a:lnRef>
+          <a:fillRef idx="0">
+            <a:schemeClr val="accent1"/>
+          </a:fillRef>
+          <a:effectRef idx="0">
+            <a:schemeClr val="accent1"/>
+          </a:effectRef>
+          <a:fontRef idx="minor">
+            <a:schemeClr val="tx1"/>
+          </a:fontRef>
+        </p:style>
+      </p:cxnSp>
+      <p:cxnSp>
+        <p:nvCxnSpPr>
+          <p:cNvPr id="35" name="直接箭头连接符 34"/>
+          <p:cNvCxnSpPr/>
+          <p:nvPr/>
+        </p:nvCxnSpPr>
+        <p:spPr>
+          <a:xfrm>
+            <a:off x="8974124" y="3902090"/>
+            <a:ext cx="3581" cy="366334"/>
+          </a:xfrm>
+          <a:prstGeom prst="straightConnector1">
+            <a:avLst/>
+          </a:prstGeom>
+          <a:ln w="38100">
+            <a:solidFill>
+              <a:schemeClr val="tx1"/>
+            </a:solidFill>
+            <a:tailEnd type="triangle"/>
+          </a:ln>
+        </p:spPr>
+        <p:style>
+          <a:lnRef idx="1">
+            <a:schemeClr val="accent1"/>
+          </a:lnRef>
+          <a:fillRef idx="0">
+            <a:schemeClr val="accent1"/>
+          </a:fillRef>
+          <a:effectRef idx="0">
+            <a:schemeClr val="accent1"/>
+          </a:effectRef>
+          <a:fontRef idx="minor">
+            <a:schemeClr val="tx1"/>
+          </a:fontRef>
+        </p:style>
+      </p:cxnSp>
+      <p:sp>
+        <p:nvSpPr>
+          <p:cNvPr id="36" name="圆角矩形 35"/>
+          <p:cNvSpPr/>
+          <p:nvPr/>
+        </p:nvSpPr>
+        <p:spPr>
+          <a:xfrm>
+            <a:off x="8315736" y="4386421"/>
+            <a:ext cx="1316776" cy="482488"/>
+          </a:xfrm>
+          <a:prstGeom prst="roundRect">
+            <a:avLst/>
+          </a:prstGeom>
+          <a:noFill/>
+        </p:spPr>
+        <p:style>
+          <a:lnRef idx="2">
+            <a:schemeClr val="accent1">
+              <a:shade val="50000"/>
+            </a:schemeClr>
+          </a:lnRef>
+          <a:fillRef idx="1">
+            <a:schemeClr val="accent1"/>
+          </a:fillRef>
+          <a:effectRef idx="0">
+            <a:schemeClr val="accent1"/>
+          </a:effectRef>
+          <a:fontRef idx="minor">
+            <a:schemeClr val="lt1"/>
+          </a:fontRef>
+        </p:style>
+        <p:txBody>
+          <a:bodyPr rtlCol="0" anchor="ctr"/>
+          <a:lstStyle/>
+          <a:p>
+            <a:pPr algn="ctr"/>
+            <a:r>
+              <a:rPr lang="en-US" altLang="zh-CN" dirty="0" smtClean="0">
+                <a:solidFill>
+                  <a:schemeClr val="tx1"/>
+                </a:solidFill>
+              </a:rPr>
+              <a:t>Prediction</a:t>
+            </a:r>
+            <a:endParaRPr lang="zh-CN" altLang="en-US" dirty="0">
+              <a:solidFill>
+                <a:schemeClr val="tx1"/>
+              </a:solidFill>
+            </a:endParaRPr>
+          </a:p>
+        </p:txBody>
+      </p:sp>
+    </p:spTree>
+    <p:extLst>
+      <p:ext uri="{BB962C8B-B14F-4D97-AF65-F5344CB8AC3E}">
+        <p14:creationId xmlns:p14="http://schemas.microsoft.com/office/powerpoint/2010/main" val="3325697967"/>
+      </p:ext>
+    </p:extLst>
+  </p:cSld>
+  <p:clrMapOvr>
+    <a:masterClrMapping/>
+  </p:clrMapOvr>
+</p:sld>
+</file>
+
+<file path=ppt/slides/slide2.xml><?xml version="1.0" encoding="utf-8"?>
+<p:sld xmlns:a="http://schemas.openxmlformats.org/drawingml/2006/main" xmlns:r="http://schemas.openxmlformats.org/officeDocument/2006/relationships" xmlns:p="http://schemas.openxmlformats.org/presentationml/2006/main">
+  <p:cSld>
+    <p:spTree>
+      <p:nvGrpSpPr>
+        <p:cNvPr id="1" name=""/>
+        <p:cNvGrpSpPr/>
+        <p:nvPr/>
+      </p:nvGrpSpPr>
+      <p:grpSpPr>
+        <a:xfrm>
+          <a:off x="0" y="0"/>
+          <a:ext cx="0" cy="0"/>
+          <a:chOff x="0" y="0"/>
+          <a:chExt cx="0" cy="0"/>
+        </a:xfrm>
+      </p:grpSpPr>
+      <p:sp>
+        <p:nvSpPr>
           <p:cNvPr id="4" name="立方体 3"/>
           <p:cNvSpPr/>
           <p:nvPr/>
@@ -6905,7 +7821,7 @@
 </p:sld>
 </file>
 
-<file path=ppt/slides/slide2.xml><?xml version="1.0" encoding="utf-8"?>
+<file path=ppt/slides/slide3.xml><?xml version="1.0" encoding="utf-8"?>
 <p:sld xmlns:a="http://schemas.openxmlformats.org/drawingml/2006/main" xmlns:r="http://schemas.openxmlformats.org/officeDocument/2006/relationships" xmlns:p="http://schemas.openxmlformats.org/presentationml/2006/main">
   <p:cSld>
     <p:spTree>
@@ -8826,7 +9742,7 @@
 </p:sld>
 </file>
 
-<file path=ppt/slides/slide3.xml><?xml version="1.0" encoding="utf-8"?>
+<file path=ppt/slides/slide4.xml><?xml version="1.0" encoding="utf-8"?>
 <p:sld xmlns:a="http://schemas.openxmlformats.org/drawingml/2006/main" xmlns:r="http://schemas.openxmlformats.org/officeDocument/2006/relationships" xmlns:p="http://schemas.openxmlformats.org/presentationml/2006/main">
   <p:cSld>
     <p:spTree>
@@ -9580,10 +10496,10 @@
         </p:nvGrpSpPr>
         <p:grpSpPr>
           <a:xfrm>
-            <a:off x="5263110" y="2635132"/>
-            <a:ext cx="4562135" cy="1329455"/>
-            <a:chOff x="1634101" y="3169407"/>
-            <a:chExt cx="1251345" cy="398170"/>
+            <a:off x="5263109" y="2650593"/>
+            <a:ext cx="4351944" cy="1313996"/>
+            <a:chOff x="1634101" y="3174037"/>
+            <a:chExt cx="1193692" cy="393540"/>
           </a:xfrm>
         </p:grpSpPr>
         <p:sp>
@@ -9644,8 +10560,8 @@
           </p:nvCxnSpPr>
           <p:spPr>
             <a:xfrm>
-              <a:off x="2580201" y="3169407"/>
-              <a:ext cx="227396" cy="201400"/>
+              <a:off x="2590211" y="3174037"/>
+              <a:ext cx="217386" cy="196770"/>
             </a:xfrm>
             <a:prstGeom prst="line">
               <a:avLst/>
@@ -9677,14 +10593,12 @@
         <p:cxnSp>
           <p:nvCxnSpPr>
             <p:cNvPr id="87" name="直接连接符 86"/>
-            <p:cNvCxnSpPr>
-              <a:endCxn id="134" idx="2"/>
-            </p:cNvCxnSpPr>
+            <p:cNvCxnSpPr/>
             <p:nvPr/>
           </p:nvCxnSpPr>
           <p:spPr>
             <a:xfrm flipV="1">
-              <a:off x="2661025" y="3340355"/>
+              <a:off x="2585006" y="3367512"/>
               <a:ext cx="224421" cy="48627"/>
             </a:xfrm>
             <a:prstGeom prst="line">
@@ -9717,13 +10631,15 @@
         <p:cxnSp>
           <p:nvCxnSpPr>
             <p:cNvPr id="88" name="直接连接符 87"/>
-            <p:cNvCxnSpPr/>
+            <p:cNvCxnSpPr>
+              <a:endCxn id="134" idx="2"/>
+            </p:cNvCxnSpPr>
             <p:nvPr/>
           </p:nvCxnSpPr>
           <p:spPr>
             <a:xfrm>
-              <a:off x="2491633" y="3332026"/>
-              <a:ext cx="315965" cy="38782"/>
+              <a:off x="2447288" y="3330622"/>
+              <a:ext cx="380505" cy="50428"/>
             </a:xfrm>
             <a:prstGeom prst="line">
               <a:avLst/>
@@ -9760,8 +10676,8 @@
           </p:nvCxnSpPr>
           <p:spPr>
             <a:xfrm flipV="1">
-              <a:off x="2476586" y="3370810"/>
-              <a:ext cx="331011" cy="182259"/>
+              <a:off x="2452249" y="3370810"/>
+              <a:ext cx="355348" cy="196767"/>
             </a:xfrm>
             <a:prstGeom prst="line">
               <a:avLst/>
@@ -10285,7 +11201,7 @@
 </p:sld>
 </file>
 
-<file path=ppt/slides/slide4.xml><?xml version="1.0" encoding="utf-8"?>
+<file path=ppt/slides/slide5.xml><?xml version="1.0" encoding="utf-8"?>
 <p:sld xmlns:a="http://schemas.openxmlformats.org/drawingml/2006/main" xmlns:r="http://schemas.openxmlformats.org/officeDocument/2006/relationships" xmlns:p="http://schemas.openxmlformats.org/presentationml/2006/main">
   <p:cSld>
     <p:spTree>
@@ -10302,895 +11218,34 @@
           <a:chExt cx="0" cy="0"/>
         </a:xfrm>
       </p:grpSpPr>
-      <p:sp>
-        <p:nvSpPr>
-          <p:cNvPr id="18" name="圆角矩形 17"/>
-          <p:cNvSpPr/>
-          <p:nvPr/>
-        </p:nvSpPr>
-        <p:spPr>
-          <a:xfrm>
-            <a:off x="2435343" y="2052425"/>
-            <a:ext cx="6454278" cy="1214315"/>
-          </a:xfrm>
-          <a:prstGeom prst="roundRect">
-            <a:avLst/>
-          </a:prstGeom>
-          <a:solidFill>
-            <a:schemeClr val="accent6">
-              <a:lumMod val="20000"/>
-              <a:lumOff val="80000"/>
-            </a:schemeClr>
-          </a:solidFill>
-          <a:ln w="28575">
-            <a:solidFill>
-              <a:schemeClr val="bg1"/>
-            </a:solidFill>
-          </a:ln>
-        </p:spPr>
-        <p:style>
-          <a:lnRef idx="2">
-            <a:schemeClr val="accent6"/>
-          </a:lnRef>
-          <a:fillRef idx="1">
-            <a:schemeClr val="lt1"/>
-          </a:fillRef>
-          <a:effectRef idx="0">
-            <a:schemeClr val="accent6"/>
-          </a:effectRef>
-          <a:fontRef idx="minor">
-            <a:schemeClr val="dk1"/>
-          </a:fontRef>
-        </p:style>
-        <p:txBody>
-          <a:bodyPr rtlCol="0" anchor="ctr"/>
-          <a:lstStyle/>
-          <a:p>
-            <a:pPr algn="ctr"/>
-            <a:endParaRPr lang="zh-CN" altLang="en-US" dirty="0"/>
-          </a:p>
-        </p:txBody>
-      </p:sp>
-      <p:sp>
-        <p:nvSpPr>
-          <p:cNvPr id="17" name="圆角矩形 16"/>
-          <p:cNvSpPr/>
-          <p:nvPr/>
-        </p:nvSpPr>
-        <p:spPr>
-          <a:xfrm>
-            <a:off x="2435343" y="3192122"/>
-            <a:ext cx="6454278" cy="1125792"/>
-          </a:xfrm>
-          <a:prstGeom prst="roundRect">
-            <a:avLst/>
-          </a:prstGeom>
-          <a:solidFill>
-            <a:schemeClr val="accent2">
-              <a:lumMod val="20000"/>
-              <a:lumOff val="80000"/>
-            </a:schemeClr>
-          </a:solidFill>
-          <a:ln w="28575">
-            <a:solidFill>
-              <a:schemeClr val="bg1"/>
-            </a:solidFill>
-          </a:ln>
-        </p:spPr>
-        <p:style>
-          <a:lnRef idx="2">
-            <a:schemeClr val="accent6"/>
-          </a:lnRef>
-          <a:fillRef idx="1">
-            <a:schemeClr val="lt1"/>
-          </a:fillRef>
-          <a:effectRef idx="0">
-            <a:schemeClr val="accent6"/>
-          </a:effectRef>
-          <a:fontRef idx="minor">
-            <a:schemeClr val="dk1"/>
-          </a:fontRef>
-        </p:style>
-        <p:txBody>
-          <a:bodyPr rtlCol="0" anchor="ctr"/>
-          <a:lstStyle/>
-          <a:p>
-            <a:pPr algn="ctr"/>
-            <a:endParaRPr lang="zh-CN" altLang="en-US"/>
-          </a:p>
-        </p:txBody>
-      </p:sp>
-      <p:sp>
-        <p:nvSpPr>
-          <p:cNvPr id="4" name="圆角矩形 3"/>
-          <p:cNvSpPr/>
-          <p:nvPr/>
-        </p:nvSpPr>
-        <p:spPr>
-          <a:xfrm>
-            <a:off x="2852857" y="2264607"/>
-            <a:ext cx="1627452" cy="646331"/>
-          </a:xfrm>
-          <a:prstGeom prst="roundRect">
-            <a:avLst/>
-          </a:prstGeom>
-          <a:noFill/>
-          <a:ln w="28575">
-            <a:solidFill>
-              <a:schemeClr val="tx1"/>
-            </a:solidFill>
-          </a:ln>
-        </p:spPr>
-        <p:style>
-          <a:lnRef idx="2">
-            <a:schemeClr val="accent6"/>
-          </a:lnRef>
-          <a:fillRef idx="1">
-            <a:schemeClr val="lt1"/>
-          </a:fillRef>
-          <a:effectRef idx="0">
-            <a:schemeClr val="accent6"/>
-          </a:effectRef>
-          <a:fontRef idx="minor">
-            <a:schemeClr val="dk1"/>
-          </a:fontRef>
-        </p:style>
-        <p:txBody>
-          <a:bodyPr rtlCol="0" anchor="ctr"/>
-          <a:lstStyle/>
-          <a:p>
-            <a:pPr algn="ctr"/>
-            <a:r>
-              <a:rPr lang="en-US" altLang="zh-CN" dirty="0" smtClean="0"/>
-              <a:t>Data Augmentation</a:t>
-            </a:r>
-            <a:endParaRPr lang="zh-CN" altLang="en-US" dirty="0"/>
-          </a:p>
-        </p:txBody>
-      </p:sp>
-      <p:sp>
-        <p:nvSpPr>
-          <p:cNvPr id="5" name="圆角矩形 4"/>
-          <p:cNvSpPr/>
-          <p:nvPr/>
-        </p:nvSpPr>
-        <p:spPr>
-          <a:xfrm>
-            <a:off x="5017720" y="2230836"/>
-            <a:ext cx="1684823" cy="707724"/>
-          </a:xfrm>
-          <a:prstGeom prst="roundRect">
-            <a:avLst/>
-          </a:prstGeom>
-          <a:noFill/>
-          <a:ln w="28575">
-            <a:solidFill>
-              <a:schemeClr val="tx1"/>
-            </a:solidFill>
-          </a:ln>
-        </p:spPr>
-        <p:style>
-          <a:lnRef idx="2">
-            <a:schemeClr val="accent6"/>
-          </a:lnRef>
-          <a:fillRef idx="1">
-            <a:schemeClr val="lt1"/>
-          </a:fillRef>
-          <a:effectRef idx="0">
-            <a:schemeClr val="accent6"/>
-          </a:effectRef>
-          <a:fontRef idx="minor">
-            <a:schemeClr val="dk1"/>
-          </a:fontRef>
-        </p:style>
-        <p:txBody>
-          <a:bodyPr rtlCol="0" anchor="ctr"/>
-          <a:lstStyle/>
-          <a:p>
-            <a:pPr algn="ctr"/>
-            <a:endParaRPr lang="zh-CN" altLang="en-US" dirty="0"/>
-          </a:p>
-        </p:txBody>
-      </p:sp>
-      <p:sp>
-        <p:nvSpPr>
-          <p:cNvPr id="6" name="圆角矩形 5"/>
-          <p:cNvSpPr/>
-          <p:nvPr/>
-        </p:nvSpPr>
-        <p:spPr>
-          <a:xfrm>
-            <a:off x="7387991" y="2221034"/>
-            <a:ext cx="1344602" cy="727328"/>
-          </a:xfrm>
-          <a:prstGeom prst="roundRect">
-            <a:avLst/>
-          </a:prstGeom>
-          <a:noFill/>
-          <a:ln w="28575">
-            <a:solidFill>
-              <a:schemeClr val="tx1"/>
-            </a:solidFill>
-          </a:ln>
-        </p:spPr>
-        <p:style>
-          <a:lnRef idx="2">
-            <a:schemeClr val="accent6"/>
-          </a:lnRef>
-          <a:fillRef idx="1">
-            <a:schemeClr val="lt1"/>
-          </a:fillRef>
-          <a:effectRef idx="0">
-            <a:schemeClr val="accent6"/>
-          </a:effectRef>
-          <a:fontRef idx="minor">
-            <a:schemeClr val="dk1"/>
-          </a:fontRef>
-        </p:style>
-        <p:txBody>
-          <a:bodyPr rtlCol="0" anchor="ctr"/>
-          <a:lstStyle/>
-          <a:p>
-            <a:pPr algn="ctr"/>
-            <a:r>
-              <a:rPr lang="en-US" altLang="zh-CN" sz="2000" b="1" dirty="0" smtClean="0"/>
-              <a:t>SVM</a:t>
-            </a:r>
-            <a:endParaRPr lang="en-US" altLang="zh-CN" b="1" dirty="0" smtClean="0"/>
-          </a:p>
-          <a:p>
-            <a:pPr algn="ctr"/>
-            <a:r>
-              <a:rPr lang="en-US" altLang="zh-CN" sz="2000" dirty="0" smtClean="0"/>
-              <a:t>Training</a:t>
-            </a:r>
-            <a:endParaRPr lang="zh-CN" altLang="en-US" dirty="0"/>
-          </a:p>
-        </p:txBody>
-      </p:sp>
-      <p:cxnSp>
-        <p:nvCxnSpPr>
-          <p:cNvPr id="8" name="直接箭头连接符 7"/>
-          <p:cNvCxnSpPr/>
-          <p:nvPr/>
-        </p:nvCxnSpPr>
-        <p:spPr>
-          <a:xfrm>
-            <a:off x="2196733" y="2587772"/>
-            <a:ext cx="603541" cy="4113"/>
-          </a:xfrm>
-          <a:prstGeom prst="straightConnector1">
-            <a:avLst/>
-          </a:prstGeom>
-          <a:ln w="38100">
-            <a:solidFill>
-              <a:schemeClr val="tx1"/>
-            </a:solidFill>
-            <a:tailEnd type="triangle"/>
-          </a:ln>
-        </p:spPr>
-        <p:style>
-          <a:lnRef idx="1">
-            <a:schemeClr val="accent1"/>
-          </a:lnRef>
-          <a:fillRef idx="0">
-            <a:schemeClr val="accent1"/>
-          </a:fillRef>
-          <a:effectRef idx="0">
-            <a:schemeClr val="accent1"/>
-          </a:effectRef>
-          <a:fontRef idx="minor">
-            <a:schemeClr val="tx1"/>
-          </a:fontRef>
-        </p:style>
-      </p:cxnSp>
-      <p:cxnSp>
-        <p:nvCxnSpPr>
-          <p:cNvPr id="10" name="直接箭头连接符 9"/>
-          <p:cNvCxnSpPr/>
-          <p:nvPr/>
-        </p:nvCxnSpPr>
-        <p:spPr>
-          <a:xfrm>
-            <a:off x="4551349" y="2587772"/>
-            <a:ext cx="401933" cy="0"/>
-          </a:xfrm>
-          <a:prstGeom prst="straightConnector1">
-            <a:avLst/>
-          </a:prstGeom>
-          <a:ln w="38100">
-            <a:solidFill>
-              <a:schemeClr val="tx1"/>
-            </a:solidFill>
-            <a:tailEnd type="triangle"/>
-          </a:ln>
-        </p:spPr>
-        <p:style>
-          <a:lnRef idx="1">
-            <a:schemeClr val="accent1"/>
-          </a:lnRef>
-          <a:fillRef idx="0">
-            <a:schemeClr val="accent1"/>
-          </a:fillRef>
-          <a:effectRef idx="0">
-            <a:schemeClr val="accent1"/>
-          </a:effectRef>
-          <a:fontRef idx="minor">
-            <a:schemeClr val="tx1"/>
-          </a:fontRef>
-        </p:style>
-      </p:cxnSp>
-      <p:cxnSp>
-        <p:nvCxnSpPr>
-          <p:cNvPr id="12" name="直接箭头连接符 11"/>
-          <p:cNvCxnSpPr/>
-          <p:nvPr/>
-        </p:nvCxnSpPr>
-        <p:spPr>
-          <a:xfrm flipV="1">
-            <a:off x="6850211" y="2584698"/>
-            <a:ext cx="456099" cy="3074"/>
-          </a:xfrm>
-          <a:prstGeom prst="straightConnector1">
-            <a:avLst/>
-          </a:prstGeom>
-          <a:ln w="38100">
-            <a:solidFill>
-              <a:schemeClr val="tx1"/>
-            </a:solidFill>
-            <a:tailEnd type="triangle"/>
-          </a:ln>
-        </p:spPr>
-        <p:style>
-          <a:lnRef idx="1">
-            <a:schemeClr val="accent1"/>
-          </a:lnRef>
-          <a:fillRef idx="0">
-            <a:schemeClr val="accent1"/>
-          </a:fillRef>
-          <a:effectRef idx="0">
-            <a:schemeClr val="accent1"/>
-          </a:effectRef>
-          <a:fontRef idx="minor">
-            <a:schemeClr val="tx1"/>
-          </a:fontRef>
-        </p:style>
-      </p:cxnSp>
-      <p:cxnSp>
-        <p:nvCxnSpPr>
-          <p:cNvPr id="14" name="直接箭头连接符 13"/>
-          <p:cNvCxnSpPr/>
-          <p:nvPr/>
-        </p:nvCxnSpPr>
-        <p:spPr>
-          <a:xfrm>
-            <a:off x="5851670" y="2975729"/>
-            <a:ext cx="5198" cy="432786"/>
-          </a:xfrm>
-          <a:prstGeom prst="straightConnector1">
-            <a:avLst/>
-          </a:prstGeom>
-          <a:ln w="38100">
-            <a:solidFill>
-              <a:schemeClr val="tx1"/>
-            </a:solidFill>
-            <a:prstDash val="sysDot"/>
-            <a:tailEnd type="triangle"/>
-          </a:ln>
-        </p:spPr>
-        <p:style>
-          <a:lnRef idx="1">
-            <a:schemeClr val="accent1"/>
-          </a:lnRef>
-          <a:fillRef idx="0">
-            <a:schemeClr val="accent1"/>
-          </a:fillRef>
-          <a:effectRef idx="0">
-            <a:schemeClr val="accent1"/>
-          </a:effectRef>
-          <a:fontRef idx="minor">
-            <a:schemeClr val="tx1"/>
-          </a:fontRef>
-        </p:style>
-      </p:cxnSp>
-      <p:cxnSp>
-        <p:nvCxnSpPr>
-          <p:cNvPr id="15" name="直接箭头连接符 14"/>
-          <p:cNvCxnSpPr/>
-          <p:nvPr/>
-        </p:nvCxnSpPr>
-        <p:spPr>
-          <a:xfrm>
-            <a:off x="2196733" y="3801331"/>
-            <a:ext cx="2673319" cy="8781"/>
-          </a:xfrm>
-          <a:prstGeom prst="straightConnector1">
-            <a:avLst/>
-          </a:prstGeom>
-          <a:ln w="38100">
-            <a:solidFill>
-              <a:schemeClr val="tx1"/>
-            </a:solidFill>
-            <a:tailEnd type="triangle"/>
-          </a:ln>
-        </p:spPr>
-        <p:style>
-          <a:lnRef idx="1">
-            <a:schemeClr val="accent1"/>
-          </a:lnRef>
-          <a:fillRef idx="0">
-            <a:schemeClr val="accent1"/>
-          </a:fillRef>
-          <a:effectRef idx="0">
-            <a:schemeClr val="accent1"/>
-          </a:effectRef>
-          <a:fontRef idx="minor">
-            <a:schemeClr val="tx1"/>
-          </a:fontRef>
-        </p:style>
-      </p:cxnSp>
-      <p:sp>
-        <p:nvSpPr>
-          <p:cNvPr id="19" name="文本框 18"/>
-          <p:cNvSpPr txBox="1"/>
-          <p:nvPr/>
-        </p:nvSpPr>
-        <p:spPr>
-          <a:xfrm>
-            <a:off x="4989054" y="2258990"/>
-            <a:ext cx="1787323" cy="984885"/>
+      <p:pic>
+        <p:nvPicPr>
+          <p:cNvPr id="4" name="图片 3"/>
+          <p:cNvPicPr>
+            <a:picLocks noChangeAspect="1"/>
+          </p:cNvPicPr>
+          <p:nvPr/>
+        </p:nvPicPr>
+        <p:blipFill>
+          <a:blip r:embed="rId2"/>
+          <a:stretch>
+            <a:fillRect/>
+          </a:stretch>
+        </p:blipFill>
+        <p:spPr>
+          <a:xfrm>
+            <a:off x="977900" y="977901"/>
+            <a:ext cx="9872662" cy="4871244"/>
           </a:xfrm>
           <a:prstGeom prst="rect">
             <a:avLst/>
           </a:prstGeom>
-          <a:noFill/>
-        </p:spPr>
-        <p:txBody>
-          <a:bodyPr wrap="square" rtlCol="0">
-            <a:spAutoFit/>
-          </a:bodyPr>
-          <a:lstStyle/>
-          <a:p>
-            <a:pPr algn="ctr"/>
-            <a:r>
-              <a:rPr lang="en-US" altLang="zh-CN" sz="2000" b="1" dirty="0" smtClean="0"/>
-              <a:t>Deep </a:t>
-            </a:r>
-            <a:r>
-              <a:rPr lang="en-US" altLang="zh-CN" sz="2000" b="1" dirty="0" err="1" smtClean="0"/>
-              <a:t>ConvNet</a:t>
-            </a:r>
-            <a:endParaRPr lang="en-US" altLang="zh-CN" sz="2000" b="1" dirty="0" smtClean="0"/>
-          </a:p>
-          <a:p>
-            <a:pPr algn="ctr"/>
-            <a:r>
-              <a:rPr lang="en-US" altLang="zh-CN" sz="2000" dirty="0" smtClean="0"/>
-              <a:t>SGD Training</a:t>
-            </a:r>
-            <a:endParaRPr lang="zh-CN" altLang="en-US" sz="2000" dirty="0"/>
-          </a:p>
-          <a:p>
-            <a:pPr algn="ctr"/>
-            <a:endParaRPr lang="zh-CN" altLang="en-US" b="1" dirty="0"/>
-          </a:p>
-        </p:txBody>
-      </p:sp>
-      <p:sp>
-        <p:nvSpPr>
-          <p:cNvPr id="27" name="圆角矩形 26"/>
-          <p:cNvSpPr/>
-          <p:nvPr/>
-        </p:nvSpPr>
-        <p:spPr>
-          <a:xfrm>
-            <a:off x="969751" y="2206772"/>
-            <a:ext cx="1143000" cy="762000"/>
-          </a:xfrm>
-          <a:prstGeom prst="roundRect">
-            <a:avLst/>
-          </a:prstGeom>
-          <a:noFill/>
-        </p:spPr>
-        <p:style>
-          <a:lnRef idx="2">
-            <a:schemeClr val="accent1">
-              <a:shade val="50000"/>
-            </a:schemeClr>
-          </a:lnRef>
-          <a:fillRef idx="1">
-            <a:schemeClr val="accent1"/>
-          </a:fillRef>
-          <a:effectRef idx="0">
-            <a:schemeClr val="accent1"/>
-          </a:effectRef>
-          <a:fontRef idx="minor">
-            <a:schemeClr val="lt1"/>
-          </a:fontRef>
-        </p:style>
-        <p:txBody>
-          <a:bodyPr rtlCol="0" anchor="ctr"/>
-          <a:lstStyle/>
-          <a:p>
-            <a:pPr algn="ctr"/>
-            <a:r>
-              <a:rPr lang="en-US" altLang="zh-CN" dirty="0" smtClean="0">
-                <a:solidFill>
-                  <a:schemeClr val="tx1"/>
-                </a:solidFill>
-              </a:rPr>
-              <a:t>Training Images</a:t>
-            </a:r>
-            <a:endParaRPr lang="zh-CN" altLang="en-US" dirty="0">
-              <a:solidFill>
-                <a:schemeClr val="tx1"/>
-              </a:solidFill>
-            </a:endParaRPr>
-          </a:p>
-        </p:txBody>
-      </p:sp>
-      <p:sp>
-        <p:nvSpPr>
-          <p:cNvPr id="28" name="圆角矩形 27"/>
-          <p:cNvSpPr/>
-          <p:nvPr/>
-        </p:nvSpPr>
-        <p:spPr>
-          <a:xfrm>
-            <a:off x="969751" y="3452955"/>
-            <a:ext cx="1143000" cy="762000"/>
-          </a:xfrm>
-          <a:prstGeom prst="roundRect">
-            <a:avLst/>
-          </a:prstGeom>
-          <a:noFill/>
-        </p:spPr>
-        <p:style>
-          <a:lnRef idx="2">
-            <a:schemeClr val="accent1">
-              <a:shade val="50000"/>
-            </a:schemeClr>
-          </a:lnRef>
-          <a:fillRef idx="1">
-            <a:schemeClr val="accent1"/>
-          </a:fillRef>
-          <a:effectRef idx="0">
-            <a:schemeClr val="accent1"/>
-          </a:effectRef>
-          <a:fontRef idx="minor">
-            <a:schemeClr val="lt1"/>
-          </a:fontRef>
-        </p:style>
-        <p:txBody>
-          <a:bodyPr rtlCol="0" anchor="ctr"/>
-          <a:lstStyle/>
-          <a:p>
-            <a:pPr algn="ctr"/>
-            <a:r>
-              <a:rPr lang="en-US" altLang="zh-CN" dirty="0" smtClean="0">
-                <a:solidFill>
-                  <a:schemeClr val="tx1"/>
-                </a:solidFill>
-              </a:rPr>
-              <a:t>Testing</a:t>
-            </a:r>
-          </a:p>
-          <a:p>
-            <a:pPr algn="ctr"/>
-            <a:r>
-              <a:rPr lang="en-US" altLang="zh-CN" dirty="0" smtClean="0">
-                <a:solidFill>
-                  <a:schemeClr val="tx1"/>
-                </a:solidFill>
-              </a:rPr>
-              <a:t>Images</a:t>
-            </a:r>
-            <a:endParaRPr lang="zh-CN" altLang="en-US" dirty="0">
-              <a:solidFill>
-                <a:schemeClr val="tx1"/>
-              </a:solidFill>
-            </a:endParaRPr>
-          </a:p>
-        </p:txBody>
-      </p:sp>
-      <p:sp>
-        <p:nvSpPr>
-          <p:cNvPr id="21" name="文本框 20"/>
-          <p:cNvSpPr txBox="1"/>
-          <p:nvPr/>
-        </p:nvSpPr>
-        <p:spPr>
-          <a:xfrm>
-            <a:off x="4908448" y="3614334"/>
-            <a:ext cx="1948533" cy="677108"/>
-          </a:xfrm>
-          <a:prstGeom prst="rect">
-            <a:avLst/>
-          </a:prstGeom>
-          <a:noFill/>
-        </p:spPr>
-        <p:txBody>
-          <a:bodyPr wrap="square" rtlCol="0">
-            <a:spAutoFit/>
-          </a:bodyPr>
-          <a:lstStyle/>
-          <a:p>
-            <a:pPr algn="ctr"/>
-            <a:r>
-              <a:rPr lang="en-US" altLang="zh-CN" sz="2000" b="1" dirty="0" smtClean="0"/>
-              <a:t>Deep </a:t>
-            </a:r>
-            <a:r>
-              <a:rPr lang="en-US" altLang="zh-CN" sz="2000" b="1" dirty="0" err="1" smtClean="0"/>
-              <a:t>ConvNet</a:t>
-            </a:r>
-            <a:endParaRPr lang="en-US" altLang="zh-CN" sz="2000" b="1" dirty="0" smtClean="0"/>
-          </a:p>
-          <a:p>
-            <a:pPr algn="ctr"/>
-            <a:endParaRPr lang="zh-CN" altLang="en-US" b="1" dirty="0"/>
-          </a:p>
-        </p:txBody>
-      </p:sp>
-      <p:sp>
-        <p:nvSpPr>
-          <p:cNvPr id="26" name="圆角矩形 25"/>
-          <p:cNvSpPr/>
-          <p:nvPr/>
-        </p:nvSpPr>
-        <p:spPr>
-          <a:xfrm>
-            <a:off x="5014457" y="3438465"/>
-            <a:ext cx="1684823" cy="707724"/>
-          </a:xfrm>
-          <a:prstGeom prst="roundRect">
-            <a:avLst/>
-          </a:prstGeom>
-          <a:noFill/>
-          <a:ln w="28575">
-            <a:solidFill>
-              <a:schemeClr val="tx1"/>
-            </a:solidFill>
-            <a:prstDash val="sysDash"/>
-          </a:ln>
-        </p:spPr>
-        <p:style>
-          <a:lnRef idx="2">
-            <a:schemeClr val="accent6"/>
-          </a:lnRef>
-          <a:fillRef idx="1">
-            <a:schemeClr val="lt1"/>
-          </a:fillRef>
-          <a:effectRef idx="0">
-            <a:schemeClr val="accent6"/>
-          </a:effectRef>
-          <a:fontRef idx="minor">
-            <a:schemeClr val="dk1"/>
-          </a:fontRef>
-        </p:style>
-        <p:txBody>
-          <a:bodyPr rtlCol="0" anchor="ctr"/>
-          <a:lstStyle/>
-          <a:p>
-            <a:pPr algn="ctr"/>
-            <a:endParaRPr lang="zh-CN" altLang="en-US" dirty="0"/>
-          </a:p>
-        </p:txBody>
-      </p:sp>
-      <p:sp>
-        <p:nvSpPr>
-          <p:cNvPr id="30" name="圆角矩形 29"/>
-          <p:cNvSpPr/>
-          <p:nvPr/>
-        </p:nvSpPr>
-        <p:spPr>
-          <a:xfrm>
-            <a:off x="7387991" y="3418861"/>
-            <a:ext cx="1344602" cy="727328"/>
-          </a:xfrm>
-          <a:prstGeom prst="roundRect">
-            <a:avLst/>
-          </a:prstGeom>
-          <a:noFill/>
-          <a:ln w="28575">
-            <a:solidFill>
-              <a:schemeClr val="tx1"/>
-            </a:solidFill>
-            <a:prstDash val="sysDash"/>
-          </a:ln>
-        </p:spPr>
-        <p:style>
-          <a:lnRef idx="2">
-            <a:schemeClr val="accent6"/>
-          </a:lnRef>
-          <a:fillRef idx="1">
-            <a:schemeClr val="lt1"/>
-          </a:fillRef>
-          <a:effectRef idx="0">
-            <a:schemeClr val="accent6"/>
-          </a:effectRef>
-          <a:fontRef idx="minor">
-            <a:schemeClr val="dk1"/>
-          </a:fontRef>
-        </p:style>
-        <p:txBody>
-          <a:bodyPr rtlCol="0" anchor="ctr"/>
-          <a:lstStyle/>
-          <a:p>
-            <a:pPr algn="ctr"/>
-            <a:r>
-              <a:rPr lang="en-US" altLang="zh-CN" sz="2400" b="1" dirty="0" smtClean="0"/>
-              <a:t>SVM</a:t>
-            </a:r>
-          </a:p>
-        </p:txBody>
-      </p:sp>
-      <p:cxnSp>
-        <p:nvCxnSpPr>
-          <p:cNvPr id="31" name="直接箭头连接符 30"/>
-          <p:cNvCxnSpPr/>
-          <p:nvPr/>
-        </p:nvCxnSpPr>
-        <p:spPr>
-          <a:xfrm flipV="1">
-            <a:off x="6840946" y="3786375"/>
-            <a:ext cx="456099" cy="3074"/>
-          </a:xfrm>
-          <a:prstGeom prst="straightConnector1">
-            <a:avLst/>
-          </a:prstGeom>
-          <a:ln w="38100">
-            <a:solidFill>
-              <a:schemeClr val="tx1"/>
-            </a:solidFill>
-            <a:tailEnd type="triangle"/>
-          </a:ln>
-        </p:spPr>
-        <p:style>
-          <a:lnRef idx="1">
-            <a:schemeClr val="accent1"/>
-          </a:lnRef>
-          <a:fillRef idx="0">
-            <a:schemeClr val="accent1"/>
-          </a:fillRef>
-          <a:effectRef idx="0">
-            <a:schemeClr val="accent1"/>
-          </a:effectRef>
-          <a:fontRef idx="minor">
-            <a:schemeClr val="tx1"/>
-          </a:fontRef>
-        </p:style>
-      </p:cxnSp>
-      <p:cxnSp>
-        <p:nvCxnSpPr>
-          <p:cNvPr id="34" name="直接箭头连接符 33"/>
-          <p:cNvCxnSpPr/>
-          <p:nvPr/>
-        </p:nvCxnSpPr>
-        <p:spPr>
-          <a:xfrm>
-            <a:off x="8060292" y="2969045"/>
-            <a:ext cx="5198" cy="432786"/>
-          </a:xfrm>
-          <a:prstGeom prst="straightConnector1">
-            <a:avLst/>
-          </a:prstGeom>
-          <a:ln w="38100">
-            <a:solidFill>
-              <a:schemeClr val="tx1"/>
-            </a:solidFill>
-            <a:prstDash val="sysDot"/>
-            <a:tailEnd type="triangle"/>
-          </a:ln>
-        </p:spPr>
-        <p:style>
-          <a:lnRef idx="1">
-            <a:schemeClr val="accent1"/>
-          </a:lnRef>
-          <a:fillRef idx="0">
-            <a:schemeClr val="accent1"/>
-          </a:fillRef>
-          <a:effectRef idx="0">
-            <a:schemeClr val="accent1"/>
-          </a:effectRef>
-          <a:fontRef idx="minor">
-            <a:schemeClr val="tx1"/>
-          </a:fontRef>
-        </p:style>
-      </p:cxnSp>
-      <p:cxnSp>
-        <p:nvCxnSpPr>
-          <p:cNvPr id="35" name="直接箭头连接符 34"/>
-          <p:cNvCxnSpPr/>
-          <p:nvPr/>
-        </p:nvCxnSpPr>
-        <p:spPr>
-          <a:xfrm flipV="1">
-            <a:off x="8822295" y="3751944"/>
-            <a:ext cx="456099" cy="3074"/>
-          </a:xfrm>
-          <a:prstGeom prst="straightConnector1">
-            <a:avLst/>
-          </a:prstGeom>
-          <a:ln w="38100">
-            <a:solidFill>
-              <a:schemeClr val="tx1"/>
-            </a:solidFill>
-            <a:tailEnd type="triangle"/>
-          </a:ln>
-        </p:spPr>
-        <p:style>
-          <a:lnRef idx="1">
-            <a:schemeClr val="accent1"/>
-          </a:lnRef>
-          <a:fillRef idx="0">
-            <a:schemeClr val="accent1"/>
-          </a:fillRef>
-          <a:effectRef idx="0">
-            <a:schemeClr val="accent1"/>
-          </a:effectRef>
-          <a:fontRef idx="minor">
-            <a:schemeClr val="tx1"/>
-          </a:fontRef>
-        </p:style>
-      </p:cxnSp>
-      <p:sp>
-        <p:nvSpPr>
-          <p:cNvPr id="36" name="圆角矩形 35"/>
-          <p:cNvSpPr/>
-          <p:nvPr/>
-        </p:nvSpPr>
-        <p:spPr>
-          <a:xfrm>
-            <a:off x="9368096" y="3510700"/>
-            <a:ext cx="1316776" cy="482488"/>
-          </a:xfrm>
-          <a:prstGeom prst="roundRect">
-            <a:avLst/>
-          </a:prstGeom>
-          <a:noFill/>
-        </p:spPr>
-        <p:style>
-          <a:lnRef idx="2">
-            <a:schemeClr val="accent1">
-              <a:shade val="50000"/>
-            </a:schemeClr>
-          </a:lnRef>
-          <a:fillRef idx="1">
-            <a:schemeClr val="accent1"/>
-          </a:fillRef>
-          <a:effectRef idx="0">
-            <a:schemeClr val="accent1"/>
-          </a:effectRef>
-          <a:fontRef idx="minor">
-            <a:schemeClr val="lt1"/>
-          </a:fontRef>
-        </p:style>
-        <p:txBody>
-          <a:bodyPr rtlCol="0" anchor="ctr"/>
-          <a:lstStyle/>
-          <a:p>
-            <a:pPr algn="ctr"/>
-            <a:r>
-              <a:rPr lang="en-US" altLang="zh-CN" dirty="0" smtClean="0">
-                <a:solidFill>
-                  <a:schemeClr val="tx1"/>
-                </a:solidFill>
-              </a:rPr>
-              <a:t>Prediction</a:t>
-            </a:r>
-            <a:endParaRPr lang="zh-CN" altLang="en-US" dirty="0">
-              <a:solidFill>
-                <a:schemeClr val="tx1"/>
-              </a:solidFill>
-            </a:endParaRPr>
-          </a:p>
-        </p:txBody>
-      </p:sp>
+        </p:spPr>
+      </p:pic>
     </p:spTree>
     <p:extLst>
       <p:ext uri="{BB962C8B-B14F-4D97-AF65-F5344CB8AC3E}">
-        <p14:creationId xmlns:p14="http://schemas.microsoft.com/office/powerpoint/2010/main" val="3325697967"/>
+        <p14:creationId xmlns:p14="http://schemas.microsoft.com/office/powerpoint/2010/main" val="2835367838"/>
       </p:ext>
     </p:extLst>
   </p:cSld>
